--- a/빅데이터-시흥시연계_이영채_김동혁.pptx
+++ b/빅데이터-시흥시연계_이영채_김동혁.pptx
@@ -5,36 +5,35 @@
     <p:sldMasterId id="2147483648" r:id="rId1"/>
   </p:sldMasterIdLst>
   <p:notesMasterIdLst>
-    <p:notesMasterId r:id="rId26"/>
+    <p:notesMasterId r:id="rId25"/>
   </p:notesMasterIdLst>
   <p:handoutMasterIdLst>
-    <p:handoutMasterId r:id="rId27"/>
+    <p:handoutMasterId r:id="rId26"/>
   </p:handoutMasterIdLst>
   <p:sldIdLst>
     <p:sldId id="261" r:id="rId2"/>
     <p:sldId id="259" r:id="rId3"/>
-    <p:sldId id="269" r:id="rId4"/>
-    <p:sldId id="270" r:id="rId5"/>
-    <p:sldId id="264" r:id="rId6"/>
-    <p:sldId id="271" r:id="rId7"/>
-    <p:sldId id="272" r:id="rId8"/>
-    <p:sldId id="273" r:id="rId9"/>
-    <p:sldId id="275" r:id="rId10"/>
-    <p:sldId id="276" r:id="rId11"/>
-    <p:sldId id="277" r:id="rId12"/>
-    <p:sldId id="278" r:id="rId13"/>
-    <p:sldId id="279" r:id="rId14"/>
-    <p:sldId id="280" r:id="rId15"/>
-    <p:sldId id="281" r:id="rId16"/>
-    <p:sldId id="274" r:id="rId17"/>
-    <p:sldId id="282" r:id="rId18"/>
-    <p:sldId id="283" r:id="rId19"/>
-    <p:sldId id="284" r:id="rId20"/>
-    <p:sldId id="285" r:id="rId21"/>
-    <p:sldId id="286" r:id="rId22"/>
-    <p:sldId id="289" r:id="rId23"/>
-    <p:sldId id="288" r:id="rId24"/>
-    <p:sldId id="266" r:id="rId25"/>
+    <p:sldId id="270" r:id="rId4"/>
+    <p:sldId id="264" r:id="rId5"/>
+    <p:sldId id="271" r:id="rId6"/>
+    <p:sldId id="272" r:id="rId7"/>
+    <p:sldId id="273" r:id="rId8"/>
+    <p:sldId id="275" r:id="rId9"/>
+    <p:sldId id="276" r:id="rId10"/>
+    <p:sldId id="277" r:id="rId11"/>
+    <p:sldId id="278" r:id="rId12"/>
+    <p:sldId id="279" r:id="rId13"/>
+    <p:sldId id="280" r:id="rId14"/>
+    <p:sldId id="281" r:id="rId15"/>
+    <p:sldId id="274" r:id="rId16"/>
+    <p:sldId id="282" r:id="rId17"/>
+    <p:sldId id="283" r:id="rId18"/>
+    <p:sldId id="284" r:id="rId19"/>
+    <p:sldId id="285" r:id="rId20"/>
+    <p:sldId id="286" r:id="rId21"/>
+    <p:sldId id="289" r:id="rId22"/>
+    <p:sldId id="288" r:id="rId23"/>
+    <p:sldId id="266" r:id="rId24"/>
   </p:sldIdLst>
   <p:sldSz cx="12192000" cy="6858000"/>
   <p:notesSz cx="6858000" cy="9144000"/>
@@ -5123,7 +5122,7 @@
         <p:spPr>
           <a:xfrm>
             <a:off x="1400906" y="1777999"/>
-            <a:ext cx="9390178" cy="4673526"/>
+            <a:ext cx="9390178" cy="1183548"/>
           </a:xfrm>
         </p:spPr>
         <p:txBody>
@@ -5149,7 +5148,7 @@
           </a:p>
           <a:p>
             <a:pPr algn="l"/>
-            <a:endParaRPr lang="en-US" altLang="ko-KR" sz="1600" b="1" dirty="0">
+            <a:endParaRPr lang="en-US" altLang="ko-KR" b="1" dirty="0">
               <a:solidFill>
                 <a:srgbClr val="1B3C35"/>
               </a:solidFill>
@@ -5158,12 +5157,36 @@
           <a:p>
             <a:pPr algn="l"/>
             <a:r>
+              <a:rPr lang="ko-KR" altLang="en-US" b="1" dirty="0">
+                <a:solidFill>
+                  <a:srgbClr val="1B3C35"/>
+                </a:solidFill>
+              </a:rPr>
+              <a:t>포화도 계산 식은</a:t>
+            </a:r>
+            <a:endParaRPr lang="en-US" altLang="ko-KR" b="1" dirty="0">
+              <a:solidFill>
+                <a:srgbClr val="1B3C35"/>
+              </a:solidFill>
+            </a:endParaRPr>
+          </a:p>
+          <a:p>
+            <a:pPr algn="l"/>
+            <a:r>
+              <a:rPr lang="ko-KR" altLang="en-US" b="1" dirty="0">
+                <a:solidFill>
+                  <a:srgbClr val="1B3C35"/>
+                </a:solidFill>
+              </a:rPr>
+              <a:t>포화도 </a:t>
+            </a:r>
+            <a:r>
               <a:rPr lang="en-US" altLang="ko-KR" b="1" dirty="0">
                 <a:solidFill>
                   <a:srgbClr val="1B3C35"/>
                 </a:solidFill>
               </a:rPr>
-              <a:t>21</a:t>
+              <a:t>= </a:t>
             </a:r>
             <a:r>
               <a:rPr lang="ko-KR" altLang="en-US" b="1" dirty="0">
@@ -5171,7 +5194,7 @@
                   <a:srgbClr val="1B3C35"/>
                 </a:solidFill>
               </a:rPr>
-              <a:t>년 </a:t>
+              <a:t>버스 한대당 탑승승객 </a:t>
             </a:r>
             <a:r>
               <a:rPr lang="en-US" altLang="ko-KR" b="1" dirty="0">
@@ -5179,7 +5202,7 @@
                   <a:srgbClr val="1B3C35"/>
                 </a:solidFill>
               </a:rPr>
-              <a:t>4</a:t>
+              <a:t>/ </a:t>
             </a:r>
             <a:r>
               <a:rPr lang="ko-KR" altLang="en-US" b="1" dirty="0">
@@ -5187,7 +5210,39 @@
                   <a:srgbClr val="1B3C35"/>
                 </a:solidFill>
               </a:rPr>
-              <a:t>월의 노선 시간별 탑승객 데이터를 가져옴</a:t>
+              <a:t>버스 적정 탑승인원    </a:t>
+            </a:r>
+            <a:r>
+              <a:rPr lang="en-US" altLang="ko-KR" b="1" dirty="0">
+                <a:solidFill>
+                  <a:srgbClr val="1B3C35"/>
+                </a:solidFill>
+              </a:rPr>
+              <a:t>*</a:t>
+            </a:r>
+            <a:r>
+              <a:rPr lang="ko-KR" altLang="en-US" b="1" dirty="0">
+                <a:solidFill>
+                  <a:srgbClr val="1B3C35"/>
+                </a:solidFill>
+              </a:rPr>
+              <a:t>여기서 버스 적정 탑승인원은 운전자를 제외한 </a:t>
+            </a:r>
+            <a:r>
+              <a:rPr lang="en-US" altLang="ko-KR" b="1" dirty="0">
+                <a:solidFill>
+                  <a:srgbClr val="1B3C35"/>
+                </a:solidFill>
+              </a:rPr>
+              <a:t>40</a:t>
+            </a:r>
+            <a:r>
+              <a:rPr lang="ko-KR" altLang="en-US" b="1" dirty="0">
+                <a:solidFill>
+                  <a:srgbClr val="1B3C35"/>
+                </a:solidFill>
+              </a:rPr>
+              <a:t>명을 기준</a:t>
             </a:r>
             <a:endParaRPr lang="en-US" altLang="ko-KR" b="1" dirty="0">
               <a:solidFill>
@@ -5326,10 +5381,10 @@
       </p:sp>
       <p:pic>
         <p:nvPicPr>
-          <p:cNvPr id="9" name="그림 8">
-            <a:extLst>
-              <a:ext uri="{FF2B5EF4-FFF2-40B4-BE49-F238E27FC236}">
-                <a16:creationId xmlns:a16="http://schemas.microsoft.com/office/drawing/2014/main" id="{E13BCB1E-B59F-41EC-8043-80B460F36B25}"/>
+          <p:cNvPr id="8" name="그림 7">
+            <a:extLst>
+              <a:ext uri="{FF2B5EF4-FFF2-40B4-BE49-F238E27FC236}">
+                <a16:creationId xmlns:a16="http://schemas.microsoft.com/office/drawing/2014/main" id="{BAE400E5-A465-4FFC-A482-22F2E470D181}"/>
               </a:ext>
             </a:extLst>
           </p:cNvPr>
@@ -5346,18 +5401,280 @@
         </p:blipFill>
         <p:spPr>
           <a:xfrm>
-            <a:off x="1644060" y="2944500"/>
-            <a:ext cx="6300186" cy="2512574"/>
+            <a:off x="4589741" y="2961547"/>
+            <a:ext cx="6746318" cy="3573602"/>
           </a:xfrm>
           <a:prstGeom prst="rect">
             <a:avLst/>
           </a:prstGeom>
         </p:spPr>
       </p:pic>
+      <p:sp>
+        <p:nvSpPr>
+          <p:cNvPr id="10" name="TextBox 9">
+            <a:extLst>
+              <a:ext uri="{FF2B5EF4-FFF2-40B4-BE49-F238E27FC236}">
+                <a16:creationId xmlns:a16="http://schemas.microsoft.com/office/drawing/2014/main" id="{941AFF6F-4513-456E-B85B-2F7A15A346A3}"/>
+              </a:ext>
+            </a:extLst>
+          </p:cNvPr>
+          <p:cNvSpPr txBox="1"/>
+          <p:nvPr/>
+        </p:nvSpPr>
+        <p:spPr>
+          <a:xfrm>
+            <a:off x="763400" y="3189828"/>
+            <a:ext cx="3951214" cy="2462213"/>
+          </a:xfrm>
+          <a:prstGeom prst="rect">
+            <a:avLst/>
+          </a:prstGeom>
+          <a:noFill/>
+        </p:spPr>
+        <p:txBody>
+          <a:bodyPr wrap="square" rtlCol="0">
+            <a:spAutoFit/>
+          </a:bodyPr>
+          <a:lstStyle/>
+          <a:p>
+            <a:pPr algn="l"/>
+            <a:r>
+              <a:rPr lang="en-US" altLang="ko-KR" sz="1400" b="1" dirty="0">
+                <a:solidFill>
+                  <a:srgbClr val="1B3C35"/>
+                </a:solidFill>
+              </a:rPr>
+              <a:t>(</a:t>
+            </a:r>
+            <a:r>
+              <a:rPr lang="ko-KR" altLang="en-US" sz="1400" b="1" dirty="0">
+                <a:solidFill>
+                  <a:srgbClr val="1B3C35"/>
+                </a:solidFill>
+              </a:rPr>
+              <a:t>버스 한대당 탑승승객</a:t>
+            </a:r>
+            <a:r>
+              <a:rPr lang="en-US" altLang="ko-KR" sz="1400" b="1" dirty="0">
+                <a:solidFill>
+                  <a:srgbClr val="1B3C35"/>
+                </a:solidFill>
+              </a:rPr>
+              <a:t>)</a:t>
+            </a:r>
+          </a:p>
+          <a:p>
+            <a:pPr algn="l"/>
+            <a:r>
+              <a:rPr lang="en-US" altLang="ko-KR" sz="1400" b="1" dirty="0">
+                <a:solidFill>
+                  <a:srgbClr val="1B3C35"/>
+                </a:solidFill>
+              </a:rPr>
+              <a:t>=</a:t>
+            </a:r>
+            <a:r>
+              <a:rPr lang="ko-KR" altLang="en-US" sz="1400" b="1" dirty="0">
+                <a:solidFill>
+                  <a:srgbClr val="1B3C35"/>
+                </a:solidFill>
+              </a:rPr>
+              <a:t> </a:t>
+            </a:r>
+            <a:r>
+              <a:rPr lang="en-US" altLang="ko-KR" sz="1400" b="1" dirty="0">
+                <a:solidFill>
+                  <a:srgbClr val="1B3C35"/>
+                </a:solidFill>
+              </a:rPr>
+              <a:t>(</a:t>
+            </a:r>
+            <a:r>
+              <a:rPr lang="ko-KR" altLang="en-US" sz="1400" b="1" dirty="0" err="1">
+                <a:solidFill>
+                  <a:srgbClr val="1B3C35"/>
+                </a:solidFill>
+              </a:rPr>
+              <a:t>승차인원수</a:t>
+            </a:r>
+            <a:r>
+              <a:rPr lang="en-US" altLang="ko-KR" sz="1400" b="1" dirty="0">
+                <a:solidFill>
+                  <a:srgbClr val="1B3C35"/>
+                </a:solidFill>
+              </a:rPr>
+              <a:t>)</a:t>
+            </a:r>
+            <a:r>
+              <a:rPr lang="ko-KR" altLang="en-US" sz="1400" b="1" dirty="0">
+                <a:solidFill>
+                  <a:srgbClr val="1B3C35"/>
+                </a:solidFill>
+              </a:rPr>
+              <a:t> </a:t>
+            </a:r>
+            <a:r>
+              <a:rPr lang="en-US" altLang="ko-KR" sz="1400" b="1" dirty="0">
+                <a:solidFill>
+                  <a:srgbClr val="1B3C35"/>
+                </a:solidFill>
+              </a:rPr>
+              <a:t>/ (</a:t>
+            </a:r>
+            <a:r>
+              <a:rPr lang="ko-KR" altLang="en-US" sz="1400" b="1" dirty="0">
+                <a:solidFill>
+                  <a:srgbClr val="1B3C35"/>
+                </a:solidFill>
+              </a:rPr>
+              <a:t>동시간 운행차량대수</a:t>
+            </a:r>
+            <a:r>
+              <a:rPr lang="en-US" altLang="ko-KR" sz="1400" b="1" dirty="0">
+                <a:solidFill>
+                  <a:srgbClr val="1B3C35"/>
+                </a:solidFill>
+              </a:rPr>
+              <a:t>)</a:t>
+            </a:r>
+          </a:p>
+          <a:p>
+            <a:pPr algn="l"/>
+            <a:endParaRPr lang="en-US" altLang="ko-KR" sz="1400" b="1" dirty="0">
+              <a:solidFill>
+                <a:srgbClr val="1B3C35"/>
+              </a:solidFill>
+            </a:endParaRPr>
+          </a:p>
+          <a:p>
+            <a:pPr algn="l"/>
+            <a:r>
+              <a:rPr lang="ko-KR" altLang="en-US" sz="1400" b="1" dirty="0">
+                <a:solidFill>
+                  <a:srgbClr val="1B3C35"/>
+                </a:solidFill>
+              </a:rPr>
+              <a:t>동시간 운행 차량대수</a:t>
+            </a:r>
+            <a:endParaRPr lang="en-US" altLang="ko-KR" sz="1400" b="1" dirty="0">
+              <a:solidFill>
+                <a:srgbClr val="1B3C35"/>
+              </a:solidFill>
+            </a:endParaRPr>
+          </a:p>
+          <a:p>
+            <a:pPr algn="l"/>
+            <a:r>
+              <a:rPr lang="en-US" altLang="ko-KR" sz="1400" b="1" dirty="0">
+                <a:solidFill>
+                  <a:srgbClr val="1B3C35"/>
+                </a:solidFill>
+              </a:rPr>
+              <a:t>= (2 * </a:t>
+            </a:r>
+            <a:r>
+              <a:rPr lang="ko-KR" altLang="en-US" sz="1400" b="1" dirty="0">
+                <a:solidFill>
+                  <a:srgbClr val="1B3C35"/>
+                </a:solidFill>
+              </a:rPr>
+              <a:t>편도 노선 운행시간</a:t>
+            </a:r>
+            <a:r>
+              <a:rPr lang="en-US" altLang="ko-KR" sz="1400" b="1" dirty="0">
+                <a:solidFill>
+                  <a:srgbClr val="1B3C35"/>
+                </a:solidFill>
+              </a:rPr>
+              <a:t>)</a:t>
+            </a:r>
+            <a:r>
+              <a:rPr lang="ko-KR" altLang="en-US" sz="1400" b="1" dirty="0">
+                <a:solidFill>
+                  <a:srgbClr val="1B3C35"/>
+                </a:solidFill>
+              </a:rPr>
+              <a:t> </a:t>
+            </a:r>
+            <a:r>
+              <a:rPr lang="en-US" altLang="ko-KR" sz="1400" b="1" dirty="0">
+                <a:solidFill>
+                  <a:srgbClr val="1B3C35"/>
+                </a:solidFill>
+              </a:rPr>
+              <a:t>/ (</a:t>
+            </a:r>
+            <a:r>
+              <a:rPr lang="ko-KR" altLang="en-US" sz="1400" b="1" dirty="0">
+                <a:solidFill>
+                  <a:srgbClr val="1B3C35"/>
+                </a:solidFill>
+              </a:rPr>
+              <a:t>평균 배차시간</a:t>
+            </a:r>
+            <a:r>
+              <a:rPr lang="en-US" altLang="ko-KR" sz="1400" b="1" dirty="0">
+                <a:solidFill>
+                  <a:srgbClr val="1B3C35"/>
+                </a:solidFill>
+              </a:rPr>
+              <a:t>)</a:t>
+            </a:r>
+          </a:p>
+          <a:p>
+            <a:pPr algn="l"/>
+            <a:endParaRPr lang="en-US" altLang="ko-KR" sz="1400" b="1" dirty="0">
+              <a:solidFill>
+                <a:srgbClr val="1B3C35"/>
+              </a:solidFill>
+            </a:endParaRPr>
+          </a:p>
+          <a:p>
+            <a:pPr algn="l"/>
+            <a:endParaRPr lang="en-US" altLang="ko-KR" sz="1400" b="1" dirty="0">
+              <a:solidFill>
+                <a:srgbClr val="1B3C35"/>
+              </a:solidFill>
+            </a:endParaRPr>
+          </a:p>
+          <a:p>
+            <a:pPr algn="l"/>
+            <a:endParaRPr lang="en-US" altLang="ko-KR" sz="1400" b="1" dirty="0">
+              <a:solidFill>
+                <a:srgbClr val="1B3C35"/>
+              </a:solidFill>
+            </a:endParaRPr>
+          </a:p>
+          <a:p>
+            <a:pPr algn="l"/>
+            <a:endParaRPr lang="en-US" altLang="ko-KR" sz="1400" b="1" dirty="0">
+              <a:solidFill>
+                <a:srgbClr val="1B3C35"/>
+              </a:solidFill>
+            </a:endParaRPr>
+          </a:p>
+          <a:p>
+            <a:pPr algn="l"/>
+            <a:endParaRPr lang="en-US" altLang="ko-KR" sz="1400" b="1" dirty="0">
+              <a:solidFill>
+                <a:srgbClr val="1B3C35"/>
+              </a:solidFill>
+            </a:endParaRPr>
+          </a:p>
+          <a:p>
+            <a:pPr algn="l"/>
+            <a:endParaRPr lang="en-US" altLang="ko-KR" sz="1400" b="1" dirty="0">
+              <a:solidFill>
+                <a:srgbClr val="1B3C35"/>
+              </a:solidFill>
+            </a:endParaRPr>
+          </a:p>
+        </p:txBody>
+      </p:sp>
     </p:spTree>
     <p:extLst>
       <p:ext uri="{BB962C8B-B14F-4D97-AF65-F5344CB8AC3E}">
-        <p14:creationId xmlns:p14="http://schemas.microsoft.com/office/powerpoint/2010/main" val="3488205347"/>
+        <p14:creationId xmlns:p14="http://schemas.microsoft.com/office/powerpoint/2010/main" val="1670554924"/>
       </p:ext>
     </p:extLst>
   </p:cSld>
@@ -5415,7 +5732,7 @@
             </a:r>
             <a:r>
               <a:rPr lang="en-US" altLang="ko-KR" dirty="0"/>
-              <a:t>(2)</a:t>
+              <a:t>(3)</a:t>
             </a:r>
             <a:endParaRPr lang="ko-KR" altLang="en-US" dirty="0"/>
           </a:p>
@@ -5485,16 +5802,8 @@
                   <a:srgbClr val="1B3C35"/>
                 </a:solidFill>
               </a:rPr>
-              <a:t>시흥시 경유노선에 대한 포화도 산출 코드</a:t>
-            </a:r>
-            <a:endParaRPr lang="en-US" altLang="ko-KR" sz="1600" b="1" dirty="0">
-              <a:solidFill>
-                <a:srgbClr val="1B3C35"/>
-              </a:solidFill>
-            </a:endParaRPr>
-          </a:p>
-          <a:p>
-            <a:pPr algn="l"/>
+              <a:t>포화도에 따른 버스 증차 계산</a:t>
+            </a:r>
             <a:endParaRPr lang="en-US" altLang="ko-KR" b="1" dirty="0">
               <a:solidFill>
                 <a:srgbClr val="1B3C35"/>
@@ -5509,97 +5818,92 @@
                   <a:srgbClr val="1B3C35"/>
                 </a:solidFill>
               </a:rPr>
-              <a:t>포화도 계산 식은</a:t>
+              <a:t>증차 대상노선은  포화도 비율 </a:t>
+            </a:r>
+            <a:r>
+              <a:rPr lang="en-US" altLang="ko-KR" b="1" dirty="0">
+                <a:solidFill>
+                  <a:srgbClr val="1B3C35"/>
+                </a:solidFill>
+              </a:rPr>
+              <a:t>100%</a:t>
+            </a:r>
+            <a:r>
+              <a:rPr lang="ko-KR" altLang="en-US" b="1" dirty="0">
+                <a:solidFill>
+                  <a:srgbClr val="1B3C35"/>
+                </a:solidFill>
+              </a:rPr>
+              <a:t>가 넘어가는 시간대 노선 기준</a:t>
+            </a:r>
+            <a:r>
+              <a:rPr lang="en-US" altLang="ko-KR" b="1" dirty="0">
+                <a:solidFill>
+                  <a:srgbClr val="1B3C35"/>
+                </a:solidFill>
+              </a:rPr>
+              <a:t>.</a:t>
+            </a:r>
+          </a:p>
+          <a:p>
+            <a:pPr algn="l"/>
+            <a:r>
+              <a:rPr lang="ko-KR" altLang="en-US" b="1" dirty="0">
+                <a:solidFill>
+                  <a:srgbClr val="1B3C35"/>
+                </a:solidFill>
+              </a:rPr>
+              <a:t>증차 비율은 인건비</a:t>
+            </a:r>
+            <a:r>
+              <a:rPr lang="en-US" altLang="ko-KR" b="1" dirty="0">
+                <a:solidFill>
+                  <a:srgbClr val="1B3C35"/>
+                </a:solidFill>
+              </a:rPr>
+              <a:t>, </a:t>
+            </a:r>
+            <a:r>
+              <a:rPr lang="ko-KR" altLang="en-US" b="1" dirty="0">
+                <a:solidFill>
+                  <a:srgbClr val="1B3C35"/>
+                </a:solidFill>
+              </a:rPr>
+              <a:t>운행가능한 </a:t>
+            </a:r>
+            <a:r>
+              <a:rPr lang="ko-KR" altLang="en-US" b="1" dirty="0" err="1">
+                <a:solidFill>
+                  <a:srgbClr val="1B3C35"/>
+                </a:solidFill>
+              </a:rPr>
+              <a:t>인력등</a:t>
+            </a:r>
+            <a:r>
+              <a:rPr lang="ko-KR" altLang="en-US" b="1" dirty="0">
+                <a:solidFill>
+                  <a:srgbClr val="1B3C35"/>
+                </a:solidFill>
+              </a:rPr>
+              <a:t> 여러가지 상황을 고려하여 기존 운행대수의 </a:t>
+            </a:r>
+            <a:r>
+              <a:rPr lang="en-US" altLang="ko-KR" b="1" dirty="0">
+                <a:solidFill>
+                  <a:srgbClr val="1B3C35"/>
+                </a:solidFill>
+              </a:rPr>
+              <a:t>130%</a:t>
+            </a:r>
+            <a:r>
+              <a:rPr lang="ko-KR" altLang="en-US" b="1" dirty="0">
+                <a:solidFill>
+                  <a:srgbClr val="1B3C35"/>
+                </a:solidFill>
+              </a:rPr>
+              <a:t>로 제한</a:t>
             </a:r>
             <a:endParaRPr lang="en-US" altLang="ko-KR" b="1" dirty="0">
-              <a:solidFill>
-                <a:srgbClr val="1B3C35"/>
-              </a:solidFill>
-            </a:endParaRPr>
-          </a:p>
-          <a:p>
-            <a:pPr algn="l"/>
-            <a:r>
-              <a:rPr lang="ko-KR" altLang="en-US" b="1" dirty="0">
-                <a:solidFill>
-                  <a:srgbClr val="1B3C35"/>
-                </a:solidFill>
-              </a:rPr>
-              <a:t>포화도 </a:t>
-            </a:r>
-            <a:r>
-              <a:rPr lang="en-US" altLang="ko-KR" b="1" dirty="0">
-                <a:solidFill>
-                  <a:srgbClr val="1B3C35"/>
-                </a:solidFill>
-              </a:rPr>
-              <a:t>= </a:t>
-            </a:r>
-            <a:r>
-              <a:rPr lang="ko-KR" altLang="en-US" b="1" dirty="0">
-                <a:solidFill>
-                  <a:srgbClr val="1B3C35"/>
-                </a:solidFill>
-              </a:rPr>
-              <a:t>버스 한대당 탑승승객 </a:t>
-            </a:r>
-            <a:r>
-              <a:rPr lang="en-US" altLang="ko-KR" b="1" dirty="0">
-                <a:solidFill>
-                  <a:srgbClr val="1B3C35"/>
-                </a:solidFill>
-              </a:rPr>
-              <a:t>/ </a:t>
-            </a:r>
-            <a:r>
-              <a:rPr lang="ko-KR" altLang="en-US" b="1" dirty="0">
-                <a:solidFill>
-                  <a:srgbClr val="1B3C35"/>
-                </a:solidFill>
-              </a:rPr>
-              <a:t>버스 적정 탑승인원    </a:t>
-            </a:r>
-            <a:r>
-              <a:rPr lang="en-US" altLang="ko-KR" b="1" dirty="0">
-                <a:solidFill>
-                  <a:srgbClr val="1B3C35"/>
-                </a:solidFill>
-              </a:rPr>
-              <a:t>*</a:t>
-            </a:r>
-            <a:r>
-              <a:rPr lang="ko-KR" altLang="en-US" b="1" dirty="0">
-                <a:solidFill>
-                  <a:srgbClr val="1B3C35"/>
-                </a:solidFill>
-              </a:rPr>
-              <a:t>여기서 버스 적정 탑승인원은 운전자를 제외한 </a:t>
-            </a:r>
-            <a:r>
-              <a:rPr lang="en-US" altLang="ko-KR" b="1" dirty="0">
-                <a:solidFill>
-                  <a:srgbClr val="1B3C35"/>
-                </a:solidFill>
-              </a:rPr>
-              <a:t>40</a:t>
-            </a:r>
-            <a:r>
-              <a:rPr lang="ko-KR" altLang="en-US" b="1" dirty="0">
-                <a:solidFill>
-                  <a:srgbClr val="1B3C35"/>
-                </a:solidFill>
-              </a:rPr>
-              <a:t>명을 기준</a:t>
-            </a:r>
-            <a:endParaRPr lang="en-US" altLang="ko-KR" b="1" dirty="0">
-              <a:solidFill>
-                <a:srgbClr val="1B3C35"/>
-              </a:solidFill>
-            </a:endParaRPr>
-          </a:p>
-          <a:p>
-            <a:pPr algn="l"/>
-            <a:endParaRPr lang="en-US" altLang="ko-KR" sz="1600" b="1" dirty="0">
               <a:solidFill>
                 <a:srgbClr val="1B3C35"/>
               </a:solidFill>
@@ -5728,10 +6032,10 @@
       </p:sp>
       <p:pic>
         <p:nvPicPr>
-          <p:cNvPr id="8" name="그림 7">
-            <a:extLst>
-              <a:ext uri="{FF2B5EF4-FFF2-40B4-BE49-F238E27FC236}">
-                <a16:creationId xmlns:a16="http://schemas.microsoft.com/office/drawing/2014/main" id="{BAE400E5-A465-4FFC-A482-22F2E470D181}"/>
+          <p:cNvPr id="9" name="그림 8">
+            <a:extLst>
+              <a:ext uri="{FF2B5EF4-FFF2-40B4-BE49-F238E27FC236}">
+                <a16:creationId xmlns:a16="http://schemas.microsoft.com/office/drawing/2014/main" id="{6E4D0F09-4F21-4A33-A9DE-39AFBDD8051A}"/>
               </a:ext>
             </a:extLst>
           </p:cNvPr>
@@ -5748,8 +6052,8 @@
         </p:blipFill>
         <p:spPr>
           <a:xfrm>
-            <a:off x="4589741" y="2961547"/>
-            <a:ext cx="6746318" cy="3573602"/>
+            <a:off x="6276677" y="2625754"/>
+            <a:ext cx="4956390" cy="3825771"/>
           </a:xfrm>
           <a:prstGeom prst="rect">
             <a:avLst/>
@@ -5758,10 +6062,10 @@
       </p:pic>
       <p:sp>
         <p:nvSpPr>
-          <p:cNvPr id="10" name="TextBox 9">
-            <a:extLst>
-              <a:ext uri="{FF2B5EF4-FFF2-40B4-BE49-F238E27FC236}">
-                <a16:creationId xmlns:a16="http://schemas.microsoft.com/office/drawing/2014/main" id="{941AFF6F-4513-456E-B85B-2F7A15A346A3}"/>
+          <p:cNvPr id="11" name="TextBox 10">
+            <a:extLst>
+              <a:ext uri="{FF2B5EF4-FFF2-40B4-BE49-F238E27FC236}">
+                <a16:creationId xmlns:a16="http://schemas.microsoft.com/office/drawing/2014/main" id="{F6E8B550-7D03-4CAE-B09D-540DE081A386}"/>
               </a:ext>
             </a:extLst>
           </p:cNvPr>
@@ -5770,8 +6074,8 @@
         </p:nvSpPr>
         <p:spPr>
           <a:xfrm>
-            <a:off x="763400" y="3189828"/>
-            <a:ext cx="3951214" cy="2462213"/>
+            <a:off x="1400906" y="3110582"/>
+            <a:ext cx="3951214" cy="2246769"/>
           </a:xfrm>
           <a:prstGeom prst="rect">
             <a:avLst/>
@@ -5786,104 +6090,34 @@
           <a:p>
             <a:pPr algn="l"/>
             <a:r>
-              <a:rPr lang="en-US" altLang="ko-KR" sz="1400" b="1" dirty="0">
-                <a:solidFill>
-                  <a:srgbClr val="1B3C35"/>
-                </a:solidFill>
-              </a:rPr>
-              <a:t>(</a:t>
-            </a:r>
-            <a:r>
               <a:rPr lang="ko-KR" altLang="en-US" sz="1400" b="1" dirty="0">
                 <a:solidFill>
                   <a:srgbClr val="1B3C35"/>
                 </a:solidFill>
               </a:rPr>
-              <a:t>버스 한대당 탑승승객</a:t>
-            </a:r>
-            <a:r>
-              <a:rPr lang="en-US" altLang="ko-KR" sz="1400" b="1" dirty="0">
-                <a:solidFill>
-                  <a:srgbClr val="1B3C35"/>
-                </a:solidFill>
-              </a:rPr>
-              <a:t>)</a:t>
-            </a:r>
+              <a:t>해당 코드에서 증차 대수와 증차를 했을 때 </a:t>
+            </a:r>
+            <a:endParaRPr lang="en-US" altLang="ko-KR" sz="1400" b="1" dirty="0">
+              <a:solidFill>
+                <a:srgbClr val="1B3C35"/>
+              </a:solidFill>
+            </a:endParaRPr>
           </a:p>
           <a:p>
             <a:pPr algn="l"/>
             <a:r>
-              <a:rPr lang="en-US" altLang="ko-KR" sz="1400" b="1" dirty="0">
-                <a:solidFill>
-                  <a:srgbClr val="1B3C35"/>
-                </a:solidFill>
-              </a:rPr>
-              <a:t>=</a:t>
-            </a:r>
-            <a:r>
               <a:rPr lang="ko-KR" altLang="en-US" sz="1400" b="1" dirty="0">
                 <a:solidFill>
                   <a:srgbClr val="1B3C35"/>
                 </a:solidFill>
               </a:rPr>
-              <a:t> </a:t>
-            </a:r>
-            <a:r>
-              <a:rPr lang="en-US" altLang="ko-KR" sz="1400" b="1" dirty="0">
-                <a:solidFill>
-                  <a:srgbClr val="1B3C35"/>
-                </a:solidFill>
-              </a:rPr>
-              <a:t>(</a:t>
-            </a:r>
-            <a:r>
-              <a:rPr lang="ko-KR" altLang="en-US" sz="1400" b="1" dirty="0" err="1">
-                <a:solidFill>
-                  <a:srgbClr val="1B3C35"/>
-                </a:solidFill>
-              </a:rPr>
-              <a:t>승차인원수</a:t>
-            </a:r>
-            <a:r>
-              <a:rPr lang="en-US" altLang="ko-KR" sz="1400" b="1" dirty="0">
-                <a:solidFill>
-                  <a:srgbClr val="1B3C35"/>
-                </a:solidFill>
-              </a:rPr>
-              <a:t>)</a:t>
-            </a:r>
-            <a:r>
-              <a:rPr lang="ko-KR" altLang="en-US" sz="1400" b="1" dirty="0">
-                <a:solidFill>
-                  <a:srgbClr val="1B3C35"/>
-                </a:solidFill>
-              </a:rPr>
-              <a:t> </a:t>
-            </a:r>
-            <a:r>
-              <a:rPr lang="en-US" altLang="ko-KR" sz="1400" b="1" dirty="0">
-                <a:solidFill>
-                  <a:srgbClr val="1B3C35"/>
-                </a:solidFill>
-              </a:rPr>
-              <a:t>/ (</a:t>
-            </a:r>
-            <a:r>
-              <a:rPr lang="ko-KR" altLang="en-US" sz="1400" b="1" dirty="0">
-                <a:solidFill>
-                  <a:srgbClr val="1B3C35"/>
-                </a:solidFill>
-              </a:rPr>
-              <a:t>동시간 운행차량대수</a:t>
-            </a:r>
-            <a:r>
-              <a:rPr lang="en-US" altLang="ko-KR" sz="1400" b="1" dirty="0">
-                <a:solidFill>
-                  <a:srgbClr val="1B3C35"/>
-                </a:solidFill>
-              </a:rPr>
-              <a:t>)</a:t>
-            </a:r>
+              <a:t>포화도 감소율을 계산하여</a:t>
+            </a:r>
+            <a:endParaRPr lang="en-US" altLang="ko-KR" sz="1400" b="1" dirty="0">
+              <a:solidFill>
+                <a:srgbClr val="1B3C35"/>
+              </a:solidFill>
+            </a:endParaRPr>
           </a:p>
           <a:p>
             <a:pPr algn="l"/>
@@ -5901,71 +6135,15 @@
                   <a:srgbClr val="1B3C35"/>
                 </a:solidFill>
               </a:rPr>
-              <a:t>동시간 운행 차량대수</a:t>
-            </a:r>
-            <a:endParaRPr lang="en-US" altLang="ko-KR" sz="1400" b="1" dirty="0">
-              <a:solidFill>
-                <a:srgbClr val="1B3C35"/>
-              </a:solidFill>
-            </a:endParaRPr>
-          </a:p>
-          <a:p>
-            <a:pPr algn="l"/>
+              <a:t>파일로 추출함</a:t>
+            </a:r>
             <a:r>
               <a:rPr lang="en-US" altLang="ko-KR" sz="1400" b="1" dirty="0">
                 <a:solidFill>
                   <a:srgbClr val="1B3C35"/>
                 </a:solidFill>
               </a:rPr>
-              <a:t>= (2 * </a:t>
-            </a:r>
-            <a:r>
-              <a:rPr lang="ko-KR" altLang="en-US" sz="1400" b="1" dirty="0">
-                <a:solidFill>
-                  <a:srgbClr val="1B3C35"/>
-                </a:solidFill>
-              </a:rPr>
-              <a:t>편도 노선 운행시간</a:t>
-            </a:r>
-            <a:r>
-              <a:rPr lang="en-US" altLang="ko-KR" sz="1400" b="1" dirty="0">
-                <a:solidFill>
-                  <a:srgbClr val="1B3C35"/>
-                </a:solidFill>
-              </a:rPr>
-              <a:t>)</a:t>
-            </a:r>
-            <a:r>
-              <a:rPr lang="ko-KR" altLang="en-US" sz="1400" b="1" dirty="0">
-                <a:solidFill>
-                  <a:srgbClr val="1B3C35"/>
-                </a:solidFill>
-              </a:rPr>
-              <a:t> </a:t>
-            </a:r>
-            <a:r>
-              <a:rPr lang="en-US" altLang="ko-KR" sz="1400" b="1" dirty="0">
-                <a:solidFill>
-                  <a:srgbClr val="1B3C35"/>
-                </a:solidFill>
-              </a:rPr>
-              <a:t>/ (</a:t>
-            </a:r>
-            <a:r>
-              <a:rPr lang="ko-KR" altLang="en-US" sz="1400" b="1" dirty="0">
-                <a:solidFill>
-                  <a:srgbClr val="1B3C35"/>
-                </a:solidFill>
-              </a:rPr>
-              <a:t>평균 배차시간</a:t>
-            </a:r>
-            <a:r>
-              <a:rPr lang="en-US" altLang="ko-KR" sz="1400" b="1" dirty="0">
-                <a:solidFill>
-                  <a:srgbClr val="1B3C35"/>
-                </a:solidFill>
-              </a:rPr>
-              <a:t>)</a:t>
+              <a:t>.</a:t>
             </a:r>
           </a:p>
           <a:p>
@@ -5978,11 +6156,54 @@
           </a:p>
           <a:p>
             <a:pPr algn="l"/>
-            <a:endParaRPr lang="en-US" altLang="ko-KR" sz="1400" b="1" dirty="0">
-              <a:solidFill>
-                <a:srgbClr val="1B3C35"/>
-              </a:solidFill>
-            </a:endParaRPr>
+            <a:r>
+              <a:rPr lang="ko-KR" altLang="en-US" sz="1400" b="1" dirty="0">
+                <a:solidFill>
+                  <a:srgbClr val="1B3C35"/>
+                </a:solidFill>
+              </a:rPr>
+              <a:t>추출파일</a:t>
+            </a:r>
+            <a:r>
+              <a:rPr lang="en-US" altLang="ko-KR" sz="1400" b="1" dirty="0">
+                <a:solidFill>
+                  <a:srgbClr val="1B3C35"/>
+                </a:solidFill>
+              </a:rPr>
+              <a:t>:</a:t>
+            </a:r>
+            <a:r>
+              <a:rPr lang="ko-KR" altLang="en-US" sz="1400" b="1" dirty="0">
+                <a:solidFill>
+                  <a:srgbClr val="1B3C35"/>
+                </a:solidFill>
+              </a:rPr>
+              <a:t> </a:t>
+            </a:r>
+            <a:r>
+              <a:rPr lang="en-US" altLang="ko-KR" sz="1400" b="1" dirty="0">
+                <a:solidFill>
+                  <a:srgbClr val="1B3C35"/>
+                </a:solidFill>
+              </a:rPr>
+              <a:t>4</a:t>
+            </a:r>
+            <a:r>
+              <a:rPr lang="ko-KR" altLang="en-US" sz="1400" b="1" dirty="0">
+                <a:solidFill>
+                  <a:srgbClr val="1B3C35"/>
+                </a:solidFill>
+              </a:rPr>
+              <a:t>월 동적 배차시간</a:t>
+            </a:r>
+            <a:r>
+              <a:rPr lang="en-US" altLang="ko-KR" sz="1400" b="1" dirty="0">
+                <a:solidFill>
+                  <a:srgbClr val="1B3C35"/>
+                </a:solidFill>
+              </a:rPr>
+              <a:t>.csv</a:t>
+            </a:r>
           </a:p>
           <a:p>
             <a:pPr algn="l"/>
@@ -6021,7 +6242,7 @@
     </p:spTree>
     <p:extLst>
       <p:ext uri="{BB962C8B-B14F-4D97-AF65-F5344CB8AC3E}">
-        <p14:creationId xmlns:p14="http://schemas.microsoft.com/office/powerpoint/2010/main" val="1670554924"/>
+        <p14:creationId xmlns:p14="http://schemas.microsoft.com/office/powerpoint/2010/main" val="1529158974"/>
       </p:ext>
     </p:extLst>
   </p:cSld>
@@ -6079,7 +6300,7 @@
             </a:r>
             <a:r>
               <a:rPr lang="en-US" altLang="ko-KR" dirty="0"/>
-              <a:t>(3)</a:t>
+              <a:t>(4)</a:t>
             </a:r>
             <a:endParaRPr lang="ko-KR" altLang="en-US" dirty="0"/>
           </a:p>
@@ -6149,7 +6370,7 @@
                   <a:srgbClr val="1B3C35"/>
                 </a:solidFill>
               </a:rPr>
-              <a:t>포화도에 따른 버스 증차 계산</a:t>
+              <a:t>버스 증차에 따라 동일노선의 포화도가 낮은 시간대에서 감차를 실행</a:t>
             </a:r>
             <a:endParaRPr lang="en-US" altLang="ko-KR" b="1" dirty="0">
               <a:solidFill>
@@ -6165,7 +6386,7 @@
                   <a:srgbClr val="1B3C35"/>
                 </a:solidFill>
               </a:rPr>
-              <a:t>증차 대상노선은  포화도 비율 </a:t>
+              <a:t>증차를 무조건 늘리기에는 현실적으로 불가능하다고 판단</a:t>
             </a:r>
             <a:r>
               <a:rPr lang="en-US" altLang="ko-KR" b="1" dirty="0">
@@ -6173,92 +6394,20 @@
                   <a:srgbClr val="1B3C35"/>
                 </a:solidFill>
               </a:rPr>
-              <a:t>100%</a:t>
-            </a:r>
+              <a:t>, </a:t>
+            </a:r>
+          </a:p>
+          <a:p>
+            <a:pPr algn="l"/>
             <a:r>
               <a:rPr lang="ko-KR" altLang="en-US" b="1" dirty="0">
                 <a:solidFill>
                   <a:srgbClr val="1B3C35"/>
                 </a:solidFill>
               </a:rPr>
-              <a:t>가 넘어가는 시간대 노선 기준</a:t>
-            </a:r>
-            <a:r>
-              <a:rPr lang="en-US" altLang="ko-KR" b="1" dirty="0">
-                <a:solidFill>
-                  <a:srgbClr val="1B3C35"/>
-                </a:solidFill>
-              </a:rPr>
-              <a:t>.</a:t>
-            </a:r>
-          </a:p>
-          <a:p>
-            <a:pPr algn="l"/>
-            <a:r>
-              <a:rPr lang="ko-KR" altLang="en-US" b="1" dirty="0">
-                <a:solidFill>
-                  <a:srgbClr val="1B3C35"/>
-                </a:solidFill>
-              </a:rPr>
-              <a:t>증차 비율은 인건비</a:t>
-            </a:r>
-            <a:r>
-              <a:rPr lang="en-US" altLang="ko-KR" b="1" dirty="0">
-                <a:solidFill>
-                  <a:srgbClr val="1B3C35"/>
-                </a:solidFill>
-              </a:rPr>
-              <a:t>, </a:t>
-            </a:r>
-            <a:r>
-              <a:rPr lang="ko-KR" altLang="en-US" b="1" dirty="0">
-                <a:solidFill>
-                  <a:srgbClr val="1B3C35"/>
-                </a:solidFill>
-              </a:rPr>
-              <a:t>운행가능한 </a:t>
-            </a:r>
-            <a:r>
-              <a:rPr lang="ko-KR" altLang="en-US" b="1" dirty="0" err="1">
-                <a:solidFill>
-                  <a:srgbClr val="1B3C35"/>
-                </a:solidFill>
-              </a:rPr>
-              <a:t>인력등</a:t>
-            </a:r>
-            <a:r>
-              <a:rPr lang="ko-KR" altLang="en-US" b="1" dirty="0">
-                <a:solidFill>
-                  <a:srgbClr val="1B3C35"/>
-                </a:solidFill>
-              </a:rPr>
-              <a:t> 여러가지 상황을 고려하여 기존 운행대수의 </a:t>
-            </a:r>
-            <a:r>
-              <a:rPr lang="en-US" altLang="ko-KR" b="1" dirty="0">
-                <a:solidFill>
-                  <a:srgbClr val="1B3C35"/>
-                </a:solidFill>
-              </a:rPr>
-              <a:t>130%</a:t>
-            </a:r>
-            <a:r>
-              <a:rPr lang="ko-KR" altLang="en-US" b="1" dirty="0">
-                <a:solidFill>
-                  <a:srgbClr val="1B3C35"/>
-                </a:solidFill>
-              </a:rPr>
-              <a:t>로 제한</a:t>
+              <a:t>따라서 동일노선의 다른 시간대의 노선운행을 줄이고 혼잡시간대의 증차에 투입 </a:t>
             </a:r>
             <a:endParaRPr lang="en-US" altLang="ko-KR" b="1" dirty="0">
-              <a:solidFill>
-                <a:srgbClr val="1B3C35"/>
-              </a:solidFill>
-            </a:endParaRPr>
-          </a:p>
-          <a:p>
-            <a:pPr algn="l"/>
-            <a:endParaRPr lang="en-US" altLang="ko-KR" sz="1600" b="1" dirty="0">
               <a:solidFill>
                 <a:srgbClr val="1B3C35"/>
               </a:solidFill>
@@ -6347,502 +6496,6 @@
               <a:rPr lang="ko-KR" altLang="en-US" smtClean="0"/>
               <a:pPr/>
               <a:t>12</a:t>
-            </a:fld>
-            <a:endParaRPr lang="ko-KR" altLang="en-US" dirty="0"/>
-          </a:p>
-        </p:txBody>
-      </p:sp>
-      <p:sp>
-        <p:nvSpPr>
-          <p:cNvPr id="6" name="부제목 5">
-            <a:extLst>
-              <a:ext uri="{FF2B5EF4-FFF2-40B4-BE49-F238E27FC236}">
-                <a16:creationId xmlns:a16="http://schemas.microsoft.com/office/drawing/2014/main" id="{E7715509-7870-4E43-A2DE-F377D0847676}"/>
-              </a:ext>
-            </a:extLst>
-          </p:cNvPr>
-          <p:cNvSpPr>
-            <a:spLocks noGrp="1"/>
-          </p:cNvSpPr>
-          <p:nvPr>
-            <p:ph type="subTitle" idx="14"/>
-          </p:nvPr>
-        </p:nvSpPr>
-        <p:spPr/>
-        <p:txBody>
-          <a:bodyPr/>
-          <a:lstStyle/>
-          <a:p>
-            <a:endParaRPr lang="ko-KR" altLang="en-US"/>
-          </a:p>
-        </p:txBody>
-      </p:sp>
-      <p:pic>
-        <p:nvPicPr>
-          <p:cNvPr id="9" name="그림 8">
-            <a:extLst>
-              <a:ext uri="{FF2B5EF4-FFF2-40B4-BE49-F238E27FC236}">
-                <a16:creationId xmlns:a16="http://schemas.microsoft.com/office/drawing/2014/main" id="{6E4D0F09-4F21-4A33-A9DE-39AFBDD8051A}"/>
-              </a:ext>
-            </a:extLst>
-          </p:cNvPr>
-          <p:cNvPicPr>
-            <a:picLocks noChangeAspect="1"/>
-          </p:cNvPicPr>
-          <p:nvPr/>
-        </p:nvPicPr>
-        <p:blipFill>
-          <a:blip r:embed="rId2"/>
-          <a:stretch>
-            <a:fillRect/>
-          </a:stretch>
-        </p:blipFill>
-        <p:spPr>
-          <a:xfrm>
-            <a:off x="6276677" y="2625754"/>
-            <a:ext cx="4956390" cy="3825771"/>
-          </a:xfrm>
-          <a:prstGeom prst="rect">
-            <a:avLst/>
-          </a:prstGeom>
-        </p:spPr>
-      </p:pic>
-      <p:sp>
-        <p:nvSpPr>
-          <p:cNvPr id="11" name="TextBox 10">
-            <a:extLst>
-              <a:ext uri="{FF2B5EF4-FFF2-40B4-BE49-F238E27FC236}">
-                <a16:creationId xmlns:a16="http://schemas.microsoft.com/office/drawing/2014/main" id="{F6E8B550-7D03-4CAE-B09D-540DE081A386}"/>
-              </a:ext>
-            </a:extLst>
-          </p:cNvPr>
-          <p:cNvSpPr txBox="1"/>
-          <p:nvPr/>
-        </p:nvSpPr>
-        <p:spPr>
-          <a:xfrm>
-            <a:off x="1400906" y="3110582"/>
-            <a:ext cx="3951214" cy="2246769"/>
-          </a:xfrm>
-          <a:prstGeom prst="rect">
-            <a:avLst/>
-          </a:prstGeom>
-          <a:noFill/>
-        </p:spPr>
-        <p:txBody>
-          <a:bodyPr wrap="square" rtlCol="0">
-            <a:spAutoFit/>
-          </a:bodyPr>
-          <a:lstStyle/>
-          <a:p>
-            <a:pPr algn="l"/>
-            <a:r>
-              <a:rPr lang="ko-KR" altLang="en-US" sz="1400" b="1" dirty="0">
-                <a:solidFill>
-                  <a:srgbClr val="1B3C35"/>
-                </a:solidFill>
-              </a:rPr>
-              <a:t>해당 코드에서 증차 대수와 증차를 했을 때 </a:t>
-            </a:r>
-            <a:endParaRPr lang="en-US" altLang="ko-KR" sz="1400" b="1" dirty="0">
-              <a:solidFill>
-                <a:srgbClr val="1B3C35"/>
-              </a:solidFill>
-            </a:endParaRPr>
-          </a:p>
-          <a:p>
-            <a:pPr algn="l"/>
-            <a:r>
-              <a:rPr lang="ko-KR" altLang="en-US" sz="1400" b="1" dirty="0">
-                <a:solidFill>
-                  <a:srgbClr val="1B3C35"/>
-                </a:solidFill>
-              </a:rPr>
-              <a:t>포화도 감소율을 계산하여</a:t>
-            </a:r>
-            <a:endParaRPr lang="en-US" altLang="ko-KR" sz="1400" b="1" dirty="0">
-              <a:solidFill>
-                <a:srgbClr val="1B3C35"/>
-              </a:solidFill>
-            </a:endParaRPr>
-          </a:p>
-          <a:p>
-            <a:pPr algn="l"/>
-            <a:endParaRPr lang="en-US" altLang="ko-KR" sz="1400" b="1" dirty="0">
-              <a:solidFill>
-                <a:srgbClr val="1B3C35"/>
-              </a:solidFill>
-            </a:endParaRPr>
-          </a:p>
-          <a:p>
-            <a:pPr algn="l"/>
-            <a:r>
-              <a:rPr lang="ko-KR" altLang="en-US" sz="1400" b="1" dirty="0">
-                <a:solidFill>
-                  <a:srgbClr val="1B3C35"/>
-                </a:solidFill>
-              </a:rPr>
-              <a:t>파일로 추출함</a:t>
-            </a:r>
-            <a:r>
-              <a:rPr lang="en-US" altLang="ko-KR" sz="1400" b="1" dirty="0">
-                <a:solidFill>
-                  <a:srgbClr val="1B3C35"/>
-                </a:solidFill>
-              </a:rPr>
-              <a:t>.</a:t>
-            </a:r>
-          </a:p>
-          <a:p>
-            <a:pPr algn="l"/>
-            <a:endParaRPr lang="en-US" altLang="ko-KR" sz="1400" b="1" dirty="0">
-              <a:solidFill>
-                <a:srgbClr val="1B3C35"/>
-              </a:solidFill>
-            </a:endParaRPr>
-          </a:p>
-          <a:p>
-            <a:pPr algn="l"/>
-            <a:r>
-              <a:rPr lang="ko-KR" altLang="en-US" sz="1400" b="1" dirty="0">
-                <a:solidFill>
-                  <a:srgbClr val="1B3C35"/>
-                </a:solidFill>
-              </a:rPr>
-              <a:t>추출파일</a:t>
-            </a:r>
-            <a:r>
-              <a:rPr lang="en-US" altLang="ko-KR" sz="1400" b="1" dirty="0">
-                <a:solidFill>
-                  <a:srgbClr val="1B3C35"/>
-                </a:solidFill>
-              </a:rPr>
-              <a:t>:</a:t>
-            </a:r>
-            <a:r>
-              <a:rPr lang="ko-KR" altLang="en-US" sz="1400" b="1" dirty="0">
-                <a:solidFill>
-                  <a:srgbClr val="1B3C35"/>
-                </a:solidFill>
-              </a:rPr>
-              <a:t> </a:t>
-            </a:r>
-            <a:r>
-              <a:rPr lang="en-US" altLang="ko-KR" sz="1400" b="1" dirty="0">
-                <a:solidFill>
-                  <a:srgbClr val="1B3C35"/>
-                </a:solidFill>
-              </a:rPr>
-              <a:t>4</a:t>
-            </a:r>
-            <a:r>
-              <a:rPr lang="ko-KR" altLang="en-US" sz="1400" b="1" dirty="0">
-                <a:solidFill>
-                  <a:srgbClr val="1B3C35"/>
-                </a:solidFill>
-              </a:rPr>
-              <a:t>월 동적 배차시간</a:t>
-            </a:r>
-            <a:r>
-              <a:rPr lang="en-US" altLang="ko-KR" sz="1400" b="1" dirty="0">
-                <a:solidFill>
-                  <a:srgbClr val="1B3C35"/>
-                </a:solidFill>
-              </a:rPr>
-              <a:t>.csv</a:t>
-            </a:r>
-          </a:p>
-          <a:p>
-            <a:pPr algn="l"/>
-            <a:endParaRPr lang="en-US" altLang="ko-KR" sz="1400" b="1" dirty="0">
-              <a:solidFill>
-                <a:srgbClr val="1B3C35"/>
-              </a:solidFill>
-            </a:endParaRPr>
-          </a:p>
-          <a:p>
-            <a:pPr algn="l"/>
-            <a:endParaRPr lang="en-US" altLang="ko-KR" sz="1400" b="1" dirty="0">
-              <a:solidFill>
-                <a:srgbClr val="1B3C35"/>
-              </a:solidFill>
-            </a:endParaRPr>
-          </a:p>
-          <a:p>
-            <a:pPr algn="l"/>
-            <a:endParaRPr lang="en-US" altLang="ko-KR" sz="1400" b="1" dirty="0">
-              <a:solidFill>
-                <a:srgbClr val="1B3C35"/>
-              </a:solidFill>
-            </a:endParaRPr>
-          </a:p>
-          <a:p>
-            <a:pPr algn="l"/>
-            <a:endParaRPr lang="en-US" altLang="ko-KR" sz="1400" b="1" dirty="0">
-              <a:solidFill>
-                <a:srgbClr val="1B3C35"/>
-              </a:solidFill>
-            </a:endParaRPr>
-          </a:p>
-        </p:txBody>
-      </p:sp>
-    </p:spTree>
-    <p:extLst>
-      <p:ext uri="{BB962C8B-B14F-4D97-AF65-F5344CB8AC3E}">
-        <p14:creationId xmlns:p14="http://schemas.microsoft.com/office/powerpoint/2010/main" val="1529158974"/>
-      </p:ext>
-    </p:extLst>
-  </p:cSld>
-  <p:clrMapOvr>
-    <a:masterClrMapping/>
-  </p:clrMapOvr>
-</p:sld>
-</file>
-
-<file path=ppt/slides/slide13.xml><?xml version="1.0" encoding="utf-8"?>
-<p:sld xmlns:a="http://schemas.openxmlformats.org/drawingml/2006/main" xmlns:r="http://schemas.openxmlformats.org/officeDocument/2006/relationships" xmlns:p="http://schemas.openxmlformats.org/presentationml/2006/main">
-  <p:cSld>
-    <p:spTree>
-      <p:nvGrpSpPr>
-        <p:cNvPr id="1" name=""/>
-        <p:cNvGrpSpPr/>
-        <p:nvPr/>
-      </p:nvGrpSpPr>
-      <p:grpSpPr>
-        <a:xfrm>
-          <a:off x="0" y="0"/>
-          <a:ext cx="0" cy="0"/>
-          <a:chOff x="0" y="0"/>
-          <a:chExt cx="0" cy="0"/>
-        </a:xfrm>
-      </p:grpSpPr>
-      <p:sp>
-        <p:nvSpPr>
-          <p:cNvPr id="2" name="제목 1">
-            <a:extLst>
-              <a:ext uri="{FF2B5EF4-FFF2-40B4-BE49-F238E27FC236}">
-                <a16:creationId xmlns:a16="http://schemas.microsoft.com/office/drawing/2014/main" id="{E7B41566-0AFB-4F99-ADF7-A2C4EBE18ABD}"/>
-              </a:ext>
-            </a:extLst>
-          </p:cNvPr>
-          <p:cNvSpPr>
-            <a:spLocks noGrp="1"/>
-          </p:cNvSpPr>
-          <p:nvPr>
-            <p:ph type="title"/>
-          </p:nvPr>
-        </p:nvSpPr>
-        <p:spPr/>
-        <p:txBody>
-          <a:bodyPr/>
-          <a:lstStyle/>
-          <a:p>
-            <a:r>
-              <a:rPr lang="en-US" altLang="ko-KR" dirty="0"/>
-              <a:t>2. </a:t>
-            </a:r>
-            <a:r>
-              <a:rPr lang="ko-KR" altLang="en-US" dirty="0"/>
-              <a:t>분석코드 설명</a:t>
-            </a:r>
-            <a:r>
-              <a:rPr lang="en-US" altLang="ko-KR" dirty="0"/>
-              <a:t>(4)</a:t>
-            </a:r>
-            <a:endParaRPr lang="ko-KR" altLang="en-US" dirty="0"/>
-          </a:p>
-        </p:txBody>
-      </p:sp>
-      <p:sp>
-        <p:nvSpPr>
-          <p:cNvPr id="3" name="바닥글 개체 틀 2">
-            <a:extLst>
-              <a:ext uri="{FF2B5EF4-FFF2-40B4-BE49-F238E27FC236}">
-                <a16:creationId xmlns:a16="http://schemas.microsoft.com/office/drawing/2014/main" id="{9879BA5B-E8E4-4A64-8225-7F48FE19409C}"/>
-              </a:ext>
-            </a:extLst>
-          </p:cNvPr>
-          <p:cNvSpPr>
-            <a:spLocks noGrp="1"/>
-          </p:cNvSpPr>
-          <p:nvPr>
-            <p:ph type="ftr" sz="quarter" idx="11"/>
-          </p:nvPr>
-        </p:nvSpPr>
-        <p:spPr/>
-        <p:txBody>
-          <a:bodyPr/>
-          <a:lstStyle/>
-          <a:p>
-            <a:r>
-              <a:rPr lang="en-US"/>
-              <a:t>Designed By L@rgo. ADSTORE</a:t>
-            </a:r>
-            <a:endParaRPr lang="en-US" dirty="0"/>
-          </a:p>
-        </p:txBody>
-      </p:sp>
-      <p:sp>
-        <p:nvSpPr>
-          <p:cNvPr id="4" name="텍스트 개체 틀 3">
-            <a:extLst>
-              <a:ext uri="{FF2B5EF4-FFF2-40B4-BE49-F238E27FC236}">
-                <a16:creationId xmlns:a16="http://schemas.microsoft.com/office/drawing/2014/main" id="{430F254A-BD4A-4C3B-A586-DFD7D2BFEE94}"/>
-              </a:ext>
-            </a:extLst>
-          </p:cNvPr>
-          <p:cNvSpPr>
-            <a:spLocks noGrp="1"/>
-          </p:cNvSpPr>
-          <p:nvPr>
-            <p:ph type="body" sz="quarter" idx="13"/>
-          </p:nvPr>
-        </p:nvSpPr>
-        <p:spPr>
-          <a:xfrm>
-            <a:off x="1400906" y="1777999"/>
-            <a:ext cx="9390178" cy="1183548"/>
-          </a:xfrm>
-        </p:spPr>
-        <p:txBody>
-          <a:bodyPr anchor="t">
-            <a:normAutofit/>
-          </a:bodyPr>
-          <a:lstStyle/>
-          <a:p>
-            <a:pPr algn="l"/>
-            <a:r>
-              <a:rPr lang="ko-KR" altLang="en-US" sz="1600" b="1" dirty="0">
-                <a:solidFill>
-                  <a:srgbClr val="1B3C35"/>
-                </a:solidFill>
-              </a:rPr>
-              <a:t>버스 증차에 따라 동일노선의 포화도가 낮은 시간대에서 감차를 실행</a:t>
-            </a:r>
-            <a:endParaRPr lang="en-US" altLang="ko-KR" b="1" dirty="0">
-              <a:solidFill>
-                <a:srgbClr val="1B3C35"/>
-              </a:solidFill>
-            </a:endParaRPr>
-          </a:p>
-          <a:p>
-            <a:pPr algn="l"/>
-            <a:r>
-              <a:rPr lang="ko-KR" altLang="en-US" b="1" dirty="0">
-                <a:solidFill>
-                  <a:srgbClr val="1B3C35"/>
-                </a:solidFill>
-              </a:rPr>
-              <a:t>증차를 무조건 늘리기에는 현실적으로 불가능하다고 판단</a:t>
-            </a:r>
-            <a:r>
-              <a:rPr lang="en-US" altLang="ko-KR" b="1" dirty="0">
-                <a:solidFill>
-                  <a:srgbClr val="1B3C35"/>
-                </a:solidFill>
-              </a:rPr>
-              <a:t>, </a:t>
-            </a:r>
-          </a:p>
-          <a:p>
-            <a:pPr algn="l"/>
-            <a:r>
-              <a:rPr lang="ko-KR" altLang="en-US" b="1" dirty="0">
-                <a:solidFill>
-                  <a:srgbClr val="1B3C35"/>
-                </a:solidFill>
-              </a:rPr>
-              <a:t>따라서 동일노선의 다른 시간대의 노선운행을 줄이고 혼잡시간대의 증차에 투입 </a:t>
-            </a:r>
-            <a:endParaRPr lang="en-US" altLang="ko-KR" b="1" dirty="0">
-              <a:solidFill>
-                <a:srgbClr val="1B3C35"/>
-              </a:solidFill>
-            </a:endParaRPr>
-          </a:p>
-          <a:p>
-            <a:pPr algn="l"/>
-            <a:endParaRPr lang="en-US" altLang="ko-KR" sz="1600" b="1" dirty="0">
-              <a:solidFill>
-                <a:srgbClr val="1B3C35"/>
-              </a:solidFill>
-            </a:endParaRPr>
-          </a:p>
-          <a:p>
-            <a:pPr algn="l"/>
-            <a:endParaRPr lang="en-US" altLang="ko-KR" sz="1600" b="1" dirty="0">
-              <a:solidFill>
-                <a:srgbClr val="1B3C35"/>
-              </a:solidFill>
-            </a:endParaRPr>
-          </a:p>
-          <a:p>
-            <a:pPr algn="l"/>
-            <a:endParaRPr lang="en-US" altLang="ko-KR" sz="1600" b="1" dirty="0">
-              <a:solidFill>
-                <a:srgbClr val="1B3C35"/>
-              </a:solidFill>
-            </a:endParaRPr>
-          </a:p>
-          <a:p>
-            <a:pPr algn="l"/>
-            <a:endParaRPr lang="en-US" altLang="ko-KR" sz="1600" b="1" dirty="0">
-              <a:solidFill>
-                <a:srgbClr val="1B3C35"/>
-              </a:solidFill>
-            </a:endParaRPr>
-          </a:p>
-          <a:p>
-            <a:pPr algn="l"/>
-            <a:endParaRPr lang="en-US" altLang="ko-KR" sz="1600" b="1" dirty="0">
-              <a:solidFill>
-                <a:srgbClr val="1B3C35"/>
-              </a:solidFill>
-            </a:endParaRPr>
-          </a:p>
-          <a:p>
-            <a:pPr algn="l"/>
-            <a:endParaRPr lang="en-US" altLang="ko-KR" sz="1600" b="1" dirty="0">
-              <a:solidFill>
-                <a:srgbClr val="1B3C35"/>
-              </a:solidFill>
-            </a:endParaRPr>
-          </a:p>
-          <a:p>
-            <a:pPr algn="l"/>
-            <a:endParaRPr lang="en-US" altLang="ko-KR" sz="1600" b="1" dirty="0">
-              <a:solidFill>
-                <a:srgbClr val="1B3C35"/>
-              </a:solidFill>
-            </a:endParaRPr>
-          </a:p>
-        </p:txBody>
-      </p:sp>
-      <p:sp>
-        <p:nvSpPr>
-          <p:cNvPr id="5" name="슬라이드 번호 개체 틀 4">
-            <a:extLst>
-              <a:ext uri="{FF2B5EF4-FFF2-40B4-BE49-F238E27FC236}">
-                <a16:creationId xmlns:a16="http://schemas.microsoft.com/office/drawing/2014/main" id="{565AE793-554B-46CA-A5C5-D91843E0DDC9}"/>
-              </a:ext>
-            </a:extLst>
-          </p:cNvPr>
-          <p:cNvSpPr>
-            <a:spLocks noGrp="1"/>
-          </p:cNvSpPr>
-          <p:nvPr>
-            <p:ph type="sldNum" sz="quarter" idx="12"/>
-          </p:nvPr>
-        </p:nvSpPr>
-        <p:spPr/>
-        <p:txBody>
-          <a:bodyPr/>
-          <a:lstStyle/>
-          <a:p>
-            <a:fld id="{15812C5A-9CF7-4A8D-A41D-9E74470054A5}" type="slidenum">
-              <a:rPr lang="ko-KR" altLang="en-US" smtClean="0"/>
-              <a:pPr/>
-              <a:t>13</a:t>
             </a:fld>
             <a:endParaRPr lang="ko-KR" altLang="en-US" dirty="0"/>
           </a:p>
@@ -6916,7 +6569,7 @@
 </p:sld>
 </file>
 
-<file path=ppt/slides/slide14.xml><?xml version="1.0" encoding="utf-8"?>
+<file path=ppt/slides/slide13.xml><?xml version="1.0" encoding="utf-8"?>
 <p:sld xmlns:a="http://schemas.openxmlformats.org/drawingml/2006/main" xmlns:r="http://schemas.openxmlformats.org/officeDocument/2006/relationships" xmlns:p="http://schemas.openxmlformats.org/presentationml/2006/main">
   <p:cSld>
     <p:spTree>
@@ -7159,7 +6812,7 @@
             <a:fld id="{15812C5A-9CF7-4A8D-A41D-9E74470054A5}" type="slidenum">
               <a:rPr lang="ko-KR" altLang="en-US" smtClean="0"/>
               <a:pPr/>
-              <a:t>14</a:t>
+              <a:t>13</a:t>
             </a:fld>
             <a:endParaRPr lang="ko-KR" altLang="en-US" dirty="0"/>
           </a:p>
@@ -7233,7 +6886,7 @@
 </p:sld>
 </file>
 
-<file path=ppt/slides/slide15.xml><?xml version="1.0" encoding="utf-8"?>
+<file path=ppt/slides/slide14.xml><?xml version="1.0" encoding="utf-8"?>
 <p:sld xmlns:a="http://schemas.openxmlformats.org/drawingml/2006/main" xmlns:r="http://schemas.openxmlformats.org/officeDocument/2006/relationships" xmlns:p="http://schemas.openxmlformats.org/presentationml/2006/main">
   <p:cSld>
     <p:spTree>
@@ -7487,7 +7140,7 @@
             <a:fld id="{15812C5A-9CF7-4A8D-A41D-9E74470054A5}" type="slidenum">
               <a:rPr lang="ko-KR" altLang="en-US" smtClean="0"/>
               <a:pPr/>
-              <a:t>15</a:t>
+              <a:t>14</a:t>
             </a:fld>
             <a:endParaRPr lang="ko-KR" altLang="en-US" dirty="0"/>
           </a:p>
@@ -7722,7 +7375,7 @@
 </p:sld>
 </file>
 
-<file path=ppt/slides/slide16.xml><?xml version="1.0" encoding="utf-8"?>
+<file path=ppt/slides/slide15.xml><?xml version="1.0" encoding="utf-8"?>
 <p:sld xmlns:a="http://schemas.openxmlformats.org/drawingml/2006/main" xmlns:r="http://schemas.openxmlformats.org/officeDocument/2006/relationships" xmlns:p="http://schemas.openxmlformats.org/presentationml/2006/main">
   <p:cSld>
     <p:spTree>
@@ -7824,7 +7477,7 @@
             <a:fld id="{15812C5A-9CF7-4A8D-A41D-9E74470054A5}" type="slidenum">
               <a:rPr lang="ko-KR" altLang="en-US" smtClean="0"/>
               <a:pPr/>
-              <a:t>16</a:t>
+              <a:t>15</a:t>
             </a:fld>
             <a:endParaRPr lang="ko-KR" altLang="en-US" dirty="0"/>
           </a:p>
@@ -8165,7 +7818,7 @@
 </p:sld>
 </file>
 
-<file path=ppt/slides/slide17.xml><?xml version="1.0" encoding="utf-8"?>
+<file path=ppt/slides/slide16.xml><?xml version="1.0" encoding="utf-8"?>
 <p:sld xmlns:a="http://schemas.openxmlformats.org/drawingml/2006/main" xmlns:r="http://schemas.openxmlformats.org/officeDocument/2006/relationships" xmlns:p="http://schemas.openxmlformats.org/presentationml/2006/main">
   <p:cSld>
     <p:spTree>
@@ -8267,7 +7920,7 @@
             <a:fld id="{15812C5A-9CF7-4A8D-A41D-9E74470054A5}" type="slidenum">
               <a:rPr lang="ko-KR" altLang="en-US" smtClean="0"/>
               <a:pPr/>
-              <a:t>17</a:t>
+              <a:t>16</a:t>
             </a:fld>
             <a:endParaRPr lang="ko-KR" altLang="en-US" dirty="0"/>
           </a:p>
@@ -8509,7 +8162,7 @@
 </p:sld>
 </file>
 
-<file path=ppt/slides/slide18.xml><?xml version="1.0" encoding="utf-8"?>
+<file path=ppt/slides/slide17.xml><?xml version="1.0" encoding="utf-8"?>
 <p:sld xmlns:a="http://schemas.openxmlformats.org/drawingml/2006/main" xmlns:r="http://schemas.openxmlformats.org/officeDocument/2006/relationships" xmlns:p="http://schemas.openxmlformats.org/presentationml/2006/main">
   <p:cSld>
     <p:spTree>
@@ -8763,7 +8416,7 @@
             <a:fld id="{15812C5A-9CF7-4A8D-A41D-9E74470054A5}" type="slidenum">
               <a:rPr lang="ko-KR" altLang="en-US" smtClean="0"/>
               <a:pPr/>
-              <a:t>18</a:t>
+              <a:t>17</a:t>
             </a:fld>
             <a:endParaRPr lang="ko-KR" altLang="en-US" dirty="0"/>
           </a:p>
@@ -8998,7 +8651,7 @@
 </p:sld>
 </file>
 
-<file path=ppt/slides/slide19.xml><?xml version="1.0" encoding="utf-8"?>
+<file path=ppt/slides/slide18.xml><?xml version="1.0" encoding="utf-8"?>
 <p:sld xmlns:a="http://schemas.openxmlformats.org/drawingml/2006/main" xmlns:r="http://schemas.openxmlformats.org/officeDocument/2006/relationships" xmlns:p="http://schemas.openxmlformats.org/presentationml/2006/main">
   <p:cSld>
     <p:spTree>
@@ -9100,7 +8753,7 @@
             <a:fld id="{15812C5A-9CF7-4A8D-A41D-9E74470054A5}" type="slidenum">
               <a:rPr lang="ko-KR" altLang="en-US" smtClean="0"/>
               <a:pPr/>
-              <a:t>19</a:t>
+              <a:t>18</a:t>
             </a:fld>
             <a:endParaRPr lang="ko-KR" altLang="en-US" dirty="0"/>
           </a:p>
@@ -9382,6 +9035,405 @@
     <p:extLst>
       <p:ext uri="{BB962C8B-B14F-4D97-AF65-F5344CB8AC3E}">
         <p14:creationId xmlns:p14="http://schemas.microsoft.com/office/powerpoint/2010/main" val="1086785600"/>
+      </p:ext>
+    </p:extLst>
+  </p:cSld>
+  <p:clrMapOvr>
+    <a:masterClrMapping/>
+  </p:clrMapOvr>
+</p:sld>
+</file>
+
+<file path=ppt/slides/slide19.xml><?xml version="1.0" encoding="utf-8"?>
+<p:sld xmlns:a="http://schemas.openxmlformats.org/drawingml/2006/main" xmlns:r="http://schemas.openxmlformats.org/officeDocument/2006/relationships" xmlns:p="http://schemas.openxmlformats.org/presentationml/2006/main">
+  <p:cSld>
+    <p:spTree>
+      <p:nvGrpSpPr>
+        <p:cNvPr id="1" name=""/>
+        <p:cNvGrpSpPr/>
+        <p:nvPr/>
+      </p:nvGrpSpPr>
+      <p:grpSpPr>
+        <a:xfrm>
+          <a:off x="0" y="0"/>
+          <a:ext cx="0" cy="0"/>
+          <a:chOff x="0" y="0"/>
+          <a:chExt cx="0" cy="0"/>
+        </a:xfrm>
+      </p:grpSpPr>
+      <p:sp>
+        <p:nvSpPr>
+          <p:cNvPr id="2" name="제목 1">
+            <a:extLst>
+              <a:ext uri="{FF2B5EF4-FFF2-40B4-BE49-F238E27FC236}">
+                <a16:creationId xmlns:a16="http://schemas.microsoft.com/office/drawing/2014/main" id="{805BACAF-D5BC-47ED-BA2E-A0EA85EF0623}"/>
+              </a:ext>
+            </a:extLst>
+          </p:cNvPr>
+          <p:cNvSpPr>
+            <a:spLocks noGrp="1"/>
+          </p:cNvSpPr>
+          <p:nvPr>
+            <p:ph type="title"/>
+          </p:nvPr>
+        </p:nvSpPr>
+        <p:spPr/>
+        <p:txBody>
+          <a:bodyPr/>
+          <a:lstStyle/>
+          <a:p>
+            <a:r>
+              <a:rPr lang="en-US" altLang="ko-KR" dirty="0"/>
+              <a:t>4. </a:t>
+            </a:r>
+            <a:r>
+              <a:rPr lang="ko-KR" altLang="en-US" dirty="0"/>
+              <a:t>예측결과 설명</a:t>
+            </a:r>
+          </a:p>
+        </p:txBody>
+      </p:sp>
+      <p:sp>
+        <p:nvSpPr>
+          <p:cNvPr id="3" name="바닥글 개체 틀 2">
+            <a:extLst>
+              <a:ext uri="{FF2B5EF4-FFF2-40B4-BE49-F238E27FC236}">
+                <a16:creationId xmlns:a16="http://schemas.microsoft.com/office/drawing/2014/main" id="{3D1184B4-BFC8-457E-906D-71960C6D3846}"/>
+              </a:ext>
+            </a:extLst>
+          </p:cNvPr>
+          <p:cNvSpPr>
+            <a:spLocks noGrp="1"/>
+          </p:cNvSpPr>
+          <p:nvPr>
+            <p:ph type="ftr" sz="quarter" idx="11"/>
+          </p:nvPr>
+        </p:nvSpPr>
+        <p:spPr/>
+        <p:txBody>
+          <a:bodyPr/>
+          <a:lstStyle/>
+          <a:p>
+            <a:r>
+              <a:rPr lang="en-US"/>
+              <a:t>Designed By L@rgo. ADSTORE</a:t>
+            </a:r>
+            <a:endParaRPr lang="en-US" dirty="0"/>
+          </a:p>
+        </p:txBody>
+      </p:sp>
+      <p:sp>
+        <p:nvSpPr>
+          <p:cNvPr id="5" name="슬라이드 번호 개체 틀 4">
+            <a:extLst>
+              <a:ext uri="{FF2B5EF4-FFF2-40B4-BE49-F238E27FC236}">
+                <a16:creationId xmlns:a16="http://schemas.microsoft.com/office/drawing/2014/main" id="{D39FDFF0-4E02-4458-AE0D-0E83F5181FC2}"/>
+              </a:ext>
+            </a:extLst>
+          </p:cNvPr>
+          <p:cNvSpPr>
+            <a:spLocks noGrp="1"/>
+          </p:cNvSpPr>
+          <p:nvPr>
+            <p:ph type="sldNum" sz="quarter" idx="12"/>
+          </p:nvPr>
+        </p:nvSpPr>
+        <p:spPr/>
+        <p:txBody>
+          <a:bodyPr/>
+          <a:lstStyle/>
+          <a:p>
+            <a:fld id="{15812C5A-9CF7-4A8D-A41D-9E74470054A5}" type="slidenum">
+              <a:rPr lang="ko-KR" altLang="en-US" smtClean="0"/>
+              <a:pPr/>
+              <a:t>19</a:t>
+            </a:fld>
+            <a:endParaRPr lang="ko-KR" altLang="en-US" dirty="0"/>
+          </a:p>
+        </p:txBody>
+      </p:sp>
+      <p:sp>
+        <p:nvSpPr>
+          <p:cNvPr id="6" name="부제목 5">
+            <a:extLst>
+              <a:ext uri="{FF2B5EF4-FFF2-40B4-BE49-F238E27FC236}">
+                <a16:creationId xmlns:a16="http://schemas.microsoft.com/office/drawing/2014/main" id="{485D1D4A-E6F0-45D2-B08D-1B89EFE6C6A4}"/>
+              </a:ext>
+            </a:extLst>
+          </p:cNvPr>
+          <p:cNvSpPr>
+            <a:spLocks noGrp="1"/>
+          </p:cNvSpPr>
+          <p:nvPr>
+            <p:ph type="subTitle" idx="14"/>
+          </p:nvPr>
+        </p:nvSpPr>
+        <p:spPr/>
+        <p:txBody>
+          <a:bodyPr/>
+          <a:lstStyle/>
+          <a:p>
+            <a:endParaRPr lang="ko-KR" altLang="en-US"/>
+          </a:p>
+        </p:txBody>
+      </p:sp>
+      <p:sp>
+        <p:nvSpPr>
+          <p:cNvPr id="7" name="텍스트 개체 틀 3">
+            <a:extLst>
+              <a:ext uri="{FF2B5EF4-FFF2-40B4-BE49-F238E27FC236}">
+                <a16:creationId xmlns:a16="http://schemas.microsoft.com/office/drawing/2014/main" id="{88B565E4-1E42-4CE3-BC42-DEEF3B50A136}"/>
+              </a:ext>
+            </a:extLst>
+          </p:cNvPr>
+          <p:cNvSpPr>
+            <a:spLocks noGrp="1"/>
+          </p:cNvSpPr>
+          <p:nvPr>
+            <p:ph type="body" sz="quarter" idx="13"/>
+          </p:nvPr>
+        </p:nvSpPr>
+        <p:spPr>
+          <a:xfrm>
+            <a:off x="1400905" y="1777999"/>
+            <a:ext cx="9563505" cy="1183548"/>
+          </a:xfrm>
+        </p:spPr>
+        <p:txBody>
+          <a:bodyPr anchor="t">
+            <a:normAutofit/>
+          </a:bodyPr>
+          <a:lstStyle/>
+          <a:p>
+            <a:pPr algn="l"/>
+            <a:r>
+              <a:rPr lang="ko-KR" altLang="en-US" sz="1600" b="1" dirty="0">
+                <a:solidFill>
+                  <a:srgbClr val="1B3C35"/>
+                </a:solidFill>
+              </a:rPr>
+              <a:t>따라서 이에 대해 증차를 실시 한 결과</a:t>
+            </a:r>
+            <a:r>
+              <a:rPr lang="en-US" altLang="ko-KR" sz="1600" b="1" dirty="0">
+                <a:solidFill>
+                  <a:srgbClr val="1B3C35"/>
+                </a:solidFill>
+              </a:rPr>
+              <a:t>, </a:t>
+            </a:r>
+            <a:r>
+              <a:rPr lang="ko-KR" altLang="en-US" sz="1600" b="1" dirty="0">
+                <a:solidFill>
+                  <a:srgbClr val="1B3C35"/>
+                </a:solidFill>
+              </a:rPr>
+              <a:t>시간당 약 </a:t>
+            </a:r>
+            <a:r>
+              <a:rPr lang="en-US" altLang="ko-KR" sz="1600" b="1" dirty="0">
+                <a:solidFill>
+                  <a:srgbClr val="1B3C35"/>
+                </a:solidFill>
+              </a:rPr>
+              <a:t>3~8</a:t>
+            </a:r>
+            <a:r>
+              <a:rPr lang="ko-KR" altLang="en-US" sz="1600" b="1" dirty="0">
+                <a:solidFill>
+                  <a:srgbClr val="1B3C35"/>
+                </a:solidFill>
+              </a:rPr>
+              <a:t>대의 차량을 증차 시킨다면 포화도를 상당히 낮출 수 있다는 결론에 다다른다</a:t>
+            </a:r>
+            <a:r>
+              <a:rPr lang="en-US" altLang="ko-KR" sz="1600" b="1" dirty="0">
+                <a:solidFill>
+                  <a:srgbClr val="1B3C35"/>
+                </a:solidFill>
+              </a:rPr>
+              <a:t>.</a:t>
+            </a:r>
+            <a:r>
+              <a:rPr lang="ko-KR" altLang="en-US" sz="1600" b="1" dirty="0">
+                <a:solidFill>
+                  <a:srgbClr val="1B3C35"/>
+                </a:solidFill>
+              </a:rPr>
+              <a:t> </a:t>
+            </a:r>
+            <a:endParaRPr lang="en-US" altLang="ko-KR" sz="1600" b="1" dirty="0">
+              <a:solidFill>
+                <a:srgbClr val="1B3C35"/>
+              </a:solidFill>
+            </a:endParaRPr>
+          </a:p>
+          <a:p>
+            <a:pPr algn="l"/>
+            <a:endParaRPr lang="en-US" altLang="ko-KR" sz="1600" b="1" dirty="0">
+              <a:solidFill>
+                <a:srgbClr val="1B3C35"/>
+              </a:solidFill>
+            </a:endParaRPr>
+          </a:p>
+          <a:p>
+            <a:pPr algn="l"/>
+            <a:endParaRPr lang="en-US" altLang="ko-KR" sz="1600" b="1" dirty="0">
+              <a:solidFill>
+                <a:srgbClr val="1B3C35"/>
+              </a:solidFill>
+            </a:endParaRPr>
+          </a:p>
+          <a:p>
+            <a:pPr algn="l"/>
+            <a:endParaRPr lang="en-US" altLang="ko-KR" sz="1600" b="1" dirty="0">
+              <a:solidFill>
+                <a:srgbClr val="1B3C35"/>
+              </a:solidFill>
+            </a:endParaRPr>
+          </a:p>
+        </p:txBody>
+      </p:sp>
+      <p:sp>
+        <p:nvSpPr>
+          <p:cNvPr id="10" name="TextBox 9">
+            <a:extLst>
+              <a:ext uri="{FF2B5EF4-FFF2-40B4-BE49-F238E27FC236}">
+                <a16:creationId xmlns:a16="http://schemas.microsoft.com/office/drawing/2014/main" id="{0E17C53D-8E09-4E0C-BDBF-7A4AD5BBAD6C}"/>
+              </a:ext>
+            </a:extLst>
+          </p:cNvPr>
+          <p:cNvSpPr txBox="1"/>
+          <p:nvPr/>
+        </p:nvSpPr>
+        <p:spPr>
+          <a:xfrm>
+            <a:off x="6979640" y="5572795"/>
+            <a:ext cx="2667699" cy="369332"/>
+          </a:xfrm>
+          <a:prstGeom prst="rect">
+            <a:avLst/>
+          </a:prstGeom>
+          <a:noFill/>
+        </p:spPr>
+        <p:txBody>
+          <a:bodyPr wrap="square" rtlCol="0">
+            <a:spAutoFit/>
+          </a:bodyPr>
+          <a:lstStyle/>
+          <a:p>
+            <a:r>
+              <a:rPr lang="ko-KR" altLang="en-US" dirty="0"/>
+              <a:t>그림 </a:t>
+            </a:r>
+            <a:r>
+              <a:rPr lang="en-US" altLang="ko-KR" dirty="0"/>
+              <a:t>: 4</a:t>
+            </a:r>
+            <a:r>
+              <a:rPr lang="ko-KR" altLang="en-US" dirty="0"/>
+              <a:t>월 </a:t>
+            </a:r>
+            <a:r>
+              <a:rPr lang="ko-KR" altLang="en-US" dirty="0" err="1"/>
+              <a:t>동적배차시간</a:t>
+            </a:r>
+            <a:endParaRPr lang="ko-KR" altLang="en-US" dirty="0"/>
+          </a:p>
+        </p:txBody>
+      </p:sp>
+      <p:pic>
+        <p:nvPicPr>
+          <p:cNvPr id="8" name="그림 7">
+            <a:extLst>
+              <a:ext uri="{FF2B5EF4-FFF2-40B4-BE49-F238E27FC236}">
+                <a16:creationId xmlns:a16="http://schemas.microsoft.com/office/drawing/2014/main" id="{A1D44185-6E11-4AD3-9210-3196A36744DE}"/>
+              </a:ext>
+            </a:extLst>
+          </p:cNvPr>
+          <p:cNvPicPr>
+            <a:picLocks noChangeAspect="1"/>
+          </p:cNvPicPr>
+          <p:nvPr/>
+        </p:nvPicPr>
+        <p:blipFill>
+          <a:blip r:embed="rId2"/>
+          <a:stretch>
+            <a:fillRect/>
+          </a:stretch>
+        </p:blipFill>
+        <p:spPr>
+          <a:xfrm>
+            <a:off x="1400906" y="3129093"/>
+            <a:ext cx="5493099" cy="2870484"/>
+          </a:xfrm>
+          <a:prstGeom prst="rect">
+            <a:avLst/>
+          </a:prstGeom>
+        </p:spPr>
+      </p:pic>
+      <p:sp>
+        <p:nvSpPr>
+          <p:cNvPr id="9" name="직사각형 8">
+            <a:extLst>
+              <a:ext uri="{FF2B5EF4-FFF2-40B4-BE49-F238E27FC236}">
+                <a16:creationId xmlns:a16="http://schemas.microsoft.com/office/drawing/2014/main" id="{2C731C84-64D4-4409-8FDC-E26BCB15AE1A}"/>
+              </a:ext>
+            </a:extLst>
+          </p:cNvPr>
+          <p:cNvSpPr/>
+          <p:nvPr/>
+        </p:nvSpPr>
+        <p:spPr>
+          <a:xfrm>
+            <a:off x="5989740" y="3295820"/>
+            <a:ext cx="904266" cy="2703757"/>
+          </a:xfrm>
+          <a:prstGeom prst="rect">
+            <a:avLst/>
+          </a:prstGeom>
+          <a:noFill/>
+          <a:ln w="57150">
+            <a:solidFill>
+              <a:srgbClr val="FF0000"/>
+            </a:solidFill>
+          </a:ln>
+        </p:spPr>
+        <p:style>
+          <a:lnRef idx="2">
+            <a:schemeClr val="accent1">
+              <a:shade val="50000"/>
+            </a:schemeClr>
+          </a:lnRef>
+          <a:fillRef idx="1">
+            <a:schemeClr val="accent1"/>
+          </a:fillRef>
+          <a:effectRef idx="0">
+            <a:schemeClr val="accent1"/>
+          </a:effectRef>
+          <a:fontRef idx="minor">
+            <a:schemeClr val="lt1"/>
+          </a:fontRef>
+        </p:style>
+        <p:txBody>
+          <a:bodyPr rtlCol="0" anchor="ctr"/>
+          <a:lstStyle/>
+          <a:p>
+            <a:pPr algn="ctr"/>
+            <a:endParaRPr lang="ko-KR" altLang="en-US">
+              <a:ln w="57150">
+                <a:solidFill>
+                  <a:schemeClr val="tx1"/>
+                </a:solidFill>
+              </a:ln>
+            </a:endParaRPr>
+          </a:p>
+        </p:txBody>
+      </p:sp>
+    </p:spTree>
+    <p:extLst>
+      <p:ext uri="{BB962C8B-B14F-4D97-AF65-F5344CB8AC3E}">
+        <p14:creationId xmlns:p14="http://schemas.microsoft.com/office/powerpoint/2010/main" val="169186566"/>
       </p:ext>
     </p:extLst>
   </p:cSld>
@@ -10629,405 +10681,6 @@
         <p:spPr>
           <a:xfrm>
             <a:off x="1400905" y="1777999"/>
-            <a:ext cx="9563505" cy="1183548"/>
-          </a:xfrm>
-        </p:spPr>
-        <p:txBody>
-          <a:bodyPr anchor="t">
-            <a:normAutofit/>
-          </a:bodyPr>
-          <a:lstStyle/>
-          <a:p>
-            <a:pPr algn="l"/>
-            <a:r>
-              <a:rPr lang="ko-KR" altLang="en-US" sz="1600" b="1" dirty="0">
-                <a:solidFill>
-                  <a:srgbClr val="1B3C35"/>
-                </a:solidFill>
-              </a:rPr>
-              <a:t>따라서 이에 대해 증차를 실시 한 결과</a:t>
-            </a:r>
-            <a:r>
-              <a:rPr lang="en-US" altLang="ko-KR" sz="1600" b="1" dirty="0">
-                <a:solidFill>
-                  <a:srgbClr val="1B3C35"/>
-                </a:solidFill>
-              </a:rPr>
-              <a:t>, </a:t>
-            </a:r>
-            <a:r>
-              <a:rPr lang="ko-KR" altLang="en-US" sz="1600" b="1" dirty="0">
-                <a:solidFill>
-                  <a:srgbClr val="1B3C35"/>
-                </a:solidFill>
-              </a:rPr>
-              <a:t>시간당 약 </a:t>
-            </a:r>
-            <a:r>
-              <a:rPr lang="en-US" altLang="ko-KR" sz="1600" b="1" dirty="0">
-                <a:solidFill>
-                  <a:srgbClr val="1B3C35"/>
-                </a:solidFill>
-              </a:rPr>
-              <a:t>3~8</a:t>
-            </a:r>
-            <a:r>
-              <a:rPr lang="ko-KR" altLang="en-US" sz="1600" b="1" dirty="0">
-                <a:solidFill>
-                  <a:srgbClr val="1B3C35"/>
-                </a:solidFill>
-              </a:rPr>
-              <a:t>대의 차량을 증차 시킨다면 포화도를 상당히 낮출 수 있다는 결론에 다다른다</a:t>
-            </a:r>
-            <a:r>
-              <a:rPr lang="en-US" altLang="ko-KR" sz="1600" b="1" dirty="0">
-                <a:solidFill>
-                  <a:srgbClr val="1B3C35"/>
-                </a:solidFill>
-              </a:rPr>
-              <a:t>.</a:t>
-            </a:r>
-            <a:r>
-              <a:rPr lang="ko-KR" altLang="en-US" sz="1600" b="1" dirty="0">
-                <a:solidFill>
-                  <a:srgbClr val="1B3C35"/>
-                </a:solidFill>
-              </a:rPr>
-              <a:t> </a:t>
-            </a:r>
-            <a:endParaRPr lang="en-US" altLang="ko-KR" sz="1600" b="1" dirty="0">
-              <a:solidFill>
-                <a:srgbClr val="1B3C35"/>
-              </a:solidFill>
-            </a:endParaRPr>
-          </a:p>
-          <a:p>
-            <a:pPr algn="l"/>
-            <a:endParaRPr lang="en-US" altLang="ko-KR" sz="1600" b="1" dirty="0">
-              <a:solidFill>
-                <a:srgbClr val="1B3C35"/>
-              </a:solidFill>
-            </a:endParaRPr>
-          </a:p>
-          <a:p>
-            <a:pPr algn="l"/>
-            <a:endParaRPr lang="en-US" altLang="ko-KR" sz="1600" b="1" dirty="0">
-              <a:solidFill>
-                <a:srgbClr val="1B3C35"/>
-              </a:solidFill>
-            </a:endParaRPr>
-          </a:p>
-          <a:p>
-            <a:pPr algn="l"/>
-            <a:endParaRPr lang="en-US" altLang="ko-KR" sz="1600" b="1" dirty="0">
-              <a:solidFill>
-                <a:srgbClr val="1B3C35"/>
-              </a:solidFill>
-            </a:endParaRPr>
-          </a:p>
-        </p:txBody>
-      </p:sp>
-      <p:sp>
-        <p:nvSpPr>
-          <p:cNvPr id="10" name="TextBox 9">
-            <a:extLst>
-              <a:ext uri="{FF2B5EF4-FFF2-40B4-BE49-F238E27FC236}">
-                <a16:creationId xmlns:a16="http://schemas.microsoft.com/office/drawing/2014/main" id="{0E17C53D-8E09-4E0C-BDBF-7A4AD5BBAD6C}"/>
-              </a:ext>
-            </a:extLst>
-          </p:cNvPr>
-          <p:cNvSpPr txBox="1"/>
-          <p:nvPr/>
-        </p:nvSpPr>
-        <p:spPr>
-          <a:xfrm>
-            <a:off x="6979640" y="5572795"/>
-            <a:ext cx="2667699" cy="369332"/>
-          </a:xfrm>
-          <a:prstGeom prst="rect">
-            <a:avLst/>
-          </a:prstGeom>
-          <a:noFill/>
-        </p:spPr>
-        <p:txBody>
-          <a:bodyPr wrap="square" rtlCol="0">
-            <a:spAutoFit/>
-          </a:bodyPr>
-          <a:lstStyle/>
-          <a:p>
-            <a:r>
-              <a:rPr lang="ko-KR" altLang="en-US" dirty="0"/>
-              <a:t>그림 </a:t>
-            </a:r>
-            <a:r>
-              <a:rPr lang="en-US" altLang="ko-KR" dirty="0"/>
-              <a:t>: 4</a:t>
-            </a:r>
-            <a:r>
-              <a:rPr lang="ko-KR" altLang="en-US" dirty="0"/>
-              <a:t>월 </a:t>
-            </a:r>
-            <a:r>
-              <a:rPr lang="ko-KR" altLang="en-US" dirty="0" err="1"/>
-              <a:t>동적배차시간</a:t>
-            </a:r>
-            <a:endParaRPr lang="ko-KR" altLang="en-US" dirty="0"/>
-          </a:p>
-        </p:txBody>
-      </p:sp>
-      <p:pic>
-        <p:nvPicPr>
-          <p:cNvPr id="8" name="그림 7">
-            <a:extLst>
-              <a:ext uri="{FF2B5EF4-FFF2-40B4-BE49-F238E27FC236}">
-                <a16:creationId xmlns:a16="http://schemas.microsoft.com/office/drawing/2014/main" id="{A1D44185-6E11-4AD3-9210-3196A36744DE}"/>
-              </a:ext>
-            </a:extLst>
-          </p:cNvPr>
-          <p:cNvPicPr>
-            <a:picLocks noChangeAspect="1"/>
-          </p:cNvPicPr>
-          <p:nvPr/>
-        </p:nvPicPr>
-        <p:blipFill>
-          <a:blip r:embed="rId2"/>
-          <a:stretch>
-            <a:fillRect/>
-          </a:stretch>
-        </p:blipFill>
-        <p:spPr>
-          <a:xfrm>
-            <a:off x="1400906" y="3129093"/>
-            <a:ext cx="5493099" cy="2870484"/>
-          </a:xfrm>
-          <a:prstGeom prst="rect">
-            <a:avLst/>
-          </a:prstGeom>
-        </p:spPr>
-      </p:pic>
-      <p:sp>
-        <p:nvSpPr>
-          <p:cNvPr id="9" name="직사각형 8">
-            <a:extLst>
-              <a:ext uri="{FF2B5EF4-FFF2-40B4-BE49-F238E27FC236}">
-                <a16:creationId xmlns:a16="http://schemas.microsoft.com/office/drawing/2014/main" id="{2C731C84-64D4-4409-8FDC-E26BCB15AE1A}"/>
-              </a:ext>
-            </a:extLst>
-          </p:cNvPr>
-          <p:cNvSpPr/>
-          <p:nvPr/>
-        </p:nvSpPr>
-        <p:spPr>
-          <a:xfrm>
-            <a:off x="5989740" y="3295820"/>
-            <a:ext cx="904266" cy="2703757"/>
-          </a:xfrm>
-          <a:prstGeom prst="rect">
-            <a:avLst/>
-          </a:prstGeom>
-          <a:noFill/>
-          <a:ln w="57150">
-            <a:solidFill>
-              <a:srgbClr val="FF0000"/>
-            </a:solidFill>
-          </a:ln>
-        </p:spPr>
-        <p:style>
-          <a:lnRef idx="2">
-            <a:schemeClr val="accent1">
-              <a:shade val="50000"/>
-            </a:schemeClr>
-          </a:lnRef>
-          <a:fillRef idx="1">
-            <a:schemeClr val="accent1"/>
-          </a:fillRef>
-          <a:effectRef idx="0">
-            <a:schemeClr val="accent1"/>
-          </a:effectRef>
-          <a:fontRef idx="minor">
-            <a:schemeClr val="lt1"/>
-          </a:fontRef>
-        </p:style>
-        <p:txBody>
-          <a:bodyPr rtlCol="0" anchor="ctr"/>
-          <a:lstStyle/>
-          <a:p>
-            <a:pPr algn="ctr"/>
-            <a:endParaRPr lang="ko-KR" altLang="en-US">
-              <a:ln w="57150">
-                <a:solidFill>
-                  <a:schemeClr val="tx1"/>
-                </a:solidFill>
-              </a:ln>
-            </a:endParaRPr>
-          </a:p>
-        </p:txBody>
-      </p:sp>
-    </p:spTree>
-    <p:extLst>
-      <p:ext uri="{BB962C8B-B14F-4D97-AF65-F5344CB8AC3E}">
-        <p14:creationId xmlns:p14="http://schemas.microsoft.com/office/powerpoint/2010/main" val="169186566"/>
-      </p:ext>
-    </p:extLst>
-  </p:cSld>
-  <p:clrMapOvr>
-    <a:masterClrMapping/>
-  </p:clrMapOvr>
-</p:sld>
-</file>
-
-<file path=ppt/slides/slide21.xml><?xml version="1.0" encoding="utf-8"?>
-<p:sld xmlns:a="http://schemas.openxmlformats.org/drawingml/2006/main" xmlns:r="http://schemas.openxmlformats.org/officeDocument/2006/relationships" xmlns:p="http://schemas.openxmlformats.org/presentationml/2006/main">
-  <p:cSld>
-    <p:spTree>
-      <p:nvGrpSpPr>
-        <p:cNvPr id="1" name=""/>
-        <p:cNvGrpSpPr/>
-        <p:nvPr/>
-      </p:nvGrpSpPr>
-      <p:grpSpPr>
-        <a:xfrm>
-          <a:off x="0" y="0"/>
-          <a:ext cx="0" cy="0"/>
-          <a:chOff x="0" y="0"/>
-          <a:chExt cx="0" cy="0"/>
-        </a:xfrm>
-      </p:grpSpPr>
-      <p:sp>
-        <p:nvSpPr>
-          <p:cNvPr id="2" name="제목 1">
-            <a:extLst>
-              <a:ext uri="{FF2B5EF4-FFF2-40B4-BE49-F238E27FC236}">
-                <a16:creationId xmlns:a16="http://schemas.microsoft.com/office/drawing/2014/main" id="{805BACAF-D5BC-47ED-BA2E-A0EA85EF0623}"/>
-              </a:ext>
-            </a:extLst>
-          </p:cNvPr>
-          <p:cNvSpPr>
-            <a:spLocks noGrp="1"/>
-          </p:cNvSpPr>
-          <p:nvPr>
-            <p:ph type="title"/>
-          </p:nvPr>
-        </p:nvSpPr>
-        <p:spPr/>
-        <p:txBody>
-          <a:bodyPr/>
-          <a:lstStyle/>
-          <a:p>
-            <a:r>
-              <a:rPr lang="en-US" altLang="ko-KR" dirty="0"/>
-              <a:t>4. </a:t>
-            </a:r>
-            <a:r>
-              <a:rPr lang="ko-KR" altLang="en-US" dirty="0"/>
-              <a:t>예측결과 설명</a:t>
-            </a:r>
-          </a:p>
-        </p:txBody>
-      </p:sp>
-      <p:sp>
-        <p:nvSpPr>
-          <p:cNvPr id="3" name="바닥글 개체 틀 2">
-            <a:extLst>
-              <a:ext uri="{FF2B5EF4-FFF2-40B4-BE49-F238E27FC236}">
-                <a16:creationId xmlns:a16="http://schemas.microsoft.com/office/drawing/2014/main" id="{3D1184B4-BFC8-457E-906D-71960C6D3846}"/>
-              </a:ext>
-            </a:extLst>
-          </p:cNvPr>
-          <p:cNvSpPr>
-            <a:spLocks noGrp="1"/>
-          </p:cNvSpPr>
-          <p:nvPr>
-            <p:ph type="ftr" sz="quarter" idx="11"/>
-          </p:nvPr>
-        </p:nvSpPr>
-        <p:spPr/>
-        <p:txBody>
-          <a:bodyPr/>
-          <a:lstStyle/>
-          <a:p>
-            <a:r>
-              <a:rPr lang="en-US"/>
-              <a:t>Designed By L@rgo. ADSTORE</a:t>
-            </a:r>
-            <a:endParaRPr lang="en-US" dirty="0"/>
-          </a:p>
-        </p:txBody>
-      </p:sp>
-      <p:sp>
-        <p:nvSpPr>
-          <p:cNvPr id="5" name="슬라이드 번호 개체 틀 4">
-            <a:extLst>
-              <a:ext uri="{FF2B5EF4-FFF2-40B4-BE49-F238E27FC236}">
-                <a16:creationId xmlns:a16="http://schemas.microsoft.com/office/drawing/2014/main" id="{D39FDFF0-4E02-4458-AE0D-0E83F5181FC2}"/>
-              </a:ext>
-            </a:extLst>
-          </p:cNvPr>
-          <p:cNvSpPr>
-            <a:spLocks noGrp="1"/>
-          </p:cNvSpPr>
-          <p:nvPr>
-            <p:ph type="sldNum" sz="quarter" idx="12"/>
-          </p:nvPr>
-        </p:nvSpPr>
-        <p:spPr/>
-        <p:txBody>
-          <a:bodyPr/>
-          <a:lstStyle/>
-          <a:p>
-            <a:fld id="{15812C5A-9CF7-4A8D-A41D-9E74470054A5}" type="slidenum">
-              <a:rPr lang="ko-KR" altLang="en-US" smtClean="0"/>
-              <a:pPr/>
-              <a:t>21</a:t>
-            </a:fld>
-            <a:endParaRPr lang="ko-KR" altLang="en-US" dirty="0"/>
-          </a:p>
-        </p:txBody>
-      </p:sp>
-      <p:sp>
-        <p:nvSpPr>
-          <p:cNvPr id="6" name="부제목 5">
-            <a:extLst>
-              <a:ext uri="{FF2B5EF4-FFF2-40B4-BE49-F238E27FC236}">
-                <a16:creationId xmlns:a16="http://schemas.microsoft.com/office/drawing/2014/main" id="{485D1D4A-E6F0-45D2-B08D-1B89EFE6C6A4}"/>
-              </a:ext>
-            </a:extLst>
-          </p:cNvPr>
-          <p:cNvSpPr>
-            <a:spLocks noGrp="1"/>
-          </p:cNvSpPr>
-          <p:nvPr>
-            <p:ph type="subTitle" idx="14"/>
-          </p:nvPr>
-        </p:nvSpPr>
-        <p:spPr/>
-        <p:txBody>
-          <a:bodyPr/>
-          <a:lstStyle/>
-          <a:p>
-            <a:endParaRPr lang="ko-KR" altLang="en-US"/>
-          </a:p>
-        </p:txBody>
-      </p:sp>
-      <p:sp>
-        <p:nvSpPr>
-          <p:cNvPr id="7" name="텍스트 개체 틀 3">
-            <a:extLst>
-              <a:ext uri="{FF2B5EF4-FFF2-40B4-BE49-F238E27FC236}">
-                <a16:creationId xmlns:a16="http://schemas.microsoft.com/office/drawing/2014/main" id="{88B565E4-1E42-4CE3-BC42-DEEF3B50A136}"/>
-              </a:ext>
-            </a:extLst>
-          </p:cNvPr>
-          <p:cNvSpPr>
-            <a:spLocks noGrp="1"/>
-          </p:cNvSpPr>
-          <p:nvPr>
-            <p:ph type="body" sz="quarter" idx="13"/>
-          </p:nvPr>
-        </p:nvSpPr>
-        <p:spPr>
-          <a:xfrm>
-            <a:off x="1400905" y="1777999"/>
             <a:ext cx="9757850" cy="1451762"/>
           </a:xfrm>
         </p:spPr>
@@ -11358,7 +11011,7 @@
 </p:sld>
 </file>
 
-<file path=ppt/slides/slide22.xml><?xml version="1.0" encoding="utf-8"?>
+<file path=ppt/slides/slide21.xml><?xml version="1.0" encoding="utf-8"?>
 <p:sld xmlns:a="http://schemas.openxmlformats.org/drawingml/2006/main" xmlns:r="http://schemas.openxmlformats.org/officeDocument/2006/relationships" xmlns:p="http://schemas.openxmlformats.org/presentationml/2006/main">
   <p:cSld>
     <p:spTree>
@@ -11460,7 +11113,7 @@
             <a:fld id="{15812C5A-9CF7-4A8D-A41D-9E74470054A5}" type="slidenum">
               <a:rPr lang="ko-KR" altLang="en-US" smtClean="0"/>
               <a:pPr/>
-              <a:t>22</a:t>
+              <a:t>21</a:t>
             </a:fld>
             <a:endParaRPr lang="ko-KR" altLang="en-US" dirty="0"/>
           </a:p>
@@ -11850,7 +11503,7 @@
 </p:sld>
 </file>
 
-<file path=ppt/slides/slide23.xml><?xml version="1.0" encoding="utf-8"?>
+<file path=ppt/slides/slide22.xml><?xml version="1.0" encoding="utf-8"?>
 <p:sld xmlns:a="http://schemas.openxmlformats.org/drawingml/2006/main" xmlns:r="http://schemas.openxmlformats.org/officeDocument/2006/relationships" xmlns:p="http://schemas.openxmlformats.org/presentationml/2006/main">
   <p:cSld>
     <p:spTree>
@@ -11952,7 +11605,7 @@
             <a:fld id="{15812C5A-9CF7-4A8D-A41D-9E74470054A5}" type="slidenum">
               <a:rPr lang="ko-KR" altLang="en-US" smtClean="0"/>
               <a:pPr/>
-              <a:t>23</a:t>
+              <a:t>22</a:t>
             </a:fld>
             <a:endParaRPr lang="ko-KR" altLang="en-US" dirty="0"/>
           </a:p>
@@ -12203,7 +11856,7 @@
 </p:sld>
 </file>
 
-<file path=ppt/slides/slide24.xml><?xml version="1.0" encoding="utf-8"?>
+<file path=ppt/slides/slide23.xml><?xml version="1.0" encoding="utf-8"?>
 <p:sld xmlns:a="http://schemas.openxmlformats.org/drawingml/2006/main" xmlns:r="http://schemas.openxmlformats.org/officeDocument/2006/relationships" xmlns:p="http://schemas.openxmlformats.org/presentationml/2006/main">
   <p:cSld>
     <p:spTree>
@@ -12381,7 +12034,7 @@
             <a:fld id="{15812C5A-9CF7-4A8D-A41D-9E74470054A5}" type="slidenum">
               <a:rPr lang="ko-KR" altLang="en-US" smtClean="0"/>
               <a:pPr/>
-              <a:t>24</a:t>
+              <a:t>23</a:t>
             </a:fld>
             <a:endParaRPr lang="ko-KR" altLang="en-US" dirty="0"/>
           </a:p>
@@ -12690,7 +12343,7 @@
           <p:cNvPr id="2" name="제목 1">
             <a:extLst>
               <a:ext uri="{FF2B5EF4-FFF2-40B4-BE49-F238E27FC236}">
-                <a16:creationId xmlns:a16="http://schemas.microsoft.com/office/drawing/2014/main" id="{6E4B1F8C-1599-48A6-ADDD-51DFC11420EE}"/>
+                <a16:creationId xmlns:a16="http://schemas.microsoft.com/office/drawing/2014/main" id="{15B6755F-2C44-4821-BD2A-1FFE30911213}"/>
               </a:ext>
             </a:extLst>
           </p:cNvPr>
@@ -12701,12 +12354,7 @@
             <p:ph type="title"/>
           </p:nvPr>
         </p:nvSpPr>
-        <p:spPr>
-          <a:xfrm>
-            <a:off x="1101212" y="704493"/>
-            <a:ext cx="9989576" cy="567808"/>
-          </a:xfrm>
-        </p:spPr>
+        <p:spPr/>
         <p:txBody>
           <a:bodyPr/>
           <a:lstStyle/>
@@ -12727,7 +12375,7 @@
           <p:cNvPr id="3" name="바닥글 개체 틀 2">
             <a:extLst>
               <a:ext uri="{FF2B5EF4-FFF2-40B4-BE49-F238E27FC236}">
-                <a16:creationId xmlns:a16="http://schemas.microsoft.com/office/drawing/2014/main" id="{CA9F492F-4C4F-409E-8C94-8CC7585CF6E5}"/>
+                <a16:creationId xmlns:a16="http://schemas.microsoft.com/office/drawing/2014/main" id="{9046FFBA-1D63-4C0A-A6E5-0ACFFFF9A491}"/>
               </a:ext>
             </a:extLst>
           </p:cNvPr>
@@ -12756,7 +12404,7 @@
           <p:cNvPr id="4" name="텍스트 개체 틀 3">
             <a:extLst>
               <a:ext uri="{FF2B5EF4-FFF2-40B4-BE49-F238E27FC236}">
-                <a16:creationId xmlns:a16="http://schemas.microsoft.com/office/drawing/2014/main" id="{EECA3004-4308-4A70-9DD2-3A110F7D16C9}"/>
+                <a16:creationId xmlns:a16="http://schemas.microsoft.com/office/drawing/2014/main" id="{353B7A26-90F5-4977-8C03-C32A010D4799}"/>
               </a:ext>
             </a:extLst>
           </p:cNvPr>
@@ -12775,47 +12423,98 @@
           <a:lstStyle/>
           <a:p>
             <a:r>
-              <a:rPr lang="ko-KR" altLang="en-US" sz="2800" dirty="0">
-                <a:solidFill>
-                  <a:srgbClr val="1B3C35"/>
-                </a:solidFill>
-              </a:rPr>
-              <a:t>분석목표에 대한 설명을 박음</a:t>
-            </a:r>
-            <a:r>
-              <a:rPr lang="en-US" altLang="ko-KR" sz="2800" dirty="0">
-                <a:solidFill>
-                  <a:srgbClr val="1B3C35"/>
-                </a:solidFill>
-              </a:rPr>
-              <a:t>.</a:t>
-            </a:r>
-          </a:p>
-          <a:p>
-            <a:r>
-              <a:rPr lang="ko-KR" altLang="en-US" sz="2800" dirty="0">
-                <a:solidFill>
-                  <a:srgbClr val="1B3C35"/>
-                </a:solidFill>
-              </a:rPr>
-              <a:t>여기다가 집에 있는 발표배경을 박아야 하는데 집에 있네</a:t>
-            </a:r>
-            <a:r>
-              <a:rPr lang="en-US" altLang="ko-KR" sz="2800" dirty="0">
-                <a:solidFill>
-                  <a:srgbClr val="1B3C35"/>
-                </a:solidFill>
-              </a:rPr>
-              <a:t>..</a:t>
-            </a:r>
-          </a:p>
-          <a:p>
-            <a:endParaRPr lang="ko-KR" altLang="en-US" sz="2800" dirty="0">
+              <a:rPr lang="ko-KR" altLang="en-US" sz="2400" b="1" dirty="0">
+                <a:solidFill>
+                  <a:srgbClr val="1B3C35"/>
+                </a:solidFill>
+              </a:rPr>
+              <a:t>시흥시 경유노선의 노선</a:t>
+            </a:r>
+            <a:r>
+              <a:rPr lang="en-US" altLang="ko-KR" sz="2400" b="1" dirty="0">
+                <a:solidFill>
+                  <a:srgbClr val="1B3C35"/>
+                </a:solidFill>
+              </a:rPr>
+              <a:t> /  </a:t>
+            </a:r>
+            <a:r>
+              <a:rPr lang="ko-KR" altLang="en-US" sz="2400" b="1" dirty="0">
+                <a:solidFill>
+                  <a:srgbClr val="1B3C35"/>
+                </a:solidFill>
+              </a:rPr>
+              <a:t>시간별 포화도를 계산하고</a:t>
+            </a:r>
+            <a:r>
+              <a:rPr lang="en-US" altLang="ko-KR" sz="2400" b="1" dirty="0">
+                <a:solidFill>
+                  <a:srgbClr val="1B3C35"/>
+                </a:solidFill>
+              </a:rPr>
+              <a:t>,</a:t>
+            </a:r>
+          </a:p>
+          <a:p>
+            <a:r>
+              <a:rPr lang="ko-KR" altLang="en-US" sz="2400" b="1" dirty="0">
+                <a:solidFill>
+                  <a:srgbClr val="1B3C35"/>
+                </a:solidFill>
+              </a:rPr>
+              <a:t>그 포화도 수치에 따라 버스노선을 특정시간대에 </a:t>
+            </a:r>
+            <a:endParaRPr lang="en-US" altLang="ko-KR" sz="2400" b="1" dirty="0">
               <a:solidFill>
                 <a:srgbClr val="1B3C35"/>
               </a:solidFill>
             </a:endParaRPr>
           </a:p>
+          <a:p>
+            <a:r>
+              <a:rPr lang="ko-KR" altLang="en-US" sz="2400" b="1" dirty="0">
+                <a:solidFill>
+                  <a:srgbClr val="1B3C35"/>
+                </a:solidFill>
+              </a:rPr>
+              <a:t>증차 및 감차를 실행</a:t>
+            </a:r>
+            <a:endParaRPr lang="en-US" altLang="ko-KR" sz="2400" b="1" dirty="0">
+              <a:solidFill>
+                <a:srgbClr val="1B3C35"/>
+              </a:solidFill>
+            </a:endParaRPr>
+          </a:p>
+          <a:p>
+            <a:endParaRPr lang="en-US" altLang="ko-KR" sz="2400" b="1" dirty="0">
+              <a:solidFill>
+                <a:srgbClr val="1B3C35"/>
+              </a:solidFill>
+            </a:endParaRPr>
+          </a:p>
+          <a:p>
+            <a:r>
+              <a:rPr lang="ko-KR" altLang="en-US" sz="2400" b="1" dirty="0">
+                <a:solidFill>
+                  <a:srgbClr val="1B3C35"/>
+                </a:solidFill>
+              </a:rPr>
+              <a:t>보다 더 나은 버스 이용환경을 제공하고자 함</a:t>
+            </a:r>
+            <a:r>
+              <a:rPr lang="en-US" altLang="ko-KR" sz="2400" b="1" dirty="0">
+                <a:solidFill>
+                  <a:srgbClr val="1B3C35"/>
+                </a:solidFill>
+              </a:rPr>
+              <a:t>.</a:t>
+            </a:r>
+            <a:endParaRPr lang="ko-KR" altLang="en-US" sz="2400" b="1" dirty="0">
+              <a:solidFill>
+                <a:srgbClr val="1B3C35"/>
+              </a:solidFill>
+            </a:endParaRPr>
+          </a:p>
         </p:txBody>
       </p:sp>
       <p:sp>
@@ -12823,7 +12522,7 @@
           <p:cNvPr id="5" name="슬라이드 번호 개체 틀 4">
             <a:extLst>
               <a:ext uri="{FF2B5EF4-FFF2-40B4-BE49-F238E27FC236}">
-                <a16:creationId xmlns:a16="http://schemas.microsoft.com/office/drawing/2014/main" id="{D26BC285-9D15-4B8C-93E8-66AD0B23466B}"/>
+                <a16:creationId xmlns:a16="http://schemas.microsoft.com/office/drawing/2014/main" id="{3373CAB3-BDDF-4737-99E6-A377E0B3FA0A}"/>
               </a:ext>
             </a:extLst>
           </p:cNvPr>
@@ -12843,270 +12542,6 @@
               <a:rPr lang="ko-KR" altLang="en-US" smtClean="0"/>
               <a:pPr/>
               <a:t>3</a:t>
-            </a:fld>
-            <a:endParaRPr lang="ko-KR" altLang="en-US" dirty="0"/>
-          </a:p>
-        </p:txBody>
-      </p:sp>
-      <p:sp>
-        <p:nvSpPr>
-          <p:cNvPr id="6" name="부제목 5">
-            <a:extLst>
-              <a:ext uri="{FF2B5EF4-FFF2-40B4-BE49-F238E27FC236}">
-                <a16:creationId xmlns:a16="http://schemas.microsoft.com/office/drawing/2014/main" id="{2C600DED-1BE0-40A2-8150-4878AECE5747}"/>
-              </a:ext>
-            </a:extLst>
-          </p:cNvPr>
-          <p:cNvSpPr>
-            <a:spLocks noGrp="1"/>
-          </p:cNvSpPr>
-          <p:nvPr>
-            <p:ph type="subTitle" idx="14"/>
-          </p:nvPr>
-        </p:nvSpPr>
-        <p:spPr/>
-        <p:txBody>
-          <a:bodyPr/>
-          <a:lstStyle/>
-          <a:p>
-            <a:endParaRPr lang="ko-KR" altLang="en-US"/>
-          </a:p>
-        </p:txBody>
-      </p:sp>
-    </p:spTree>
-    <p:extLst>
-      <p:ext uri="{BB962C8B-B14F-4D97-AF65-F5344CB8AC3E}">
-        <p14:creationId xmlns:p14="http://schemas.microsoft.com/office/powerpoint/2010/main" val="1959232130"/>
-      </p:ext>
-    </p:extLst>
-  </p:cSld>
-  <p:clrMapOvr>
-    <a:masterClrMapping/>
-  </p:clrMapOvr>
-</p:sld>
-</file>
-
-<file path=ppt/slides/slide4.xml><?xml version="1.0" encoding="utf-8"?>
-<p:sld xmlns:a="http://schemas.openxmlformats.org/drawingml/2006/main" xmlns:r="http://schemas.openxmlformats.org/officeDocument/2006/relationships" xmlns:p="http://schemas.openxmlformats.org/presentationml/2006/main">
-  <p:cSld>
-    <p:spTree>
-      <p:nvGrpSpPr>
-        <p:cNvPr id="1" name=""/>
-        <p:cNvGrpSpPr/>
-        <p:nvPr/>
-      </p:nvGrpSpPr>
-      <p:grpSpPr>
-        <a:xfrm>
-          <a:off x="0" y="0"/>
-          <a:ext cx="0" cy="0"/>
-          <a:chOff x="0" y="0"/>
-          <a:chExt cx="0" cy="0"/>
-        </a:xfrm>
-      </p:grpSpPr>
-      <p:sp>
-        <p:nvSpPr>
-          <p:cNvPr id="2" name="제목 1">
-            <a:extLst>
-              <a:ext uri="{FF2B5EF4-FFF2-40B4-BE49-F238E27FC236}">
-                <a16:creationId xmlns:a16="http://schemas.microsoft.com/office/drawing/2014/main" id="{15B6755F-2C44-4821-BD2A-1FFE30911213}"/>
-              </a:ext>
-            </a:extLst>
-          </p:cNvPr>
-          <p:cNvSpPr>
-            <a:spLocks noGrp="1"/>
-          </p:cNvSpPr>
-          <p:nvPr>
-            <p:ph type="title"/>
-          </p:nvPr>
-        </p:nvSpPr>
-        <p:spPr/>
-        <p:txBody>
-          <a:bodyPr/>
-          <a:lstStyle/>
-          <a:p>
-            <a:r>
-              <a:rPr lang="en-US" altLang="ko-KR" dirty="0"/>
-              <a:t>1. </a:t>
-            </a:r>
-            <a:r>
-              <a:rPr lang="ko-KR" altLang="en-US" dirty="0"/>
-              <a:t>분석목표</a:t>
-            </a:r>
-          </a:p>
-        </p:txBody>
-      </p:sp>
-      <p:sp>
-        <p:nvSpPr>
-          <p:cNvPr id="3" name="바닥글 개체 틀 2">
-            <a:extLst>
-              <a:ext uri="{FF2B5EF4-FFF2-40B4-BE49-F238E27FC236}">
-                <a16:creationId xmlns:a16="http://schemas.microsoft.com/office/drawing/2014/main" id="{9046FFBA-1D63-4C0A-A6E5-0ACFFFF9A491}"/>
-              </a:ext>
-            </a:extLst>
-          </p:cNvPr>
-          <p:cNvSpPr>
-            <a:spLocks noGrp="1"/>
-          </p:cNvSpPr>
-          <p:nvPr>
-            <p:ph type="ftr" sz="quarter" idx="11"/>
-          </p:nvPr>
-        </p:nvSpPr>
-        <p:spPr/>
-        <p:txBody>
-          <a:bodyPr/>
-          <a:lstStyle/>
-          <a:p>
-            <a:r>
-              <a:rPr lang="en-US"/>
-              <a:t>Designed By L@rgo. ADSTORE</a:t>
-            </a:r>
-            <a:endParaRPr lang="en-US" dirty="0"/>
-          </a:p>
-        </p:txBody>
-      </p:sp>
-      <p:sp>
-        <p:nvSpPr>
-          <p:cNvPr id="4" name="텍스트 개체 틀 3">
-            <a:extLst>
-              <a:ext uri="{FF2B5EF4-FFF2-40B4-BE49-F238E27FC236}">
-                <a16:creationId xmlns:a16="http://schemas.microsoft.com/office/drawing/2014/main" id="{353B7A26-90F5-4977-8C03-C32A010D4799}"/>
-              </a:ext>
-            </a:extLst>
-          </p:cNvPr>
-          <p:cNvSpPr>
-            <a:spLocks noGrp="1"/>
-          </p:cNvSpPr>
-          <p:nvPr>
-            <p:ph type="body" sz="quarter" idx="13"/>
-          </p:nvPr>
-        </p:nvSpPr>
-        <p:spPr/>
-        <p:txBody>
-          <a:bodyPr>
-            <a:normAutofit/>
-          </a:bodyPr>
-          <a:lstStyle/>
-          <a:p>
-            <a:r>
-              <a:rPr lang="ko-KR" altLang="en-US" sz="2400" b="1" dirty="0">
-                <a:solidFill>
-                  <a:srgbClr val="1B3C35"/>
-                </a:solidFill>
-              </a:rPr>
-              <a:t>시흥시 경유노선의 노선</a:t>
-            </a:r>
-            <a:r>
-              <a:rPr lang="en-US" altLang="ko-KR" sz="2400" b="1" dirty="0">
-                <a:solidFill>
-                  <a:srgbClr val="1B3C35"/>
-                </a:solidFill>
-              </a:rPr>
-              <a:t> /  </a:t>
-            </a:r>
-            <a:r>
-              <a:rPr lang="ko-KR" altLang="en-US" sz="2400" b="1" dirty="0">
-                <a:solidFill>
-                  <a:srgbClr val="1B3C35"/>
-                </a:solidFill>
-              </a:rPr>
-              <a:t>시간별 포화도를 계산하고</a:t>
-            </a:r>
-            <a:r>
-              <a:rPr lang="en-US" altLang="ko-KR" sz="2400" b="1" dirty="0">
-                <a:solidFill>
-                  <a:srgbClr val="1B3C35"/>
-                </a:solidFill>
-              </a:rPr>
-              <a:t>,</a:t>
-            </a:r>
-          </a:p>
-          <a:p>
-            <a:r>
-              <a:rPr lang="ko-KR" altLang="en-US" sz="2400" b="1" dirty="0">
-                <a:solidFill>
-                  <a:srgbClr val="1B3C35"/>
-                </a:solidFill>
-              </a:rPr>
-              <a:t>그 포화도 수치에 따라 버스노선을 특정시간대에 </a:t>
-            </a:r>
-            <a:endParaRPr lang="en-US" altLang="ko-KR" sz="2400" b="1" dirty="0">
-              <a:solidFill>
-                <a:srgbClr val="1B3C35"/>
-              </a:solidFill>
-            </a:endParaRPr>
-          </a:p>
-          <a:p>
-            <a:r>
-              <a:rPr lang="ko-KR" altLang="en-US" sz="2400" b="1" dirty="0">
-                <a:solidFill>
-                  <a:srgbClr val="1B3C35"/>
-                </a:solidFill>
-              </a:rPr>
-              <a:t>증차 및 감차를 실행</a:t>
-            </a:r>
-            <a:endParaRPr lang="en-US" altLang="ko-KR" sz="2400" b="1" dirty="0">
-              <a:solidFill>
-                <a:srgbClr val="1B3C35"/>
-              </a:solidFill>
-            </a:endParaRPr>
-          </a:p>
-          <a:p>
-            <a:endParaRPr lang="en-US" altLang="ko-KR" sz="2400" b="1" dirty="0">
-              <a:solidFill>
-                <a:srgbClr val="1B3C35"/>
-              </a:solidFill>
-            </a:endParaRPr>
-          </a:p>
-          <a:p>
-            <a:r>
-              <a:rPr lang="ko-KR" altLang="en-US" sz="2400" b="1" dirty="0">
-                <a:solidFill>
-                  <a:srgbClr val="1B3C35"/>
-                </a:solidFill>
-              </a:rPr>
-              <a:t>보다 더 나은 버스 이용환경을 제공하고자 함</a:t>
-            </a:r>
-            <a:r>
-              <a:rPr lang="en-US" altLang="ko-KR" sz="2400" b="1" dirty="0">
-                <a:solidFill>
-                  <a:srgbClr val="1B3C35"/>
-                </a:solidFill>
-              </a:rPr>
-              <a:t>.</a:t>
-            </a:r>
-            <a:endParaRPr lang="ko-KR" altLang="en-US" sz="2400" b="1" dirty="0">
-              <a:solidFill>
-                <a:srgbClr val="1B3C35"/>
-              </a:solidFill>
-            </a:endParaRPr>
-          </a:p>
-        </p:txBody>
-      </p:sp>
-      <p:sp>
-        <p:nvSpPr>
-          <p:cNvPr id="5" name="슬라이드 번호 개체 틀 4">
-            <a:extLst>
-              <a:ext uri="{FF2B5EF4-FFF2-40B4-BE49-F238E27FC236}">
-                <a16:creationId xmlns:a16="http://schemas.microsoft.com/office/drawing/2014/main" id="{3373CAB3-BDDF-4737-99E6-A377E0B3FA0A}"/>
-              </a:ext>
-            </a:extLst>
-          </p:cNvPr>
-          <p:cNvSpPr>
-            <a:spLocks noGrp="1"/>
-          </p:cNvSpPr>
-          <p:nvPr>
-            <p:ph type="sldNum" sz="quarter" idx="12"/>
-          </p:nvPr>
-        </p:nvSpPr>
-        <p:spPr/>
-        <p:txBody>
-          <a:bodyPr/>
-          <a:lstStyle/>
-          <a:p>
-            <a:fld id="{15812C5A-9CF7-4A8D-A41D-9E74470054A5}" type="slidenum">
-              <a:rPr lang="ko-KR" altLang="en-US" smtClean="0"/>
-              <a:pPr/>
-              <a:t>4</a:t>
             </a:fld>
             <a:endParaRPr lang="ko-KR" altLang="en-US" dirty="0"/>
           </a:p>
@@ -13150,7 +12585,7 @@
 </p:sld>
 </file>
 
-<file path=ppt/slides/slide5.xml><?xml version="1.0" encoding="utf-8"?>
+<file path=ppt/slides/slide4.xml><?xml version="1.0" encoding="utf-8"?>
 <p:sld xmlns:a="http://schemas.openxmlformats.org/drawingml/2006/main" xmlns:r="http://schemas.openxmlformats.org/officeDocument/2006/relationships" xmlns:p="http://schemas.openxmlformats.org/presentationml/2006/main">
   <p:cSld>
     <p:spTree>
@@ -13404,7 +12839,7 @@
             <a:fld id="{15812C5A-9CF7-4A8D-A41D-9E74470054A5}" type="slidenum">
               <a:rPr lang="ko-KR" altLang="en-US" smtClean="0"/>
               <a:pPr/>
-              <a:t>5</a:t>
+              <a:t>4</a:t>
             </a:fld>
             <a:endParaRPr lang="ko-KR" altLang="en-US" dirty="0"/>
           </a:p>
@@ -13639,7 +13074,7 @@
 </p:sld>
 </file>
 
-<file path=ppt/slides/slide6.xml><?xml version="1.0" encoding="utf-8"?>
+<file path=ppt/slides/slide5.xml><?xml version="1.0" encoding="utf-8"?>
 <p:sld xmlns:a="http://schemas.openxmlformats.org/drawingml/2006/main" xmlns:r="http://schemas.openxmlformats.org/officeDocument/2006/relationships" xmlns:p="http://schemas.openxmlformats.org/presentationml/2006/main">
   <p:cSld>
     <p:spTree>
@@ -13932,7 +13367,7 @@
             <a:fld id="{15812C5A-9CF7-4A8D-A41D-9E74470054A5}" type="slidenum">
               <a:rPr lang="ko-KR" altLang="en-US" smtClean="0"/>
               <a:pPr/>
-              <a:t>6</a:t>
+              <a:t>5</a:t>
             </a:fld>
             <a:endParaRPr lang="ko-KR" altLang="en-US" dirty="0"/>
           </a:p>
@@ -14430,7 +13865,7 @@
 </p:sld>
 </file>
 
-<file path=ppt/slides/slide7.xml><?xml version="1.0" encoding="utf-8"?>
+<file path=ppt/slides/slide6.xml><?xml version="1.0" encoding="utf-8"?>
 <p:sld xmlns:a="http://schemas.openxmlformats.org/drawingml/2006/main" xmlns:r="http://schemas.openxmlformats.org/officeDocument/2006/relationships" xmlns:p="http://schemas.openxmlformats.org/presentationml/2006/main">
   <p:cSld>
     <p:spTree>
@@ -14709,7 +14144,7 @@
             <a:fld id="{15812C5A-9CF7-4A8D-A41D-9E74470054A5}" type="slidenum">
               <a:rPr lang="ko-KR" altLang="en-US" smtClean="0"/>
               <a:pPr/>
-              <a:t>7</a:t>
+              <a:t>6</a:t>
             </a:fld>
             <a:endParaRPr lang="ko-KR" altLang="en-US" dirty="0"/>
           </a:p>
@@ -14783,7 +14218,7 @@
 </p:sld>
 </file>
 
-<file path=ppt/slides/slide8.xml><?xml version="1.0" encoding="utf-8"?>
+<file path=ppt/slides/slide7.xml><?xml version="1.0" encoding="utf-8"?>
 <p:sld xmlns:a="http://schemas.openxmlformats.org/drawingml/2006/main" xmlns:r="http://schemas.openxmlformats.org/officeDocument/2006/relationships" xmlns:p="http://schemas.openxmlformats.org/presentationml/2006/main">
   <p:cSld>
     <p:spTree>
@@ -14999,7 +14434,7 @@
             <a:fld id="{15812C5A-9CF7-4A8D-A41D-9E74470054A5}" type="slidenum">
               <a:rPr lang="ko-KR" altLang="en-US" smtClean="0"/>
               <a:pPr/>
-              <a:t>8</a:t>
+              <a:t>7</a:t>
             </a:fld>
             <a:endParaRPr lang="ko-KR" altLang="en-US" dirty="0"/>
           </a:p>
@@ -15443,7 +14878,7 @@
 </p:sld>
 </file>
 
-<file path=ppt/slides/slide9.xml><?xml version="1.0" encoding="utf-8"?>
+<file path=ppt/slides/slide8.xml><?xml version="1.0" encoding="utf-8"?>
 <p:sld xmlns:a="http://schemas.openxmlformats.org/drawingml/2006/main" xmlns:r="http://schemas.openxmlformats.org/officeDocument/2006/relationships" xmlns:p="http://schemas.openxmlformats.org/presentationml/2006/main">
   <p:cSld>
     <p:spTree>
@@ -15833,7 +15268,7 @@
             <a:fld id="{15812C5A-9CF7-4A8D-A41D-9E74470054A5}" type="slidenum">
               <a:rPr lang="ko-KR" altLang="en-US" smtClean="0"/>
               <a:pPr/>
-              <a:t>9</a:t>
+              <a:t>8</a:t>
             </a:fld>
             <a:endParaRPr lang="ko-KR" altLang="en-US" dirty="0"/>
           </a:p>
@@ -15898,6 +15333,352 @@
     <p:extLst>
       <p:ext uri="{BB962C8B-B14F-4D97-AF65-F5344CB8AC3E}">
         <p14:creationId xmlns:p14="http://schemas.microsoft.com/office/powerpoint/2010/main" val="1053073964"/>
+      </p:ext>
+    </p:extLst>
+  </p:cSld>
+  <p:clrMapOvr>
+    <a:masterClrMapping/>
+  </p:clrMapOvr>
+</p:sld>
+</file>
+
+<file path=ppt/slides/slide9.xml><?xml version="1.0" encoding="utf-8"?>
+<p:sld xmlns:a="http://schemas.openxmlformats.org/drawingml/2006/main" xmlns:r="http://schemas.openxmlformats.org/officeDocument/2006/relationships" xmlns:p="http://schemas.openxmlformats.org/presentationml/2006/main">
+  <p:cSld>
+    <p:spTree>
+      <p:nvGrpSpPr>
+        <p:cNvPr id="1" name=""/>
+        <p:cNvGrpSpPr/>
+        <p:nvPr/>
+      </p:nvGrpSpPr>
+      <p:grpSpPr>
+        <a:xfrm>
+          <a:off x="0" y="0"/>
+          <a:ext cx="0" cy="0"/>
+          <a:chOff x="0" y="0"/>
+          <a:chExt cx="0" cy="0"/>
+        </a:xfrm>
+      </p:grpSpPr>
+      <p:sp>
+        <p:nvSpPr>
+          <p:cNvPr id="2" name="제목 1">
+            <a:extLst>
+              <a:ext uri="{FF2B5EF4-FFF2-40B4-BE49-F238E27FC236}">
+                <a16:creationId xmlns:a16="http://schemas.microsoft.com/office/drawing/2014/main" id="{E7B41566-0AFB-4F99-ADF7-A2C4EBE18ABD}"/>
+              </a:ext>
+            </a:extLst>
+          </p:cNvPr>
+          <p:cNvSpPr>
+            <a:spLocks noGrp="1"/>
+          </p:cNvSpPr>
+          <p:nvPr>
+            <p:ph type="title"/>
+          </p:nvPr>
+        </p:nvSpPr>
+        <p:spPr/>
+        <p:txBody>
+          <a:bodyPr/>
+          <a:lstStyle/>
+          <a:p>
+            <a:r>
+              <a:rPr lang="en-US" altLang="ko-KR" dirty="0"/>
+              <a:t>2. </a:t>
+            </a:r>
+            <a:r>
+              <a:rPr lang="ko-KR" altLang="en-US" dirty="0"/>
+              <a:t>분석코드 설명</a:t>
+            </a:r>
+            <a:r>
+              <a:rPr lang="en-US" altLang="ko-KR" dirty="0"/>
+              <a:t>(2)</a:t>
+            </a:r>
+            <a:endParaRPr lang="ko-KR" altLang="en-US" dirty="0"/>
+          </a:p>
+        </p:txBody>
+      </p:sp>
+      <p:sp>
+        <p:nvSpPr>
+          <p:cNvPr id="3" name="바닥글 개체 틀 2">
+            <a:extLst>
+              <a:ext uri="{FF2B5EF4-FFF2-40B4-BE49-F238E27FC236}">
+                <a16:creationId xmlns:a16="http://schemas.microsoft.com/office/drawing/2014/main" id="{9879BA5B-E8E4-4A64-8225-7F48FE19409C}"/>
+              </a:ext>
+            </a:extLst>
+          </p:cNvPr>
+          <p:cNvSpPr>
+            <a:spLocks noGrp="1"/>
+          </p:cNvSpPr>
+          <p:nvPr>
+            <p:ph type="ftr" sz="quarter" idx="11"/>
+          </p:nvPr>
+        </p:nvSpPr>
+        <p:spPr/>
+        <p:txBody>
+          <a:bodyPr/>
+          <a:lstStyle/>
+          <a:p>
+            <a:r>
+              <a:rPr lang="en-US"/>
+              <a:t>Designed By L@rgo. ADSTORE</a:t>
+            </a:r>
+            <a:endParaRPr lang="en-US" dirty="0"/>
+          </a:p>
+        </p:txBody>
+      </p:sp>
+      <p:sp>
+        <p:nvSpPr>
+          <p:cNvPr id="4" name="텍스트 개체 틀 3">
+            <a:extLst>
+              <a:ext uri="{FF2B5EF4-FFF2-40B4-BE49-F238E27FC236}">
+                <a16:creationId xmlns:a16="http://schemas.microsoft.com/office/drawing/2014/main" id="{430F254A-BD4A-4C3B-A586-DFD7D2BFEE94}"/>
+              </a:ext>
+            </a:extLst>
+          </p:cNvPr>
+          <p:cNvSpPr>
+            <a:spLocks noGrp="1"/>
+          </p:cNvSpPr>
+          <p:nvPr>
+            <p:ph type="body" sz="quarter" idx="13"/>
+          </p:nvPr>
+        </p:nvSpPr>
+        <p:spPr>
+          <a:xfrm>
+            <a:off x="1400906" y="1777999"/>
+            <a:ext cx="9390178" cy="4673526"/>
+          </a:xfrm>
+        </p:spPr>
+        <p:txBody>
+          <a:bodyPr anchor="t">
+            <a:normAutofit/>
+          </a:bodyPr>
+          <a:lstStyle/>
+          <a:p>
+            <a:pPr algn="l"/>
+            <a:r>
+              <a:rPr lang="ko-KR" altLang="en-US" sz="1600" b="1" dirty="0">
+                <a:solidFill>
+                  <a:srgbClr val="1B3C35"/>
+                </a:solidFill>
+              </a:rPr>
+              <a:t>시흥시 경유노선에 대한 포화도 산출 코드</a:t>
+            </a:r>
+            <a:endParaRPr lang="en-US" altLang="ko-KR" sz="1600" b="1" dirty="0">
+              <a:solidFill>
+                <a:srgbClr val="1B3C35"/>
+              </a:solidFill>
+            </a:endParaRPr>
+          </a:p>
+          <a:p>
+            <a:pPr algn="l"/>
+            <a:endParaRPr lang="en-US" altLang="ko-KR" sz="1600" b="1" dirty="0">
+              <a:solidFill>
+                <a:srgbClr val="1B3C35"/>
+              </a:solidFill>
+            </a:endParaRPr>
+          </a:p>
+          <a:p>
+            <a:pPr algn="l"/>
+            <a:r>
+              <a:rPr lang="en-US" altLang="ko-KR" b="1" dirty="0">
+                <a:solidFill>
+                  <a:srgbClr val="1B3C35"/>
+                </a:solidFill>
+              </a:rPr>
+              <a:t>21</a:t>
+            </a:r>
+            <a:r>
+              <a:rPr lang="ko-KR" altLang="en-US" b="1" dirty="0">
+                <a:solidFill>
+                  <a:srgbClr val="1B3C35"/>
+                </a:solidFill>
+              </a:rPr>
+              <a:t>년 </a:t>
+            </a:r>
+            <a:r>
+              <a:rPr lang="en-US" altLang="ko-KR" b="1" dirty="0">
+                <a:solidFill>
+                  <a:srgbClr val="1B3C35"/>
+                </a:solidFill>
+              </a:rPr>
+              <a:t>4</a:t>
+            </a:r>
+            <a:r>
+              <a:rPr lang="ko-KR" altLang="en-US" b="1" dirty="0">
+                <a:solidFill>
+                  <a:srgbClr val="1B3C35"/>
+                </a:solidFill>
+              </a:rPr>
+              <a:t>월의 노선 시간별 탑승객 데이터를 가져옴</a:t>
+            </a:r>
+            <a:endParaRPr lang="en-US" altLang="ko-KR" b="1" dirty="0">
+              <a:solidFill>
+                <a:srgbClr val="1B3C35"/>
+              </a:solidFill>
+            </a:endParaRPr>
+          </a:p>
+          <a:p>
+            <a:pPr algn="l"/>
+            <a:endParaRPr lang="en-US" altLang="ko-KR" sz="1600" b="1" dirty="0">
+              <a:solidFill>
+                <a:srgbClr val="1B3C35"/>
+              </a:solidFill>
+            </a:endParaRPr>
+          </a:p>
+          <a:p>
+            <a:pPr algn="l"/>
+            <a:endParaRPr lang="en-US" altLang="ko-KR" sz="1600" b="1" dirty="0">
+              <a:solidFill>
+                <a:srgbClr val="1B3C35"/>
+              </a:solidFill>
+            </a:endParaRPr>
+          </a:p>
+          <a:p>
+            <a:pPr algn="l"/>
+            <a:endParaRPr lang="en-US" altLang="ko-KR" sz="1600" b="1" dirty="0">
+              <a:solidFill>
+                <a:srgbClr val="1B3C35"/>
+              </a:solidFill>
+            </a:endParaRPr>
+          </a:p>
+          <a:p>
+            <a:pPr algn="l"/>
+            <a:endParaRPr lang="en-US" altLang="ko-KR" sz="1600" b="1" dirty="0">
+              <a:solidFill>
+                <a:srgbClr val="1B3C35"/>
+              </a:solidFill>
+            </a:endParaRPr>
+          </a:p>
+          <a:p>
+            <a:pPr algn="l"/>
+            <a:endParaRPr lang="en-US" altLang="ko-KR" sz="1600" b="1" dirty="0">
+              <a:solidFill>
+                <a:srgbClr val="1B3C35"/>
+              </a:solidFill>
+            </a:endParaRPr>
+          </a:p>
+          <a:p>
+            <a:pPr algn="l"/>
+            <a:endParaRPr lang="en-US" altLang="ko-KR" sz="1600" b="1" dirty="0">
+              <a:solidFill>
+                <a:srgbClr val="1B3C35"/>
+              </a:solidFill>
+            </a:endParaRPr>
+          </a:p>
+          <a:p>
+            <a:pPr algn="l"/>
+            <a:endParaRPr lang="en-US" altLang="ko-KR" sz="1600" b="1" dirty="0">
+              <a:solidFill>
+                <a:srgbClr val="1B3C35"/>
+              </a:solidFill>
+            </a:endParaRPr>
+          </a:p>
+          <a:p>
+            <a:pPr algn="l"/>
+            <a:endParaRPr lang="en-US" altLang="ko-KR" sz="1600" b="1" dirty="0">
+              <a:solidFill>
+                <a:srgbClr val="1B3C35"/>
+              </a:solidFill>
+            </a:endParaRPr>
+          </a:p>
+          <a:p>
+            <a:pPr algn="l"/>
+            <a:endParaRPr lang="en-US" altLang="ko-KR" sz="1600" b="1" dirty="0">
+              <a:solidFill>
+                <a:srgbClr val="1B3C35"/>
+              </a:solidFill>
+            </a:endParaRPr>
+          </a:p>
+        </p:txBody>
+      </p:sp>
+      <p:sp>
+        <p:nvSpPr>
+          <p:cNvPr id="5" name="슬라이드 번호 개체 틀 4">
+            <a:extLst>
+              <a:ext uri="{FF2B5EF4-FFF2-40B4-BE49-F238E27FC236}">
+                <a16:creationId xmlns:a16="http://schemas.microsoft.com/office/drawing/2014/main" id="{565AE793-554B-46CA-A5C5-D91843E0DDC9}"/>
+              </a:ext>
+            </a:extLst>
+          </p:cNvPr>
+          <p:cNvSpPr>
+            <a:spLocks noGrp="1"/>
+          </p:cNvSpPr>
+          <p:nvPr>
+            <p:ph type="sldNum" sz="quarter" idx="12"/>
+          </p:nvPr>
+        </p:nvSpPr>
+        <p:spPr/>
+        <p:txBody>
+          <a:bodyPr/>
+          <a:lstStyle/>
+          <a:p>
+            <a:fld id="{15812C5A-9CF7-4A8D-A41D-9E74470054A5}" type="slidenum">
+              <a:rPr lang="ko-KR" altLang="en-US" smtClean="0"/>
+              <a:pPr/>
+              <a:t>9</a:t>
+            </a:fld>
+            <a:endParaRPr lang="ko-KR" altLang="en-US" dirty="0"/>
+          </a:p>
+        </p:txBody>
+      </p:sp>
+      <p:sp>
+        <p:nvSpPr>
+          <p:cNvPr id="6" name="부제목 5">
+            <a:extLst>
+              <a:ext uri="{FF2B5EF4-FFF2-40B4-BE49-F238E27FC236}">
+                <a16:creationId xmlns:a16="http://schemas.microsoft.com/office/drawing/2014/main" id="{E7715509-7870-4E43-A2DE-F377D0847676}"/>
+              </a:ext>
+            </a:extLst>
+          </p:cNvPr>
+          <p:cNvSpPr>
+            <a:spLocks noGrp="1"/>
+          </p:cNvSpPr>
+          <p:nvPr>
+            <p:ph type="subTitle" idx="14"/>
+          </p:nvPr>
+        </p:nvSpPr>
+        <p:spPr/>
+        <p:txBody>
+          <a:bodyPr/>
+          <a:lstStyle/>
+          <a:p>
+            <a:endParaRPr lang="ko-KR" altLang="en-US"/>
+          </a:p>
+        </p:txBody>
+      </p:sp>
+      <p:pic>
+        <p:nvPicPr>
+          <p:cNvPr id="9" name="그림 8">
+            <a:extLst>
+              <a:ext uri="{FF2B5EF4-FFF2-40B4-BE49-F238E27FC236}">
+                <a16:creationId xmlns:a16="http://schemas.microsoft.com/office/drawing/2014/main" id="{E13BCB1E-B59F-41EC-8043-80B460F36B25}"/>
+              </a:ext>
+            </a:extLst>
+          </p:cNvPr>
+          <p:cNvPicPr>
+            <a:picLocks noChangeAspect="1"/>
+          </p:cNvPicPr>
+          <p:nvPr/>
+        </p:nvPicPr>
+        <p:blipFill>
+          <a:blip r:embed="rId2"/>
+          <a:stretch>
+            <a:fillRect/>
+          </a:stretch>
+        </p:blipFill>
+        <p:spPr>
+          <a:xfrm>
+            <a:off x="1644060" y="2944500"/>
+            <a:ext cx="6300186" cy="2512574"/>
+          </a:xfrm>
+          <a:prstGeom prst="rect">
+            <a:avLst/>
+          </a:prstGeom>
+        </p:spPr>
+      </p:pic>
+    </p:spTree>
+    <p:extLst>
+      <p:ext uri="{BB962C8B-B14F-4D97-AF65-F5344CB8AC3E}">
+        <p14:creationId xmlns:p14="http://schemas.microsoft.com/office/powerpoint/2010/main" val="3488205347"/>
       </p:ext>
     </p:extLst>
   </p:cSld>

--- a/빅데이터-시흥시연계_이영채_김동혁.pptx
+++ b/빅데이터-시흥시연계_이영채_김동혁.pptx
@@ -5,35 +5,37 @@
     <p:sldMasterId id="2147483648" r:id="rId1"/>
   </p:sldMasterIdLst>
   <p:notesMasterIdLst>
-    <p:notesMasterId r:id="rId25"/>
+    <p:notesMasterId r:id="rId27"/>
   </p:notesMasterIdLst>
   <p:handoutMasterIdLst>
-    <p:handoutMasterId r:id="rId26"/>
+    <p:handoutMasterId r:id="rId28"/>
   </p:handoutMasterIdLst>
   <p:sldIdLst>
     <p:sldId id="261" r:id="rId2"/>
     <p:sldId id="259" r:id="rId3"/>
-    <p:sldId id="270" r:id="rId4"/>
-    <p:sldId id="264" r:id="rId5"/>
-    <p:sldId id="271" r:id="rId6"/>
-    <p:sldId id="272" r:id="rId7"/>
-    <p:sldId id="273" r:id="rId8"/>
-    <p:sldId id="275" r:id="rId9"/>
-    <p:sldId id="276" r:id="rId10"/>
-    <p:sldId id="277" r:id="rId11"/>
-    <p:sldId id="278" r:id="rId12"/>
-    <p:sldId id="279" r:id="rId13"/>
-    <p:sldId id="280" r:id="rId14"/>
-    <p:sldId id="281" r:id="rId15"/>
-    <p:sldId id="274" r:id="rId16"/>
-    <p:sldId id="282" r:id="rId17"/>
-    <p:sldId id="283" r:id="rId18"/>
-    <p:sldId id="284" r:id="rId19"/>
-    <p:sldId id="285" r:id="rId20"/>
-    <p:sldId id="286" r:id="rId21"/>
-    <p:sldId id="289" r:id="rId22"/>
-    <p:sldId id="288" r:id="rId23"/>
-    <p:sldId id="266" r:id="rId24"/>
+    <p:sldId id="290" r:id="rId4"/>
+    <p:sldId id="291" r:id="rId5"/>
+    <p:sldId id="270" r:id="rId6"/>
+    <p:sldId id="264" r:id="rId7"/>
+    <p:sldId id="271" r:id="rId8"/>
+    <p:sldId id="272" r:id="rId9"/>
+    <p:sldId id="273" r:id="rId10"/>
+    <p:sldId id="275" r:id="rId11"/>
+    <p:sldId id="276" r:id="rId12"/>
+    <p:sldId id="277" r:id="rId13"/>
+    <p:sldId id="278" r:id="rId14"/>
+    <p:sldId id="279" r:id="rId15"/>
+    <p:sldId id="280" r:id="rId16"/>
+    <p:sldId id="281" r:id="rId17"/>
+    <p:sldId id="274" r:id="rId18"/>
+    <p:sldId id="282" r:id="rId19"/>
+    <p:sldId id="283" r:id="rId20"/>
+    <p:sldId id="284" r:id="rId21"/>
+    <p:sldId id="285" r:id="rId22"/>
+    <p:sldId id="286" r:id="rId23"/>
+    <p:sldId id="289" r:id="rId24"/>
+    <p:sldId id="288" r:id="rId25"/>
+    <p:sldId id="266" r:id="rId26"/>
   </p:sldIdLst>
   <p:sldSz cx="12192000" cy="6858000"/>
   <p:notesSz cx="6858000" cy="9144000"/>
@@ -5122,7 +5124,7 @@
         <p:spPr>
           <a:xfrm>
             <a:off x="1400906" y="1777999"/>
-            <a:ext cx="9390178" cy="1183548"/>
+            <a:ext cx="9390178" cy="4673526"/>
           </a:xfrm>
         </p:spPr>
         <p:txBody>
@@ -5141,110 +5143,6 @@
               <a:t>시흥시 경유노선에 대한 포화도 산출 코드</a:t>
             </a:r>
             <a:endParaRPr lang="en-US" altLang="ko-KR" sz="1600" b="1" dirty="0">
-              <a:solidFill>
-                <a:srgbClr val="1B3C35"/>
-              </a:solidFill>
-            </a:endParaRPr>
-          </a:p>
-          <a:p>
-            <a:pPr algn="l"/>
-            <a:endParaRPr lang="en-US" altLang="ko-KR" b="1" dirty="0">
-              <a:solidFill>
-                <a:srgbClr val="1B3C35"/>
-              </a:solidFill>
-            </a:endParaRPr>
-          </a:p>
-          <a:p>
-            <a:pPr algn="l"/>
-            <a:r>
-              <a:rPr lang="ko-KR" altLang="en-US" b="1" dirty="0">
-                <a:solidFill>
-                  <a:srgbClr val="1B3C35"/>
-                </a:solidFill>
-              </a:rPr>
-              <a:t>포화도 계산 식은</a:t>
-            </a:r>
-            <a:endParaRPr lang="en-US" altLang="ko-KR" b="1" dirty="0">
-              <a:solidFill>
-                <a:srgbClr val="1B3C35"/>
-              </a:solidFill>
-            </a:endParaRPr>
-          </a:p>
-          <a:p>
-            <a:pPr algn="l"/>
-            <a:r>
-              <a:rPr lang="ko-KR" altLang="en-US" b="1" dirty="0">
-                <a:solidFill>
-                  <a:srgbClr val="1B3C35"/>
-                </a:solidFill>
-              </a:rPr>
-              <a:t>포화도 </a:t>
-            </a:r>
-            <a:r>
-              <a:rPr lang="en-US" altLang="ko-KR" b="1" dirty="0">
-                <a:solidFill>
-                  <a:srgbClr val="1B3C35"/>
-                </a:solidFill>
-              </a:rPr>
-              <a:t>= </a:t>
-            </a:r>
-            <a:r>
-              <a:rPr lang="ko-KR" altLang="en-US" b="1" dirty="0">
-                <a:solidFill>
-                  <a:srgbClr val="1B3C35"/>
-                </a:solidFill>
-              </a:rPr>
-              <a:t>버스 한대당 탑승승객 </a:t>
-            </a:r>
-            <a:r>
-              <a:rPr lang="en-US" altLang="ko-KR" b="1" dirty="0">
-                <a:solidFill>
-                  <a:srgbClr val="1B3C35"/>
-                </a:solidFill>
-              </a:rPr>
-              <a:t>/ </a:t>
-            </a:r>
-            <a:r>
-              <a:rPr lang="ko-KR" altLang="en-US" b="1" dirty="0">
-                <a:solidFill>
-                  <a:srgbClr val="1B3C35"/>
-                </a:solidFill>
-              </a:rPr>
-              <a:t>버스 적정 탑승인원    </a:t>
-            </a:r>
-            <a:r>
-              <a:rPr lang="en-US" altLang="ko-KR" b="1" dirty="0">
-                <a:solidFill>
-                  <a:srgbClr val="1B3C35"/>
-                </a:solidFill>
-              </a:rPr>
-              <a:t>*</a:t>
-            </a:r>
-            <a:r>
-              <a:rPr lang="ko-KR" altLang="en-US" b="1" dirty="0">
-                <a:solidFill>
-                  <a:srgbClr val="1B3C35"/>
-                </a:solidFill>
-              </a:rPr>
-              <a:t>여기서 버스 적정 탑승인원은 운전자를 제외한 </a:t>
-            </a:r>
-            <a:r>
-              <a:rPr lang="en-US" altLang="ko-KR" b="1" dirty="0">
-                <a:solidFill>
-                  <a:srgbClr val="1B3C35"/>
-                </a:solidFill>
-              </a:rPr>
-              <a:t>40</a:t>
-            </a:r>
-            <a:r>
-              <a:rPr lang="ko-KR" altLang="en-US" b="1" dirty="0">
-                <a:solidFill>
-                  <a:srgbClr val="1B3C35"/>
-                </a:solidFill>
-              </a:rPr>
-              <a:t>명을 기준</a:t>
-            </a:r>
-            <a:endParaRPr lang="en-US" altLang="ko-KR" b="1" dirty="0">
               <a:solidFill>
                 <a:srgbClr val="1B3C35"/>
               </a:solidFill>
@@ -5260,11 +5158,129 @@
           </a:p>
           <a:p>
             <a:pPr algn="l"/>
-            <a:endParaRPr lang="en-US" altLang="ko-KR" sz="1600" b="1" dirty="0">
-              <a:solidFill>
-                <a:srgbClr val="1B3C35"/>
-              </a:solidFill>
-            </a:endParaRPr>
+            <a:r>
+              <a:rPr lang="ko-KR" altLang="en-US" b="1" dirty="0">
+                <a:solidFill>
+                  <a:srgbClr val="1B3C35"/>
+                </a:solidFill>
+              </a:rPr>
+              <a:t>포화도 계산에 앞서 각 </a:t>
+            </a:r>
+            <a:r>
+              <a:rPr lang="ko-KR" altLang="en-US" b="1" dirty="0" err="1">
+                <a:solidFill>
+                  <a:srgbClr val="1B3C35"/>
+                </a:solidFill>
+              </a:rPr>
+              <a:t>노선별</a:t>
+            </a:r>
+            <a:r>
+              <a:rPr lang="ko-KR" altLang="en-US" b="1" dirty="0">
+                <a:solidFill>
+                  <a:srgbClr val="1B3C35"/>
+                </a:solidFill>
+              </a:rPr>
+              <a:t> 평균 배차시간을 구해야 함</a:t>
+            </a:r>
+            <a:r>
+              <a:rPr lang="en-US" altLang="ko-KR" b="1" dirty="0">
+                <a:solidFill>
+                  <a:srgbClr val="1B3C35"/>
+                </a:solidFill>
+              </a:rPr>
+              <a:t>.</a:t>
+            </a:r>
+          </a:p>
+          <a:p>
+            <a:pPr algn="l"/>
+            <a:r>
+              <a:rPr lang="ko-KR" altLang="en-US" b="1" dirty="0" err="1">
+                <a:solidFill>
+                  <a:srgbClr val="1B3C35"/>
+                </a:solidFill>
+              </a:rPr>
+              <a:t>평균배차시간을</a:t>
+            </a:r>
+            <a:r>
+              <a:rPr lang="ko-KR" altLang="en-US" b="1" dirty="0">
+                <a:solidFill>
+                  <a:srgbClr val="1B3C35"/>
+                </a:solidFill>
+              </a:rPr>
+              <a:t> 구하는 데 필요한 파일은 </a:t>
+            </a:r>
+            <a:r>
+              <a:rPr lang="en-US" altLang="ko-KR" b="1" dirty="0">
+                <a:solidFill>
+                  <a:srgbClr val="1B3C35"/>
+                </a:solidFill>
+              </a:rPr>
+              <a:t>‘</a:t>
+            </a:r>
+            <a:r>
+              <a:rPr lang="ko-KR" altLang="en-US" b="1" dirty="0">
+                <a:solidFill>
+                  <a:srgbClr val="1B3C35"/>
+                </a:solidFill>
+              </a:rPr>
+              <a:t>경기도 내 버스 </a:t>
+            </a:r>
+            <a:r>
+              <a:rPr lang="ko-KR" altLang="en-US" b="1" dirty="0" err="1">
+                <a:solidFill>
+                  <a:srgbClr val="1B3C35"/>
+                </a:solidFill>
+              </a:rPr>
+              <a:t>노선별</a:t>
+            </a:r>
+            <a:r>
+              <a:rPr lang="ko-KR" altLang="en-US" b="1" dirty="0">
+                <a:solidFill>
+                  <a:srgbClr val="1B3C35"/>
+                </a:solidFill>
+              </a:rPr>
+              <a:t> 배차시간</a:t>
+            </a:r>
+            <a:r>
+              <a:rPr lang="en-US" altLang="ko-KR" b="1" dirty="0">
+                <a:solidFill>
+                  <a:srgbClr val="1B3C35"/>
+                </a:solidFill>
+              </a:rPr>
+              <a:t>_</a:t>
+            </a:r>
+            <a:r>
+              <a:rPr lang="ko-KR" altLang="en-US" b="1" dirty="0">
+                <a:solidFill>
+                  <a:srgbClr val="1B3C35"/>
+                </a:solidFill>
+              </a:rPr>
+              <a:t>첫차</a:t>
+            </a:r>
+            <a:r>
+              <a:rPr lang="en-US" altLang="ko-KR" b="1" dirty="0">
+                <a:solidFill>
+                  <a:srgbClr val="1B3C35"/>
+                </a:solidFill>
+              </a:rPr>
+              <a:t>_</a:t>
+            </a:r>
+            <a:r>
+              <a:rPr lang="ko-KR" altLang="en-US" b="1" dirty="0">
+                <a:solidFill>
+                  <a:srgbClr val="1B3C35"/>
+                </a:solidFill>
+              </a:rPr>
+              <a:t>막차</a:t>
+            </a:r>
+            <a:r>
+              <a:rPr lang="en-US" altLang="ko-KR" b="1" dirty="0">
+                <a:solidFill>
+                  <a:srgbClr val="1B3C35"/>
+                </a:solidFill>
+              </a:rPr>
+              <a:t>.xlsx’</a:t>
+            </a:r>
           </a:p>
           <a:p>
             <a:pPr algn="l"/>
@@ -5316,6 +5332,54 @@
           </a:p>
           <a:p>
             <a:pPr algn="l"/>
+            <a:endParaRPr lang="en-US" altLang="ko-KR" sz="1600" b="1" dirty="0">
+              <a:solidFill>
+                <a:srgbClr val="1B3C35"/>
+              </a:solidFill>
+            </a:endParaRPr>
+          </a:p>
+          <a:p>
+            <a:pPr algn="l"/>
+            <a:endParaRPr lang="en-US" altLang="ko-KR" sz="1600" b="1" dirty="0">
+              <a:solidFill>
+                <a:srgbClr val="1B3C35"/>
+              </a:solidFill>
+            </a:endParaRPr>
+          </a:p>
+          <a:p>
+            <a:pPr algn="l"/>
+            <a:endParaRPr lang="en-US" altLang="ko-KR" sz="1600" b="1" dirty="0">
+              <a:solidFill>
+                <a:srgbClr val="1B3C35"/>
+              </a:solidFill>
+            </a:endParaRPr>
+          </a:p>
+          <a:p>
+            <a:pPr algn="l"/>
+            <a:endParaRPr lang="en-US" altLang="ko-KR" sz="1600" b="1" dirty="0">
+              <a:solidFill>
+                <a:srgbClr val="1B3C35"/>
+              </a:solidFill>
+            </a:endParaRPr>
+          </a:p>
+          <a:p>
+            <a:pPr algn="l"/>
+            <a:r>
+              <a:rPr lang="en-US" altLang="ko-KR" sz="1600" b="1" dirty="0">
+                <a:solidFill>
+                  <a:srgbClr val="1B3C35"/>
+                </a:solidFill>
+              </a:rPr>
+              <a:t>6~8</a:t>
+            </a:r>
+            <a:r>
+              <a:rPr lang="ko-KR" altLang="en-US" sz="1600" b="1" dirty="0">
+                <a:solidFill>
+                  <a:srgbClr val="1B3C35"/>
+                </a:solidFill>
+              </a:rPr>
+              <a:t>분 형태로 되어있는 컬럼데이터를 정제하여 평균 배차시간을 추출</a:t>
+            </a:r>
             <a:endParaRPr lang="en-US" altLang="ko-KR" sz="1600" b="1" dirty="0">
               <a:solidFill>
                 <a:srgbClr val="1B3C35"/>
@@ -5384,7 +5448,7 @@
           <p:cNvPr id="8" name="그림 7">
             <a:extLst>
               <a:ext uri="{FF2B5EF4-FFF2-40B4-BE49-F238E27FC236}">
-                <a16:creationId xmlns:a16="http://schemas.microsoft.com/office/drawing/2014/main" id="{BAE400E5-A465-4FFC-A482-22F2E470D181}"/>
+                <a16:creationId xmlns:a16="http://schemas.microsoft.com/office/drawing/2014/main" id="{0689C469-EC28-4D0B-9A08-6A556863B393}"/>
               </a:ext>
             </a:extLst>
           </p:cNvPr>
@@ -5401,280 +5465,18 @@
         </p:blipFill>
         <p:spPr>
           <a:xfrm>
-            <a:off x="4589741" y="2961547"/>
-            <a:ext cx="6746318" cy="3573602"/>
+            <a:off x="1510841" y="3053593"/>
+            <a:ext cx="6292999" cy="2702202"/>
           </a:xfrm>
           <a:prstGeom prst="rect">
             <a:avLst/>
           </a:prstGeom>
         </p:spPr>
       </p:pic>
-      <p:sp>
-        <p:nvSpPr>
-          <p:cNvPr id="10" name="TextBox 9">
-            <a:extLst>
-              <a:ext uri="{FF2B5EF4-FFF2-40B4-BE49-F238E27FC236}">
-                <a16:creationId xmlns:a16="http://schemas.microsoft.com/office/drawing/2014/main" id="{941AFF6F-4513-456E-B85B-2F7A15A346A3}"/>
-              </a:ext>
-            </a:extLst>
-          </p:cNvPr>
-          <p:cNvSpPr txBox="1"/>
-          <p:nvPr/>
-        </p:nvSpPr>
-        <p:spPr>
-          <a:xfrm>
-            <a:off x="763400" y="3189828"/>
-            <a:ext cx="3951214" cy="2462213"/>
-          </a:xfrm>
-          <a:prstGeom prst="rect">
-            <a:avLst/>
-          </a:prstGeom>
-          <a:noFill/>
-        </p:spPr>
-        <p:txBody>
-          <a:bodyPr wrap="square" rtlCol="0">
-            <a:spAutoFit/>
-          </a:bodyPr>
-          <a:lstStyle/>
-          <a:p>
-            <a:pPr algn="l"/>
-            <a:r>
-              <a:rPr lang="en-US" altLang="ko-KR" sz="1400" b="1" dirty="0">
-                <a:solidFill>
-                  <a:srgbClr val="1B3C35"/>
-                </a:solidFill>
-              </a:rPr>
-              <a:t>(</a:t>
-            </a:r>
-            <a:r>
-              <a:rPr lang="ko-KR" altLang="en-US" sz="1400" b="1" dirty="0">
-                <a:solidFill>
-                  <a:srgbClr val="1B3C35"/>
-                </a:solidFill>
-              </a:rPr>
-              <a:t>버스 한대당 탑승승객</a:t>
-            </a:r>
-            <a:r>
-              <a:rPr lang="en-US" altLang="ko-KR" sz="1400" b="1" dirty="0">
-                <a:solidFill>
-                  <a:srgbClr val="1B3C35"/>
-                </a:solidFill>
-              </a:rPr>
-              <a:t>)</a:t>
-            </a:r>
-          </a:p>
-          <a:p>
-            <a:pPr algn="l"/>
-            <a:r>
-              <a:rPr lang="en-US" altLang="ko-KR" sz="1400" b="1" dirty="0">
-                <a:solidFill>
-                  <a:srgbClr val="1B3C35"/>
-                </a:solidFill>
-              </a:rPr>
-              <a:t>=</a:t>
-            </a:r>
-            <a:r>
-              <a:rPr lang="ko-KR" altLang="en-US" sz="1400" b="1" dirty="0">
-                <a:solidFill>
-                  <a:srgbClr val="1B3C35"/>
-                </a:solidFill>
-              </a:rPr>
-              <a:t> </a:t>
-            </a:r>
-            <a:r>
-              <a:rPr lang="en-US" altLang="ko-KR" sz="1400" b="1" dirty="0">
-                <a:solidFill>
-                  <a:srgbClr val="1B3C35"/>
-                </a:solidFill>
-              </a:rPr>
-              <a:t>(</a:t>
-            </a:r>
-            <a:r>
-              <a:rPr lang="ko-KR" altLang="en-US" sz="1400" b="1" dirty="0" err="1">
-                <a:solidFill>
-                  <a:srgbClr val="1B3C35"/>
-                </a:solidFill>
-              </a:rPr>
-              <a:t>승차인원수</a:t>
-            </a:r>
-            <a:r>
-              <a:rPr lang="en-US" altLang="ko-KR" sz="1400" b="1" dirty="0">
-                <a:solidFill>
-                  <a:srgbClr val="1B3C35"/>
-                </a:solidFill>
-              </a:rPr>
-              <a:t>)</a:t>
-            </a:r>
-            <a:r>
-              <a:rPr lang="ko-KR" altLang="en-US" sz="1400" b="1" dirty="0">
-                <a:solidFill>
-                  <a:srgbClr val="1B3C35"/>
-                </a:solidFill>
-              </a:rPr>
-              <a:t> </a:t>
-            </a:r>
-            <a:r>
-              <a:rPr lang="en-US" altLang="ko-KR" sz="1400" b="1" dirty="0">
-                <a:solidFill>
-                  <a:srgbClr val="1B3C35"/>
-                </a:solidFill>
-              </a:rPr>
-              <a:t>/ (</a:t>
-            </a:r>
-            <a:r>
-              <a:rPr lang="ko-KR" altLang="en-US" sz="1400" b="1" dirty="0">
-                <a:solidFill>
-                  <a:srgbClr val="1B3C35"/>
-                </a:solidFill>
-              </a:rPr>
-              <a:t>동시간 운행차량대수</a:t>
-            </a:r>
-            <a:r>
-              <a:rPr lang="en-US" altLang="ko-KR" sz="1400" b="1" dirty="0">
-                <a:solidFill>
-                  <a:srgbClr val="1B3C35"/>
-                </a:solidFill>
-              </a:rPr>
-              <a:t>)</a:t>
-            </a:r>
-          </a:p>
-          <a:p>
-            <a:pPr algn="l"/>
-            <a:endParaRPr lang="en-US" altLang="ko-KR" sz="1400" b="1" dirty="0">
-              <a:solidFill>
-                <a:srgbClr val="1B3C35"/>
-              </a:solidFill>
-            </a:endParaRPr>
-          </a:p>
-          <a:p>
-            <a:pPr algn="l"/>
-            <a:r>
-              <a:rPr lang="ko-KR" altLang="en-US" sz="1400" b="1" dirty="0">
-                <a:solidFill>
-                  <a:srgbClr val="1B3C35"/>
-                </a:solidFill>
-              </a:rPr>
-              <a:t>동시간 운행 차량대수</a:t>
-            </a:r>
-            <a:endParaRPr lang="en-US" altLang="ko-KR" sz="1400" b="1" dirty="0">
-              <a:solidFill>
-                <a:srgbClr val="1B3C35"/>
-              </a:solidFill>
-            </a:endParaRPr>
-          </a:p>
-          <a:p>
-            <a:pPr algn="l"/>
-            <a:r>
-              <a:rPr lang="en-US" altLang="ko-KR" sz="1400" b="1" dirty="0">
-                <a:solidFill>
-                  <a:srgbClr val="1B3C35"/>
-                </a:solidFill>
-              </a:rPr>
-              <a:t>= (2 * </a:t>
-            </a:r>
-            <a:r>
-              <a:rPr lang="ko-KR" altLang="en-US" sz="1400" b="1" dirty="0">
-                <a:solidFill>
-                  <a:srgbClr val="1B3C35"/>
-                </a:solidFill>
-              </a:rPr>
-              <a:t>편도 노선 운행시간</a:t>
-            </a:r>
-            <a:r>
-              <a:rPr lang="en-US" altLang="ko-KR" sz="1400" b="1" dirty="0">
-                <a:solidFill>
-                  <a:srgbClr val="1B3C35"/>
-                </a:solidFill>
-              </a:rPr>
-              <a:t>)</a:t>
-            </a:r>
-            <a:r>
-              <a:rPr lang="ko-KR" altLang="en-US" sz="1400" b="1" dirty="0">
-                <a:solidFill>
-                  <a:srgbClr val="1B3C35"/>
-                </a:solidFill>
-              </a:rPr>
-              <a:t> </a:t>
-            </a:r>
-            <a:r>
-              <a:rPr lang="en-US" altLang="ko-KR" sz="1400" b="1" dirty="0">
-                <a:solidFill>
-                  <a:srgbClr val="1B3C35"/>
-                </a:solidFill>
-              </a:rPr>
-              <a:t>/ (</a:t>
-            </a:r>
-            <a:r>
-              <a:rPr lang="ko-KR" altLang="en-US" sz="1400" b="1" dirty="0">
-                <a:solidFill>
-                  <a:srgbClr val="1B3C35"/>
-                </a:solidFill>
-              </a:rPr>
-              <a:t>평균 배차시간</a:t>
-            </a:r>
-            <a:r>
-              <a:rPr lang="en-US" altLang="ko-KR" sz="1400" b="1" dirty="0">
-                <a:solidFill>
-                  <a:srgbClr val="1B3C35"/>
-                </a:solidFill>
-              </a:rPr>
-              <a:t>)</a:t>
-            </a:r>
-          </a:p>
-          <a:p>
-            <a:pPr algn="l"/>
-            <a:endParaRPr lang="en-US" altLang="ko-KR" sz="1400" b="1" dirty="0">
-              <a:solidFill>
-                <a:srgbClr val="1B3C35"/>
-              </a:solidFill>
-            </a:endParaRPr>
-          </a:p>
-          <a:p>
-            <a:pPr algn="l"/>
-            <a:endParaRPr lang="en-US" altLang="ko-KR" sz="1400" b="1" dirty="0">
-              <a:solidFill>
-                <a:srgbClr val="1B3C35"/>
-              </a:solidFill>
-            </a:endParaRPr>
-          </a:p>
-          <a:p>
-            <a:pPr algn="l"/>
-            <a:endParaRPr lang="en-US" altLang="ko-KR" sz="1400" b="1" dirty="0">
-              <a:solidFill>
-                <a:srgbClr val="1B3C35"/>
-              </a:solidFill>
-            </a:endParaRPr>
-          </a:p>
-          <a:p>
-            <a:pPr algn="l"/>
-            <a:endParaRPr lang="en-US" altLang="ko-KR" sz="1400" b="1" dirty="0">
-              <a:solidFill>
-                <a:srgbClr val="1B3C35"/>
-              </a:solidFill>
-            </a:endParaRPr>
-          </a:p>
-          <a:p>
-            <a:pPr algn="l"/>
-            <a:endParaRPr lang="en-US" altLang="ko-KR" sz="1400" b="1" dirty="0">
-              <a:solidFill>
-                <a:srgbClr val="1B3C35"/>
-              </a:solidFill>
-            </a:endParaRPr>
-          </a:p>
-          <a:p>
-            <a:pPr algn="l"/>
-            <a:endParaRPr lang="en-US" altLang="ko-KR" sz="1400" b="1" dirty="0">
-              <a:solidFill>
-                <a:srgbClr val="1B3C35"/>
-              </a:solidFill>
-            </a:endParaRPr>
-          </a:p>
-        </p:txBody>
-      </p:sp>
     </p:spTree>
     <p:extLst>
       <p:ext uri="{BB962C8B-B14F-4D97-AF65-F5344CB8AC3E}">
-        <p14:creationId xmlns:p14="http://schemas.microsoft.com/office/powerpoint/2010/main" val="1670554924"/>
+        <p14:creationId xmlns:p14="http://schemas.microsoft.com/office/powerpoint/2010/main" val="1053073964"/>
       </p:ext>
     </p:extLst>
   </p:cSld>
@@ -5732,7 +5534,7 @@
             </a:r>
             <a:r>
               <a:rPr lang="en-US" altLang="ko-KR" dirty="0"/>
-              <a:t>(3)</a:t>
+              <a:t>(2)</a:t>
             </a:r>
             <a:endParaRPr lang="ko-KR" altLang="en-US" dirty="0"/>
           </a:p>
@@ -5786,7 +5588,7 @@
         <p:spPr>
           <a:xfrm>
             <a:off x="1400906" y="1777999"/>
-            <a:ext cx="9390178" cy="1183548"/>
+            <a:ext cx="9390178" cy="4673526"/>
           </a:xfrm>
         </p:spPr>
         <p:txBody>
@@ -5802,7 +5604,55 @@
                   <a:srgbClr val="1B3C35"/>
                 </a:solidFill>
               </a:rPr>
-              <a:t>포화도에 따른 버스 증차 계산</a:t>
+              <a:t>시흥시 경유노선에 대한 포화도 산출 코드</a:t>
+            </a:r>
+            <a:endParaRPr lang="en-US" altLang="ko-KR" sz="1600" b="1" dirty="0">
+              <a:solidFill>
+                <a:srgbClr val="1B3C35"/>
+              </a:solidFill>
+            </a:endParaRPr>
+          </a:p>
+          <a:p>
+            <a:pPr algn="l"/>
+            <a:endParaRPr lang="en-US" altLang="ko-KR" sz="1600" b="1" dirty="0">
+              <a:solidFill>
+                <a:srgbClr val="1B3C35"/>
+              </a:solidFill>
+            </a:endParaRPr>
+          </a:p>
+          <a:p>
+            <a:pPr algn="l"/>
+            <a:r>
+              <a:rPr lang="en-US" altLang="ko-KR" b="1" dirty="0">
+                <a:solidFill>
+                  <a:srgbClr val="1B3C35"/>
+                </a:solidFill>
+              </a:rPr>
+              <a:t>21</a:t>
+            </a:r>
+            <a:r>
+              <a:rPr lang="ko-KR" altLang="en-US" b="1" dirty="0">
+                <a:solidFill>
+                  <a:srgbClr val="1B3C35"/>
+                </a:solidFill>
+              </a:rPr>
+              <a:t>년 </a:t>
+            </a:r>
+            <a:r>
+              <a:rPr lang="en-US" altLang="ko-KR" b="1" dirty="0">
+                <a:solidFill>
+                  <a:srgbClr val="1B3C35"/>
+                </a:solidFill>
+              </a:rPr>
+              <a:t>4</a:t>
+            </a:r>
+            <a:r>
+              <a:rPr lang="ko-KR" altLang="en-US" b="1" dirty="0">
+                <a:solidFill>
+                  <a:srgbClr val="1B3C35"/>
+                </a:solidFill>
+              </a:rPr>
+              <a:t>월의 노선 시간별 탑승객 데이터를 가져옴</a:t>
             </a:r>
             <a:endParaRPr lang="en-US" altLang="ko-KR" b="1" dirty="0">
               <a:solidFill>
@@ -5812,98 +5662,7 @@
           </a:p>
           <a:p>
             <a:pPr algn="l"/>
-            <a:r>
-              <a:rPr lang="ko-KR" altLang="en-US" b="1" dirty="0">
-                <a:solidFill>
-                  <a:srgbClr val="1B3C35"/>
-                </a:solidFill>
-              </a:rPr>
-              <a:t>증차 대상노선은  포화도 비율 </a:t>
-            </a:r>
-            <a:r>
-              <a:rPr lang="en-US" altLang="ko-KR" b="1" dirty="0">
-                <a:solidFill>
-                  <a:srgbClr val="1B3C35"/>
-                </a:solidFill>
-              </a:rPr>
-              <a:t>100%</a:t>
-            </a:r>
-            <a:r>
-              <a:rPr lang="ko-KR" altLang="en-US" b="1" dirty="0">
-                <a:solidFill>
-                  <a:srgbClr val="1B3C35"/>
-                </a:solidFill>
-              </a:rPr>
-              <a:t>가 넘어가는 시간대 노선 기준</a:t>
-            </a:r>
-            <a:r>
-              <a:rPr lang="en-US" altLang="ko-KR" b="1" dirty="0">
-                <a:solidFill>
-                  <a:srgbClr val="1B3C35"/>
-                </a:solidFill>
-              </a:rPr>
-              <a:t>.</a:t>
-            </a:r>
-          </a:p>
-          <a:p>
-            <a:pPr algn="l"/>
-            <a:r>
-              <a:rPr lang="ko-KR" altLang="en-US" b="1" dirty="0">
-                <a:solidFill>
-                  <a:srgbClr val="1B3C35"/>
-                </a:solidFill>
-              </a:rPr>
-              <a:t>증차 비율은 인건비</a:t>
-            </a:r>
-            <a:r>
-              <a:rPr lang="en-US" altLang="ko-KR" b="1" dirty="0">
-                <a:solidFill>
-                  <a:srgbClr val="1B3C35"/>
-                </a:solidFill>
-              </a:rPr>
-              <a:t>, </a:t>
-            </a:r>
-            <a:r>
-              <a:rPr lang="ko-KR" altLang="en-US" b="1" dirty="0">
-                <a:solidFill>
-                  <a:srgbClr val="1B3C35"/>
-                </a:solidFill>
-              </a:rPr>
-              <a:t>운행가능한 </a:t>
-            </a:r>
-            <a:r>
-              <a:rPr lang="ko-KR" altLang="en-US" b="1" dirty="0" err="1">
-                <a:solidFill>
-                  <a:srgbClr val="1B3C35"/>
-                </a:solidFill>
-              </a:rPr>
-              <a:t>인력등</a:t>
-            </a:r>
-            <a:r>
-              <a:rPr lang="ko-KR" altLang="en-US" b="1" dirty="0">
-                <a:solidFill>
-                  <a:srgbClr val="1B3C35"/>
-                </a:solidFill>
-              </a:rPr>
-              <a:t> 여러가지 상황을 고려하여 기존 운행대수의 </a:t>
-            </a:r>
-            <a:r>
-              <a:rPr lang="en-US" altLang="ko-KR" b="1" dirty="0">
-                <a:solidFill>
-                  <a:srgbClr val="1B3C35"/>
-                </a:solidFill>
-              </a:rPr>
-              <a:t>130%</a:t>
-            </a:r>
-            <a:r>
-              <a:rPr lang="ko-KR" altLang="en-US" b="1" dirty="0">
-                <a:solidFill>
-                  <a:srgbClr val="1B3C35"/>
-                </a:solidFill>
-              </a:rPr>
-              <a:t>로 제한</a:t>
-            </a:r>
-            <a:endParaRPr lang="en-US" altLang="ko-KR" b="1" dirty="0">
+            <a:endParaRPr lang="en-US" altLang="ko-KR" sz="1600" b="1" dirty="0">
               <a:solidFill>
                 <a:srgbClr val="1B3C35"/>
               </a:solidFill>
@@ -6035,7 +5794,7 @@
           <p:cNvPr id="9" name="그림 8">
             <a:extLst>
               <a:ext uri="{FF2B5EF4-FFF2-40B4-BE49-F238E27FC236}">
-                <a16:creationId xmlns:a16="http://schemas.microsoft.com/office/drawing/2014/main" id="{6E4D0F09-4F21-4A33-A9DE-39AFBDD8051A}"/>
+                <a16:creationId xmlns:a16="http://schemas.microsoft.com/office/drawing/2014/main" id="{E13BCB1E-B59F-41EC-8043-80B460F36B25}"/>
               </a:ext>
             </a:extLst>
           </p:cNvPr>
@@ -6052,197 +5811,18 @@
         </p:blipFill>
         <p:spPr>
           <a:xfrm>
-            <a:off x="6276677" y="2625754"/>
-            <a:ext cx="4956390" cy="3825771"/>
+            <a:off x="1644060" y="2944500"/>
+            <a:ext cx="6300186" cy="2512574"/>
           </a:xfrm>
           <a:prstGeom prst="rect">
             <a:avLst/>
           </a:prstGeom>
         </p:spPr>
       </p:pic>
-      <p:sp>
-        <p:nvSpPr>
-          <p:cNvPr id="11" name="TextBox 10">
-            <a:extLst>
-              <a:ext uri="{FF2B5EF4-FFF2-40B4-BE49-F238E27FC236}">
-                <a16:creationId xmlns:a16="http://schemas.microsoft.com/office/drawing/2014/main" id="{F6E8B550-7D03-4CAE-B09D-540DE081A386}"/>
-              </a:ext>
-            </a:extLst>
-          </p:cNvPr>
-          <p:cNvSpPr txBox="1"/>
-          <p:nvPr/>
-        </p:nvSpPr>
-        <p:spPr>
-          <a:xfrm>
-            <a:off x="1400906" y="3110582"/>
-            <a:ext cx="3951214" cy="2246769"/>
-          </a:xfrm>
-          <a:prstGeom prst="rect">
-            <a:avLst/>
-          </a:prstGeom>
-          <a:noFill/>
-        </p:spPr>
-        <p:txBody>
-          <a:bodyPr wrap="square" rtlCol="0">
-            <a:spAutoFit/>
-          </a:bodyPr>
-          <a:lstStyle/>
-          <a:p>
-            <a:pPr algn="l"/>
-            <a:r>
-              <a:rPr lang="ko-KR" altLang="en-US" sz="1400" b="1" dirty="0">
-                <a:solidFill>
-                  <a:srgbClr val="1B3C35"/>
-                </a:solidFill>
-              </a:rPr>
-              <a:t>해당 코드에서 증차 대수와 증차를 했을 때 </a:t>
-            </a:r>
-            <a:endParaRPr lang="en-US" altLang="ko-KR" sz="1400" b="1" dirty="0">
-              <a:solidFill>
-                <a:srgbClr val="1B3C35"/>
-              </a:solidFill>
-            </a:endParaRPr>
-          </a:p>
-          <a:p>
-            <a:pPr algn="l"/>
-            <a:r>
-              <a:rPr lang="ko-KR" altLang="en-US" sz="1400" b="1" dirty="0">
-                <a:solidFill>
-                  <a:srgbClr val="1B3C35"/>
-                </a:solidFill>
-              </a:rPr>
-              <a:t>포화도 감소율을 계산하여</a:t>
-            </a:r>
-            <a:endParaRPr lang="en-US" altLang="ko-KR" sz="1400" b="1" dirty="0">
-              <a:solidFill>
-                <a:srgbClr val="1B3C35"/>
-              </a:solidFill>
-            </a:endParaRPr>
-          </a:p>
-          <a:p>
-            <a:pPr algn="l"/>
-            <a:endParaRPr lang="en-US" altLang="ko-KR" sz="1400" b="1" dirty="0">
-              <a:solidFill>
-                <a:srgbClr val="1B3C35"/>
-              </a:solidFill>
-            </a:endParaRPr>
-          </a:p>
-          <a:p>
-            <a:pPr algn="l"/>
-            <a:r>
-              <a:rPr lang="ko-KR" altLang="en-US" sz="1400" b="1" dirty="0">
-                <a:solidFill>
-                  <a:srgbClr val="1B3C35"/>
-                </a:solidFill>
-              </a:rPr>
-              <a:t>파일로 추출함</a:t>
-            </a:r>
-            <a:r>
-              <a:rPr lang="en-US" altLang="ko-KR" sz="1400" b="1" dirty="0">
-                <a:solidFill>
-                  <a:srgbClr val="1B3C35"/>
-                </a:solidFill>
-              </a:rPr>
-              <a:t>.</a:t>
-            </a:r>
-          </a:p>
-          <a:p>
-            <a:pPr algn="l"/>
-            <a:endParaRPr lang="en-US" altLang="ko-KR" sz="1400" b="1" dirty="0">
-              <a:solidFill>
-                <a:srgbClr val="1B3C35"/>
-              </a:solidFill>
-            </a:endParaRPr>
-          </a:p>
-          <a:p>
-            <a:pPr algn="l"/>
-            <a:r>
-              <a:rPr lang="ko-KR" altLang="en-US" sz="1400" b="1" dirty="0">
-                <a:solidFill>
-                  <a:srgbClr val="1B3C35"/>
-                </a:solidFill>
-              </a:rPr>
-              <a:t>추출파일</a:t>
-            </a:r>
-            <a:r>
-              <a:rPr lang="en-US" altLang="ko-KR" sz="1400" b="1" dirty="0">
-                <a:solidFill>
-                  <a:srgbClr val="1B3C35"/>
-                </a:solidFill>
-              </a:rPr>
-              <a:t>:</a:t>
-            </a:r>
-            <a:r>
-              <a:rPr lang="ko-KR" altLang="en-US" sz="1400" b="1" dirty="0">
-                <a:solidFill>
-                  <a:srgbClr val="1B3C35"/>
-                </a:solidFill>
-              </a:rPr>
-              <a:t> </a:t>
-            </a:r>
-            <a:r>
-              <a:rPr lang="en-US" altLang="ko-KR" sz="1400" b="1" dirty="0">
-                <a:solidFill>
-                  <a:srgbClr val="1B3C35"/>
-                </a:solidFill>
-              </a:rPr>
-              <a:t>4</a:t>
-            </a:r>
-            <a:r>
-              <a:rPr lang="ko-KR" altLang="en-US" sz="1400" b="1" dirty="0">
-                <a:solidFill>
-                  <a:srgbClr val="1B3C35"/>
-                </a:solidFill>
-              </a:rPr>
-              <a:t>월 동적 배차시간</a:t>
-            </a:r>
-            <a:r>
-              <a:rPr lang="en-US" altLang="ko-KR" sz="1400" b="1" dirty="0">
-                <a:solidFill>
-                  <a:srgbClr val="1B3C35"/>
-                </a:solidFill>
-              </a:rPr>
-              <a:t>.csv</a:t>
-            </a:r>
-          </a:p>
-          <a:p>
-            <a:pPr algn="l"/>
-            <a:endParaRPr lang="en-US" altLang="ko-KR" sz="1400" b="1" dirty="0">
-              <a:solidFill>
-                <a:srgbClr val="1B3C35"/>
-              </a:solidFill>
-            </a:endParaRPr>
-          </a:p>
-          <a:p>
-            <a:pPr algn="l"/>
-            <a:endParaRPr lang="en-US" altLang="ko-KR" sz="1400" b="1" dirty="0">
-              <a:solidFill>
-                <a:srgbClr val="1B3C35"/>
-              </a:solidFill>
-            </a:endParaRPr>
-          </a:p>
-          <a:p>
-            <a:pPr algn="l"/>
-            <a:endParaRPr lang="en-US" altLang="ko-KR" sz="1400" b="1" dirty="0">
-              <a:solidFill>
-                <a:srgbClr val="1B3C35"/>
-              </a:solidFill>
-            </a:endParaRPr>
-          </a:p>
-          <a:p>
-            <a:pPr algn="l"/>
-            <a:endParaRPr lang="en-US" altLang="ko-KR" sz="1400" b="1" dirty="0">
-              <a:solidFill>
-                <a:srgbClr val="1B3C35"/>
-              </a:solidFill>
-            </a:endParaRPr>
-          </a:p>
-        </p:txBody>
-      </p:sp>
     </p:spTree>
     <p:extLst>
       <p:ext uri="{BB962C8B-B14F-4D97-AF65-F5344CB8AC3E}">
-        <p14:creationId xmlns:p14="http://schemas.microsoft.com/office/powerpoint/2010/main" val="1529158974"/>
+        <p14:creationId xmlns:p14="http://schemas.microsoft.com/office/powerpoint/2010/main" val="3488205347"/>
       </p:ext>
     </p:extLst>
   </p:cSld>
@@ -6300,7 +5880,7 @@
             </a:r>
             <a:r>
               <a:rPr lang="en-US" altLang="ko-KR" dirty="0"/>
-              <a:t>(4)</a:t>
+              <a:t>(2)</a:t>
             </a:r>
             <a:endParaRPr lang="ko-KR" altLang="en-US" dirty="0"/>
           </a:p>
@@ -6370,8 +5950,16 @@
                   <a:srgbClr val="1B3C35"/>
                 </a:solidFill>
               </a:rPr>
-              <a:t>버스 증차에 따라 동일노선의 포화도가 낮은 시간대에서 감차를 실행</a:t>
-            </a:r>
+              <a:t>시흥시 경유노선에 대한 포화도 산출 코드</a:t>
+            </a:r>
+            <a:endParaRPr lang="en-US" altLang="ko-KR" sz="1600" b="1" dirty="0">
+              <a:solidFill>
+                <a:srgbClr val="1B3C35"/>
+              </a:solidFill>
+            </a:endParaRPr>
+          </a:p>
+          <a:p>
+            <a:pPr algn="l"/>
             <a:endParaRPr lang="en-US" altLang="ko-KR" b="1" dirty="0">
               <a:solidFill>
                 <a:srgbClr val="1B3C35"/>
@@ -6386,7 +5974,23 @@
                   <a:srgbClr val="1B3C35"/>
                 </a:solidFill>
               </a:rPr>
-              <a:t>증차를 무조건 늘리기에는 현실적으로 불가능하다고 판단</a:t>
+              <a:t>포화도 계산 식은</a:t>
+            </a:r>
+            <a:endParaRPr lang="en-US" altLang="ko-KR" b="1" dirty="0">
+              <a:solidFill>
+                <a:srgbClr val="1B3C35"/>
+              </a:solidFill>
+            </a:endParaRPr>
+          </a:p>
+          <a:p>
+            <a:pPr algn="l"/>
+            <a:r>
+              <a:rPr lang="ko-KR" altLang="en-US" b="1" dirty="0">
+                <a:solidFill>
+                  <a:srgbClr val="1B3C35"/>
+                </a:solidFill>
+              </a:rPr>
+              <a:t>포화도 </a:t>
             </a:r>
             <a:r>
               <a:rPr lang="en-US" altLang="ko-KR" b="1" dirty="0">
@@ -6394,20 +5998,81 @@
                   <a:srgbClr val="1B3C35"/>
                 </a:solidFill>
               </a:rPr>
-              <a:t>, </a:t>
-            </a:r>
+              <a:t>= </a:t>
+            </a:r>
+            <a:r>
+              <a:rPr lang="ko-KR" altLang="en-US" b="1" dirty="0">
+                <a:solidFill>
+                  <a:srgbClr val="1B3C35"/>
+                </a:solidFill>
+              </a:rPr>
+              <a:t>버스 한대당 탑승승객 </a:t>
+            </a:r>
+            <a:r>
+              <a:rPr lang="en-US" altLang="ko-KR" b="1" dirty="0">
+                <a:solidFill>
+                  <a:srgbClr val="1B3C35"/>
+                </a:solidFill>
+              </a:rPr>
+              <a:t>/ </a:t>
+            </a:r>
+            <a:r>
+              <a:rPr lang="ko-KR" altLang="en-US" b="1" dirty="0">
+                <a:solidFill>
+                  <a:srgbClr val="1B3C35"/>
+                </a:solidFill>
+              </a:rPr>
+              <a:t>버스 적정 탑승인원    </a:t>
+            </a:r>
+            <a:r>
+              <a:rPr lang="en-US" altLang="ko-KR" b="1" dirty="0">
+                <a:solidFill>
+                  <a:srgbClr val="1B3C35"/>
+                </a:solidFill>
+              </a:rPr>
+              <a:t>*</a:t>
+            </a:r>
+            <a:r>
+              <a:rPr lang="ko-KR" altLang="en-US" b="1" dirty="0">
+                <a:solidFill>
+                  <a:srgbClr val="1B3C35"/>
+                </a:solidFill>
+              </a:rPr>
+              <a:t>여기서 버스 적정 탑승인원은 운전자를 제외한 </a:t>
+            </a:r>
+            <a:r>
+              <a:rPr lang="en-US" altLang="ko-KR" b="1" dirty="0">
+                <a:solidFill>
+                  <a:srgbClr val="1B3C35"/>
+                </a:solidFill>
+              </a:rPr>
+              <a:t>40</a:t>
+            </a:r>
+            <a:r>
+              <a:rPr lang="ko-KR" altLang="en-US" b="1" dirty="0">
+                <a:solidFill>
+                  <a:srgbClr val="1B3C35"/>
+                </a:solidFill>
+              </a:rPr>
+              <a:t>명을 기준</a:t>
+            </a:r>
+            <a:endParaRPr lang="en-US" altLang="ko-KR" b="1" dirty="0">
+              <a:solidFill>
+                <a:srgbClr val="1B3C35"/>
+              </a:solidFill>
+            </a:endParaRPr>
           </a:p>
           <a:p>
             <a:pPr algn="l"/>
-            <a:r>
-              <a:rPr lang="ko-KR" altLang="en-US" b="1" dirty="0">
-                <a:solidFill>
-                  <a:srgbClr val="1B3C35"/>
-                </a:solidFill>
-              </a:rPr>
-              <a:t>따라서 동일노선의 다른 시간대의 노선운행을 줄이고 혼잡시간대의 증차에 투입 </a:t>
-            </a:r>
-            <a:endParaRPr lang="en-US" altLang="ko-KR" b="1" dirty="0">
+            <a:endParaRPr lang="en-US" altLang="ko-KR" sz="1600" b="1" dirty="0">
+              <a:solidFill>
+                <a:srgbClr val="1B3C35"/>
+              </a:solidFill>
+            </a:endParaRPr>
+          </a:p>
+          <a:p>
+            <a:pPr algn="l"/>
+            <a:endParaRPr lang="en-US" altLang="ko-KR" sz="1600" b="1" dirty="0">
               <a:solidFill>
                 <a:srgbClr val="1B3C35"/>
               </a:solidFill>
@@ -6496,6 +6161,1153 @@
               <a:rPr lang="ko-KR" altLang="en-US" smtClean="0"/>
               <a:pPr/>
               <a:t>12</a:t>
+            </a:fld>
+            <a:endParaRPr lang="ko-KR" altLang="en-US" dirty="0"/>
+          </a:p>
+        </p:txBody>
+      </p:sp>
+      <p:sp>
+        <p:nvSpPr>
+          <p:cNvPr id="6" name="부제목 5">
+            <a:extLst>
+              <a:ext uri="{FF2B5EF4-FFF2-40B4-BE49-F238E27FC236}">
+                <a16:creationId xmlns:a16="http://schemas.microsoft.com/office/drawing/2014/main" id="{E7715509-7870-4E43-A2DE-F377D0847676}"/>
+              </a:ext>
+            </a:extLst>
+          </p:cNvPr>
+          <p:cNvSpPr>
+            <a:spLocks noGrp="1"/>
+          </p:cNvSpPr>
+          <p:nvPr>
+            <p:ph type="subTitle" idx="14"/>
+          </p:nvPr>
+        </p:nvSpPr>
+        <p:spPr/>
+        <p:txBody>
+          <a:bodyPr/>
+          <a:lstStyle/>
+          <a:p>
+            <a:endParaRPr lang="ko-KR" altLang="en-US"/>
+          </a:p>
+        </p:txBody>
+      </p:sp>
+      <p:pic>
+        <p:nvPicPr>
+          <p:cNvPr id="8" name="그림 7">
+            <a:extLst>
+              <a:ext uri="{FF2B5EF4-FFF2-40B4-BE49-F238E27FC236}">
+                <a16:creationId xmlns:a16="http://schemas.microsoft.com/office/drawing/2014/main" id="{BAE400E5-A465-4FFC-A482-22F2E470D181}"/>
+              </a:ext>
+            </a:extLst>
+          </p:cNvPr>
+          <p:cNvPicPr>
+            <a:picLocks noChangeAspect="1"/>
+          </p:cNvPicPr>
+          <p:nvPr/>
+        </p:nvPicPr>
+        <p:blipFill>
+          <a:blip r:embed="rId2"/>
+          <a:stretch>
+            <a:fillRect/>
+          </a:stretch>
+        </p:blipFill>
+        <p:spPr>
+          <a:xfrm>
+            <a:off x="4589741" y="2961547"/>
+            <a:ext cx="6746318" cy="3573602"/>
+          </a:xfrm>
+          <a:prstGeom prst="rect">
+            <a:avLst/>
+          </a:prstGeom>
+        </p:spPr>
+      </p:pic>
+      <p:sp>
+        <p:nvSpPr>
+          <p:cNvPr id="10" name="TextBox 9">
+            <a:extLst>
+              <a:ext uri="{FF2B5EF4-FFF2-40B4-BE49-F238E27FC236}">
+                <a16:creationId xmlns:a16="http://schemas.microsoft.com/office/drawing/2014/main" id="{941AFF6F-4513-456E-B85B-2F7A15A346A3}"/>
+              </a:ext>
+            </a:extLst>
+          </p:cNvPr>
+          <p:cNvSpPr txBox="1"/>
+          <p:nvPr/>
+        </p:nvSpPr>
+        <p:spPr>
+          <a:xfrm>
+            <a:off x="763400" y="3189828"/>
+            <a:ext cx="3951214" cy="2462213"/>
+          </a:xfrm>
+          <a:prstGeom prst="rect">
+            <a:avLst/>
+          </a:prstGeom>
+          <a:noFill/>
+        </p:spPr>
+        <p:txBody>
+          <a:bodyPr wrap="square" rtlCol="0">
+            <a:spAutoFit/>
+          </a:bodyPr>
+          <a:lstStyle/>
+          <a:p>
+            <a:pPr algn="l"/>
+            <a:r>
+              <a:rPr lang="en-US" altLang="ko-KR" sz="1400" b="1" dirty="0">
+                <a:solidFill>
+                  <a:srgbClr val="1B3C35"/>
+                </a:solidFill>
+              </a:rPr>
+              <a:t>(</a:t>
+            </a:r>
+            <a:r>
+              <a:rPr lang="ko-KR" altLang="en-US" sz="1400" b="1" dirty="0">
+                <a:solidFill>
+                  <a:srgbClr val="1B3C35"/>
+                </a:solidFill>
+              </a:rPr>
+              <a:t>버스 한대당 탑승승객</a:t>
+            </a:r>
+            <a:r>
+              <a:rPr lang="en-US" altLang="ko-KR" sz="1400" b="1" dirty="0">
+                <a:solidFill>
+                  <a:srgbClr val="1B3C35"/>
+                </a:solidFill>
+              </a:rPr>
+              <a:t>)</a:t>
+            </a:r>
+          </a:p>
+          <a:p>
+            <a:pPr algn="l"/>
+            <a:r>
+              <a:rPr lang="en-US" altLang="ko-KR" sz="1400" b="1" dirty="0">
+                <a:solidFill>
+                  <a:srgbClr val="1B3C35"/>
+                </a:solidFill>
+              </a:rPr>
+              <a:t>=</a:t>
+            </a:r>
+            <a:r>
+              <a:rPr lang="ko-KR" altLang="en-US" sz="1400" b="1" dirty="0">
+                <a:solidFill>
+                  <a:srgbClr val="1B3C35"/>
+                </a:solidFill>
+              </a:rPr>
+              <a:t> </a:t>
+            </a:r>
+            <a:r>
+              <a:rPr lang="en-US" altLang="ko-KR" sz="1400" b="1" dirty="0">
+                <a:solidFill>
+                  <a:srgbClr val="1B3C35"/>
+                </a:solidFill>
+              </a:rPr>
+              <a:t>(</a:t>
+            </a:r>
+            <a:r>
+              <a:rPr lang="ko-KR" altLang="en-US" sz="1400" b="1" dirty="0" err="1">
+                <a:solidFill>
+                  <a:srgbClr val="1B3C35"/>
+                </a:solidFill>
+              </a:rPr>
+              <a:t>승차인원수</a:t>
+            </a:r>
+            <a:r>
+              <a:rPr lang="en-US" altLang="ko-KR" sz="1400" b="1" dirty="0">
+                <a:solidFill>
+                  <a:srgbClr val="1B3C35"/>
+                </a:solidFill>
+              </a:rPr>
+              <a:t>)</a:t>
+            </a:r>
+            <a:r>
+              <a:rPr lang="ko-KR" altLang="en-US" sz="1400" b="1" dirty="0">
+                <a:solidFill>
+                  <a:srgbClr val="1B3C35"/>
+                </a:solidFill>
+              </a:rPr>
+              <a:t> </a:t>
+            </a:r>
+            <a:r>
+              <a:rPr lang="en-US" altLang="ko-KR" sz="1400" b="1" dirty="0">
+                <a:solidFill>
+                  <a:srgbClr val="1B3C35"/>
+                </a:solidFill>
+              </a:rPr>
+              <a:t>/ (</a:t>
+            </a:r>
+            <a:r>
+              <a:rPr lang="ko-KR" altLang="en-US" sz="1400" b="1" dirty="0">
+                <a:solidFill>
+                  <a:srgbClr val="1B3C35"/>
+                </a:solidFill>
+              </a:rPr>
+              <a:t>동시간 운행차량대수</a:t>
+            </a:r>
+            <a:r>
+              <a:rPr lang="en-US" altLang="ko-KR" sz="1400" b="1" dirty="0">
+                <a:solidFill>
+                  <a:srgbClr val="1B3C35"/>
+                </a:solidFill>
+              </a:rPr>
+              <a:t>)</a:t>
+            </a:r>
+          </a:p>
+          <a:p>
+            <a:pPr algn="l"/>
+            <a:endParaRPr lang="en-US" altLang="ko-KR" sz="1400" b="1" dirty="0">
+              <a:solidFill>
+                <a:srgbClr val="1B3C35"/>
+              </a:solidFill>
+            </a:endParaRPr>
+          </a:p>
+          <a:p>
+            <a:pPr algn="l"/>
+            <a:r>
+              <a:rPr lang="ko-KR" altLang="en-US" sz="1400" b="1" dirty="0">
+                <a:solidFill>
+                  <a:srgbClr val="1B3C35"/>
+                </a:solidFill>
+              </a:rPr>
+              <a:t>동시간 운행 차량대수</a:t>
+            </a:r>
+            <a:endParaRPr lang="en-US" altLang="ko-KR" sz="1400" b="1" dirty="0">
+              <a:solidFill>
+                <a:srgbClr val="1B3C35"/>
+              </a:solidFill>
+            </a:endParaRPr>
+          </a:p>
+          <a:p>
+            <a:pPr algn="l"/>
+            <a:r>
+              <a:rPr lang="en-US" altLang="ko-KR" sz="1400" b="1" dirty="0">
+                <a:solidFill>
+                  <a:srgbClr val="1B3C35"/>
+                </a:solidFill>
+              </a:rPr>
+              <a:t>= (2 * </a:t>
+            </a:r>
+            <a:r>
+              <a:rPr lang="ko-KR" altLang="en-US" sz="1400" b="1" dirty="0">
+                <a:solidFill>
+                  <a:srgbClr val="1B3C35"/>
+                </a:solidFill>
+              </a:rPr>
+              <a:t>편도 노선 운행시간</a:t>
+            </a:r>
+            <a:r>
+              <a:rPr lang="en-US" altLang="ko-KR" sz="1400" b="1" dirty="0">
+                <a:solidFill>
+                  <a:srgbClr val="1B3C35"/>
+                </a:solidFill>
+              </a:rPr>
+              <a:t>)</a:t>
+            </a:r>
+            <a:r>
+              <a:rPr lang="ko-KR" altLang="en-US" sz="1400" b="1" dirty="0">
+                <a:solidFill>
+                  <a:srgbClr val="1B3C35"/>
+                </a:solidFill>
+              </a:rPr>
+              <a:t> </a:t>
+            </a:r>
+            <a:r>
+              <a:rPr lang="en-US" altLang="ko-KR" sz="1400" b="1" dirty="0">
+                <a:solidFill>
+                  <a:srgbClr val="1B3C35"/>
+                </a:solidFill>
+              </a:rPr>
+              <a:t>/ (</a:t>
+            </a:r>
+            <a:r>
+              <a:rPr lang="ko-KR" altLang="en-US" sz="1400" b="1" dirty="0">
+                <a:solidFill>
+                  <a:srgbClr val="1B3C35"/>
+                </a:solidFill>
+              </a:rPr>
+              <a:t>평균 배차시간</a:t>
+            </a:r>
+            <a:r>
+              <a:rPr lang="en-US" altLang="ko-KR" sz="1400" b="1" dirty="0">
+                <a:solidFill>
+                  <a:srgbClr val="1B3C35"/>
+                </a:solidFill>
+              </a:rPr>
+              <a:t>)</a:t>
+            </a:r>
+          </a:p>
+          <a:p>
+            <a:pPr algn="l"/>
+            <a:endParaRPr lang="en-US" altLang="ko-KR" sz="1400" b="1" dirty="0">
+              <a:solidFill>
+                <a:srgbClr val="1B3C35"/>
+              </a:solidFill>
+            </a:endParaRPr>
+          </a:p>
+          <a:p>
+            <a:pPr algn="l"/>
+            <a:endParaRPr lang="en-US" altLang="ko-KR" sz="1400" b="1" dirty="0">
+              <a:solidFill>
+                <a:srgbClr val="1B3C35"/>
+              </a:solidFill>
+            </a:endParaRPr>
+          </a:p>
+          <a:p>
+            <a:pPr algn="l"/>
+            <a:endParaRPr lang="en-US" altLang="ko-KR" sz="1400" b="1" dirty="0">
+              <a:solidFill>
+                <a:srgbClr val="1B3C35"/>
+              </a:solidFill>
+            </a:endParaRPr>
+          </a:p>
+          <a:p>
+            <a:pPr algn="l"/>
+            <a:endParaRPr lang="en-US" altLang="ko-KR" sz="1400" b="1" dirty="0">
+              <a:solidFill>
+                <a:srgbClr val="1B3C35"/>
+              </a:solidFill>
+            </a:endParaRPr>
+          </a:p>
+          <a:p>
+            <a:pPr algn="l"/>
+            <a:endParaRPr lang="en-US" altLang="ko-KR" sz="1400" b="1" dirty="0">
+              <a:solidFill>
+                <a:srgbClr val="1B3C35"/>
+              </a:solidFill>
+            </a:endParaRPr>
+          </a:p>
+          <a:p>
+            <a:pPr algn="l"/>
+            <a:endParaRPr lang="en-US" altLang="ko-KR" sz="1400" b="1" dirty="0">
+              <a:solidFill>
+                <a:srgbClr val="1B3C35"/>
+              </a:solidFill>
+            </a:endParaRPr>
+          </a:p>
+        </p:txBody>
+      </p:sp>
+    </p:spTree>
+    <p:extLst>
+      <p:ext uri="{BB962C8B-B14F-4D97-AF65-F5344CB8AC3E}">
+        <p14:creationId xmlns:p14="http://schemas.microsoft.com/office/powerpoint/2010/main" val="1670554924"/>
+      </p:ext>
+    </p:extLst>
+  </p:cSld>
+  <p:clrMapOvr>
+    <a:masterClrMapping/>
+  </p:clrMapOvr>
+</p:sld>
+</file>
+
+<file path=ppt/slides/slide13.xml><?xml version="1.0" encoding="utf-8"?>
+<p:sld xmlns:a="http://schemas.openxmlformats.org/drawingml/2006/main" xmlns:r="http://schemas.openxmlformats.org/officeDocument/2006/relationships" xmlns:p="http://schemas.openxmlformats.org/presentationml/2006/main">
+  <p:cSld>
+    <p:spTree>
+      <p:nvGrpSpPr>
+        <p:cNvPr id="1" name=""/>
+        <p:cNvGrpSpPr/>
+        <p:nvPr/>
+      </p:nvGrpSpPr>
+      <p:grpSpPr>
+        <a:xfrm>
+          <a:off x="0" y="0"/>
+          <a:ext cx="0" cy="0"/>
+          <a:chOff x="0" y="0"/>
+          <a:chExt cx="0" cy="0"/>
+        </a:xfrm>
+      </p:grpSpPr>
+      <p:sp>
+        <p:nvSpPr>
+          <p:cNvPr id="2" name="제목 1">
+            <a:extLst>
+              <a:ext uri="{FF2B5EF4-FFF2-40B4-BE49-F238E27FC236}">
+                <a16:creationId xmlns:a16="http://schemas.microsoft.com/office/drawing/2014/main" id="{E7B41566-0AFB-4F99-ADF7-A2C4EBE18ABD}"/>
+              </a:ext>
+            </a:extLst>
+          </p:cNvPr>
+          <p:cNvSpPr>
+            <a:spLocks noGrp="1"/>
+          </p:cNvSpPr>
+          <p:nvPr>
+            <p:ph type="title"/>
+          </p:nvPr>
+        </p:nvSpPr>
+        <p:spPr/>
+        <p:txBody>
+          <a:bodyPr/>
+          <a:lstStyle/>
+          <a:p>
+            <a:r>
+              <a:rPr lang="en-US" altLang="ko-KR" dirty="0"/>
+              <a:t>2. </a:t>
+            </a:r>
+            <a:r>
+              <a:rPr lang="ko-KR" altLang="en-US" dirty="0"/>
+              <a:t>분석코드 설명</a:t>
+            </a:r>
+            <a:r>
+              <a:rPr lang="en-US" altLang="ko-KR" dirty="0"/>
+              <a:t>(3)</a:t>
+            </a:r>
+            <a:endParaRPr lang="ko-KR" altLang="en-US" dirty="0"/>
+          </a:p>
+        </p:txBody>
+      </p:sp>
+      <p:sp>
+        <p:nvSpPr>
+          <p:cNvPr id="3" name="바닥글 개체 틀 2">
+            <a:extLst>
+              <a:ext uri="{FF2B5EF4-FFF2-40B4-BE49-F238E27FC236}">
+                <a16:creationId xmlns:a16="http://schemas.microsoft.com/office/drawing/2014/main" id="{9879BA5B-E8E4-4A64-8225-7F48FE19409C}"/>
+              </a:ext>
+            </a:extLst>
+          </p:cNvPr>
+          <p:cNvSpPr>
+            <a:spLocks noGrp="1"/>
+          </p:cNvSpPr>
+          <p:nvPr>
+            <p:ph type="ftr" sz="quarter" idx="11"/>
+          </p:nvPr>
+        </p:nvSpPr>
+        <p:spPr/>
+        <p:txBody>
+          <a:bodyPr/>
+          <a:lstStyle/>
+          <a:p>
+            <a:r>
+              <a:rPr lang="en-US"/>
+              <a:t>Designed By L@rgo. ADSTORE</a:t>
+            </a:r>
+            <a:endParaRPr lang="en-US" dirty="0"/>
+          </a:p>
+        </p:txBody>
+      </p:sp>
+      <p:sp>
+        <p:nvSpPr>
+          <p:cNvPr id="4" name="텍스트 개체 틀 3">
+            <a:extLst>
+              <a:ext uri="{FF2B5EF4-FFF2-40B4-BE49-F238E27FC236}">
+                <a16:creationId xmlns:a16="http://schemas.microsoft.com/office/drawing/2014/main" id="{430F254A-BD4A-4C3B-A586-DFD7D2BFEE94}"/>
+              </a:ext>
+            </a:extLst>
+          </p:cNvPr>
+          <p:cNvSpPr>
+            <a:spLocks noGrp="1"/>
+          </p:cNvSpPr>
+          <p:nvPr>
+            <p:ph type="body" sz="quarter" idx="13"/>
+          </p:nvPr>
+        </p:nvSpPr>
+        <p:spPr>
+          <a:xfrm>
+            <a:off x="1400906" y="1777999"/>
+            <a:ext cx="9390178" cy="1183548"/>
+          </a:xfrm>
+        </p:spPr>
+        <p:txBody>
+          <a:bodyPr anchor="t">
+            <a:normAutofit/>
+          </a:bodyPr>
+          <a:lstStyle/>
+          <a:p>
+            <a:pPr algn="l"/>
+            <a:r>
+              <a:rPr lang="ko-KR" altLang="en-US" sz="1600" b="1" dirty="0">
+                <a:solidFill>
+                  <a:srgbClr val="1B3C35"/>
+                </a:solidFill>
+              </a:rPr>
+              <a:t>포화도에 따른 버스 증차 계산</a:t>
+            </a:r>
+            <a:endParaRPr lang="en-US" altLang="ko-KR" b="1" dirty="0">
+              <a:solidFill>
+                <a:srgbClr val="1B3C35"/>
+              </a:solidFill>
+            </a:endParaRPr>
+          </a:p>
+          <a:p>
+            <a:pPr algn="l"/>
+            <a:r>
+              <a:rPr lang="ko-KR" altLang="en-US" b="1" dirty="0">
+                <a:solidFill>
+                  <a:srgbClr val="1B3C35"/>
+                </a:solidFill>
+              </a:rPr>
+              <a:t>증차 대상노선은  포화도 비율 </a:t>
+            </a:r>
+            <a:r>
+              <a:rPr lang="en-US" altLang="ko-KR" b="1" dirty="0">
+                <a:solidFill>
+                  <a:srgbClr val="1B3C35"/>
+                </a:solidFill>
+              </a:rPr>
+              <a:t>100%</a:t>
+            </a:r>
+            <a:r>
+              <a:rPr lang="ko-KR" altLang="en-US" b="1" dirty="0">
+                <a:solidFill>
+                  <a:srgbClr val="1B3C35"/>
+                </a:solidFill>
+              </a:rPr>
+              <a:t>가 넘어가는 시간대 노선 기준</a:t>
+            </a:r>
+            <a:r>
+              <a:rPr lang="en-US" altLang="ko-KR" b="1" dirty="0">
+                <a:solidFill>
+                  <a:srgbClr val="1B3C35"/>
+                </a:solidFill>
+              </a:rPr>
+              <a:t>.</a:t>
+            </a:r>
+          </a:p>
+          <a:p>
+            <a:pPr algn="l"/>
+            <a:r>
+              <a:rPr lang="ko-KR" altLang="en-US" b="1" dirty="0">
+                <a:solidFill>
+                  <a:srgbClr val="1B3C35"/>
+                </a:solidFill>
+              </a:rPr>
+              <a:t>증차 비율은 인건비</a:t>
+            </a:r>
+            <a:r>
+              <a:rPr lang="en-US" altLang="ko-KR" b="1" dirty="0">
+                <a:solidFill>
+                  <a:srgbClr val="1B3C35"/>
+                </a:solidFill>
+              </a:rPr>
+              <a:t>, </a:t>
+            </a:r>
+            <a:r>
+              <a:rPr lang="ko-KR" altLang="en-US" b="1" dirty="0">
+                <a:solidFill>
+                  <a:srgbClr val="1B3C35"/>
+                </a:solidFill>
+              </a:rPr>
+              <a:t>운행가능한 </a:t>
+            </a:r>
+            <a:r>
+              <a:rPr lang="ko-KR" altLang="en-US" b="1" dirty="0" err="1">
+                <a:solidFill>
+                  <a:srgbClr val="1B3C35"/>
+                </a:solidFill>
+              </a:rPr>
+              <a:t>인력등</a:t>
+            </a:r>
+            <a:r>
+              <a:rPr lang="ko-KR" altLang="en-US" b="1" dirty="0">
+                <a:solidFill>
+                  <a:srgbClr val="1B3C35"/>
+                </a:solidFill>
+              </a:rPr>
+              <a:t> 여러가지 상황을 고려하여 기존 운행대수의 </a:t>
+            </a:r>
+            <a:r>
+              <a:rPr lang="en-US" altLang="ko-KR" b="1" dirty="0">
+                <a:solidFill>
+                  <a:srgbClr val="1B3C35"/>
+                </a:solidFill>
+              </a:rPr>
+              <a:t>130%</a:t>
+            </a:r>
+            <a:r>
+              <a:rPr lang="ko-KR" altLang="en-US" b="1" dirty="0">
+                <a:solidFill>
+                  <a:srgbClr val="1B3C35"/>
+                </a:solidFill>
+              </a:rPr>
+              <a:t>로 제한</a:t>
+            </a:r>
+            <a:endParaRPr lang="en-US" altLang="ko-KR" b="1" dirty="0">
+              <a:solidFill>
+                <a:srgbClr val="1B3C35"/>
+              </a:solidFill>
+            </a:endParaRPr>
+          </a:p>
+          <a:p>
+            <a:pPr algn="l"/>
+            <a:endParaRPr lang="en-US" altLang="ko-KR" sz="1600" b="1" dirty="0">
+              <a:solidFill>
+                <a:srgbClr val="1B3C35"/>
+              </a:solidFill>
+            </a:endParaRPr>
+          </a:p>
+          <a:p>
+            <a:pPr algn="l"/>
+            <a:endParaRPr lang="en-US" altLang="ko-KR" sz="1600" b="1" dirty="0">
+              <a:solidFill>
+                <a:srgbClr val="1B3C35"/>
+              </a:solidFill>
+            </a:endParaRPr>
+          </a:p>
+          <a:p>
+            <a:pPr algn="l"/>
+            <a:endParaRPr lang="en-US" altLang="ko-KR" sz="1600" b="1" dirty="0">
+              <a:solidFill>
+                <a:srgbClr val="1B3C35"/>
+              </a:solidFill>
+            </a:endParaRPr>
+          </a:p>
+          <a:p>
+            <a:pPr algn="l"/>
+            <a:endParaRPr lang="en-US" altLang="ko-KR" sz="1600" b="1" dirty="0">
+              <a:solidFill>
+                <a:srgbClr val="1B3C35"/>
+              </a:solidFill>
+            </a:endParaRPr>
+          </a:p>
+          <a:p>
+            <a:pPr algn="l"/>
+            <a:endParaRPr lang="en-US" altLang="ko-KR" sz="1600" b="1" dirty="0">
+              <a:solidFill>
+                <a:srgbClr val="1B3C35"/>
+              </a:solidFill>
+            </a:endParaRPr>
+          </a:p>
+          <a:p>
+            <a:pPr algn="l"/>
+            <a:endParaRPr lang="en-US" altLang="ko-KR" sz="1600" b="1" dirty="0">
+              <a:solidFill>
+                <a:srgbClr val="1B3C35"/>
+              </a:solidFill>
+            </a:endParaRPr>
+          </a:p>
+          <a:p>
+            <a:pPr algn="l"/>
+            <a:endParaRPr lang="en-US" altLang="ko-KR" sz="1600" b="1" dirty="0">
+              <a:solidFill>
+                <a:srgbClr val="1B3C35"/>
+              </a:solidFill>
+            </a:endParaRPr>
+          </a:p>
+          <a:p>
+            <a:pPr algn="l"/>
+            <a:endParaRPr lang="en-US" altLang="ko-KR" sz="1600" b="1" dirty="0">
+              <a:solidFill>
+                <a:srgbClr val="1B3C35"/>
+              </a:solidFill>
+            </a:endParaRPr>
+          </a:p>
+        </p:txBody>
+      </p:sp>
+      <p:sp>
+        <p:nvSpPr>
+          <p:cNvPr id="5" name="슬라이드 번호 개체 틀 4">
+            <a:extLst>
+              <a:ext uri="{FF2B5EF4-FFF2-40B4-BE49-F238E27FC236}">
+                <a16:creationId xmlns:a16="http://schemas.microsoft.com/office/drawing/2014/main" id="{565AE793-554B-46CA-A5C5-D91843E0DDC9}"/>
+              </a:ext>
+            </a:extLst>
+          </p:cNvPr>
+          <p:cNvSpPr>
+            <a:spLocks noGrp="1"/>
+          </p:cNvSpPr>
+          <p:nvPr>
+            <p:ph type="sldNum" sz="quarter" idx="12"/>
+          </p:nvPr>
+        </p:nvSpPr>
+        <p:spPr/>
+        <p:txBody>
+          <a:bodyPr/>
+          <a:lstStyle/>
+          <a:p>
+            <a:fld id="{15812C5A-9CF7-4A8D-A41D-9E74470054A5}" type="slidenum">
+              <a:rPr lang="ko-KR" altLang="en-US" smtClean="0"/>
+              <a:pPr/>
+              <a:t>13</a:t>
+            </a:fld>
+            <a:endParaRPr lang="ko-KR" altLang="en-US" dirty="0"/>
+          </a:p>
+        </p:txBody>
+      </p:sp>
+      <p:sp>
+        <p:nvSpPr>
+          <p:cNvPr id="6" name="부제목 5">
+            <a:extLst>
+              <a:ext uri="{FF2B5EF4-FFF2-40B4-BE49-F238E27FC236}">
+                <a16:creationId xmlns:a16="http://schemas.microsoft.com/office/drawing/2014/main" id="{E7715509-7870-4E43-A2DE-F377D0847676}"/>
+              </a:ext>
+            </a:extLst>
+          </p:cNvPr>
+          <p:cNvSpPr>
+            <a:spLocks noGrp="1"/>
+          </p:cNvSpPr>
+          <p:nvPr>
+            <p:ph type="subTitle" idx="14"/>
+          </p:nvPr>
+        </p:nvSpPr>
+        <p:spPr/>
+        <p:txBody>
+          <a:bodyPr/>
+          <a:lstStyle/>
+          <a:p>
+            <a:endParaRPr lang="ko-KR" altLang="en-US"/>
+          </a:p>
+        </p:txBody>
+      </p:sp>
+      <p:pic>
+        <p:nvPicPr>
+          <p:cNvPr id="9" name="그림 8">
+            <a:extLst>
+              <a:ext uri="{FF2B5EF4-FFF2-40B4-BE49-F238E27FC236}">
+                <a16:creationId xmlns:a16="http://schemas.microsoft.com/office/drawing/2014/main" id="{6E4D0F09-4F21-4A33-A9DE-39AFBDD8051A}"/>
+              </a:ext>
+            </a:extLst>
+          </p:cNvPr>
+          <p:cNvPicPr>
+            <a:picLocks noChangeAspect="1"/>
+          </p:cNvPicPr>
+          <p:nvPr/>
+        </p:nvPicPr>
+        <p:blipFill>
+          <a:blip r:embed="rId2"/>
+          <a:stretch>
+            <a:fillRect/>
+          </a:stretch>
+        </p:blipFill>
+        <p:spPr>
+          <a:xfrm>
+            <a:off x="6276677" y="2625754"/>
+            <a:ext cx="4956390" cy="3825771"/>
+          </a:xfrm>
+          <a:prstGeom prst="rect">
+            <a:avLst/>
+          </a:prstGeom>
+        </p:spPr>
+      </p:pic>
+      <p:sp>
+        <p:nvSpPr>
+          <p:cNvPr id="11" name="TextBox 10">
+            <a:extLst>
+              <a:ext uri="{FF2B5EF4-FFF2-40B4-BE49-F238E27FC236}">
+                <a16:creationId xmlns:a16="http://schemas.microsoft.com/office/drawing/2014/main" id="{F6E8B550-7D03-4CAE-B09D-540DE081A386}"/>
+              </a:ext>
+            </a:extLst>
+          </p:cNvPr>
+          <p:cNvSpPr txBox="1"/>
+          <p:nvPr/>
+        </p:nvSpPr>
+        <p:spPr>
+          <a:xfrm>
+            <a:off x="1400906" y="3110582"/>
+            <a:ext cx="3951214" cy="2246769"/>
+          </a:xfrm>
+          <a:prstGeom prst="rect">
+            <a:avLst/>
+          </a:prstGeom>
+          <a:noFill/>
+        </p:spPr>
+        <p:txBody>
+          <a:bodyPr wrap="square" rtlCol="0">
+            <a:spAutoFit/>
+          </a:bodyPr>
+          <a:lstStyle/>
+          <a:p>
+            <a:pPr algn="l"/>
+            <a:r>
+              <a:rPr lang="ko-KR" altLang="en-US" sz="1400" b="1" dirty="0">
+                <a:solidFill>
+                  <a:srgbClr val="1B3C35"/>
+                </a:solidFill>
+              </a:rPr>
+              <a:t>해당 코드에서 증차 대수와 증차를 했을 때 </a:t>
+            </a:r>
+            <a:endParaRPr lang="en-US" altLang="ko-KR" sz="1400" b="1" dirty="0">
+              <a:solidFill>
+                <a:srgbClr val="1B3C35"/>
+              </a:solidFill>
+            </a:endParaRPr>
+          </a:p>
+          <a:p>
+            <a:pPr algn="l"/>
+            <a:r>
+              <a:rPr lang="ko-KR" altLang="en-US" sz="1400" b="1" dirty="0">
+                <a:solidFill>
+                  <a:srgbClr val="1B3C35"/>
+                </a:solidFill>
+              </a:rPr>
+              <a:t>포화도 감소율을 계산하여</a:t>
+            </a:r>
+            <a:endParaRPr lang="en-US" altLang="ko-KR" sz="1400" b="1" dirty="0">
+              <a:solidFill>
+                <a:srgbClr val="1B3C35"/>
+              </a:solidFill>
+            </a:endParaRPr>
+          </a:p>
+          <a:p>
+            <a:pPr algn="l"/>
+            <a:endParaRPr lang="en-US" altLang="ko-KR" sz="1400" b="1" dirty="0">
+              <a:solidFill>
+                <a:srgbClr val="1B3C35"/>
+              </a:solidFill>
+            </a:endParaRPr>
+          </a:p>
+          <a:p>
+            <a:pPr algn="l"/>
+            <a:r>
+              <a:rPr lang="ko-KR" altLang="en-US" sz="1400" b="1" dirty="0">
+                <a:solidFill>
+                  <a:srgbClr val="1B3C35"/>
+                </a:solidFill>
+              </a:rPr>
+              <a:t>파일로 추출함</a:t>
+            </a:r>
+            <a:r>
+              <a:rPr lang="en-US" altLang="ko-KR" sz="1400" b="1" dirty="0">
+                <a:solidFill>
+                  <a:srgbClr val="1B3C35"/>
+                </a:solidFill>
+              </a:rPr>
+              <a:t>.</a:t>
+            </a:r>
+          </a:p>
+          <a:p>
+            <a:pPr algn="l"/>
+            <a:endParaRPr lang="en-US" altLang="ko-KR" sz="1400" b="1" dirty="0">
+              <a:solidFill>
+                <a:srgbClr val="1B3C35"/>
+              </a:solidFill>
+            </a:endParaRPr>
+          </a:p>
+          <a:p>
+            <a:pPr algn="l"/>
+            <a:r>
+              <a:rPr lang="ko-KR" altLang="en-US" sz="1400" b="1" dirty="0">
+                <a:solidFill>
+                  <a:srgbClr val="1B3C35"/>
+                </a:solidFill>
+              </a:rPr>
+              <a:t>추출파일</a:t>
+            </a:r>
+            <a:r>
+              <a:rPr lang="en-US" altLang="ko-KR" sz="1400" b="1" dirty="0">
+                <a:solidFill>
+                  <a:srgbClr val="1B3C35"/>
+                </a:solidFill>
+              </a:rPr>
+              <a:t>:</a:t>
+            </a:r>
+            <a:r>
+              <a:rPr lang="ko-KR" altLang="en-US" sz="1400" b="1" dirty="0">
+                <a:solidFill>
+                  <a:srgbClr val="1B3C35"/>
+                </a:solidFill>
+              </a:rPr>
+              <a:t> </a:t>
+            </a:r>
+            <a:r>
+              <a:rPr lang="en-US" altLang="ko-KR" sz="1400" b="1" dirty="0">
+                <a:solidFill>
+                  <a:srgbClr val="1B3C35"/>
+                </a:solidFill>
+              </a:rPr>
+              <a:t>4</a:t>
+            </a:r>
+            <a:r>
+              <a:rPr lang="ko-KR" altLang="en-US" sz="1400" b="1" dirty="0">
+                <a:solidFill>
+                  <a:srgbClr val="1B3C35"/>
+                </a:solidFill>
+              </a:rPr>
+              <a:t>월 동적 배차시간</a:t>
+            </a:r>
+            <a:r>
+              <a:rPr lang="en-US" altLang="ko-KR" sz="1400" b="1" dirty="0">
+                <a:solidFill>
+                  <a:srgbClr val="1B3C35"/>
+                </a:solidFill>
+              </a:rPr>
+              <a:t>.csv</a:t>
+            </a:r>
+          </a:p>
+          <a:p>
+            <a:pPr algn="l"/>
+            <a:endParaRPr lang="en-US" altLang="ko-KR" sz="1400" b="1" dirty="0">
+              <a:solidFill>
+                <a:srgbClr val="1B3C35"/>
+              </a:solidFill>
+            </a:endParaRPr>
+          </a:p>
+          <a:p>
+            <a:pPr algn="l"/>
+            <a:endParaRPr lang="en-US" altLang="ko-KR" sz="1400" b="1" dirty="0">
+              <a:solidFill>
+                <a:srgbClr val="1B3C35"/>
+              </a:solidFill>
+            </a:endParaRPr>
+          </a:p>
+          <a:p>
+            <a:pPr algn="l"/>
+            <a:endParaRPr lang="en-US" altLang="ko-KR" sz="1400" b="1" dirty="0">
+              <a:solidFill>
+                <a:srgbClr val="1B3C35"/>
+              </a:solidFill>
+            </a:endParaRPr>
+          </a:p>
+          <a:p>
+            <a:pPr algn="l"/>
+            <a:endParaRPr lang="en-US" altLang="ko-KR" sz="1400" b="1" dirty="0">
+              <a:solidFill>
+                <a:srgbClr val="1B3C35"/>
+              </a:solidFill>
+            </a:endParaRPr>
+          </a:p>
+        </p:txBody>
+      </p:sp>
+    </p:spTree>
+    <p:extLst>
+      <p:ext uri="{BB962C8B-B14F-4D97-AF65-F5344CB8AC3E}">
+        <p14:creationId xmlns:p14="http://schemas.microsoft.com/office/powerpoint/2010/main" val="1529158974"/>
+      </p:ext>
+    </p:extLst>
+  </p:cSld>
+  <p:clrMapOvr>
+    <a:masterClrMapping/>
+  </p:clrMapOvr>
+</p:sld>
+</file>
+
+<file path=ppt/slides/slide14.xml><?xml version="1.0" encoding="utf-8"?>
+<p:sld xmlns:a="http://schemas.openxmlformats.org/drawingml/2006/main" xmlns:r="http://schemas.openxmlformats.org/officeDocument/2006/relationships" xmlns:p="http://schemas.openxmlformats.org/presentationml/2006/main">
+  <p:cSld>
+    <p:spTree>
+      <p:nvGrpSpPr>
+        <p:cNvPr id="1" name=""/>
+        <p:cNvGrpSpPr/>
+        <p:nvPr/>
+      </p:nvGrpSpPr>
+      <p:grpSpPr>
+        <a:xfrm>
+          <a:off x="0" y="0"/>
+          <a:ext cx="0" cy="0"/>
+          <a:chOff x="0" y="0"/>
+          <a:chExt cx="0" cy="0"/>
+        </a:xfrm>
+      </p:grpSpPr>
+      <p:sp>
+        <p:nvSpPr>
+          <p:cNvPr id="2" name="제목 1">
+            <a:extLst>
+              <a:ext uri="{FF2B5EF4-FFF2-40B4-BE49-F238E27FC236}">
+                <a16:creationId xmlns:a16="http://schemas.microsoft.com/office/drawing/2014/main" id="{E7B41566-0AFB-4F99-ADF7-A2C4EBE18ABD}"/>
+              </a:ext>
+            </a:extLst>
+          </p:cNvPr>
+          <p:cNvSpPr>
+            <a:spLocks noGrp="1"/>
+          </p:cNvSpPr>
+          <p:nvPr>
+            <p:ph type="title"/>
+          </p:nvPr>
+        </p:nvSpPr>
+        <p:spPr/>
+        <p:txBody>
+          <a:bodyPr/>
+          <a:lstStyle/>
+          <a:p>
+            <a:r>
+              <a:rPr lang="en-US" altLang="ko-KR" dirty="0"/>
+              <a:t>2. </a:t>
+            </a:r>
+            <a:r>
+              <a:rPr lang="ko-KR" altLang="en-US" dirty="0"/>
+              <a:t>분석코드 설명</a:t>
+            </a:r>
+            <a:r>
+              <a:rPr lang="en-US" altLang="ko-KR" dirty="0"/>
+              <a:t>(4)</a:t>
+            </a:r>
+            <a:endParaRPr lang="ko-KR" altLang="en-US" dirty="0"/>
+          </a:p>
+        </p:txBody>
+      </p:sp>
+      <p:sp>
+        <p:nvSpPr>
+          <p:cNvPr id="3" name="바닥글 개체 틀 2">
+            <a:extLst>
+              <a:ext uri="{FF2B5EF4-FFF2-40B4-BE49-F238E27FC236}">
+                <a16:creationId xmlns:a16="http://schemas.microsoft.com/office/drawing/2014/main" id="{9879BA5B-E8E4-4A64-8225-7F48FE19409C}"/>
+              </a:ext>
+            </a:extLst>
+          </p:cNvPr>
+          <p:cNvSpPr>
+            <a:spLocks noGrp="1"/>
+          </p:cNvSpPr>
+          <p:nvPr>
+            <p:ph type="ftr" sz="quarter" idx="11"/>
+          </p:nvPr>
+        </p:nvSpPr>
+        <p:spPr/>
+        <p:txBody>
+          <a:bodyPr/>
+          <a:lstStyle/>
+          <a:p>
+            <a:r>
+              <a:rPr lang="en-US"/>
+              <a:t>Designed By L@rgo. ADSTORE</a:t>
+            </a:r>
+            <a:endParaRPr lang="en-US" dirty="0"/>
+          </a:p>
+        </p:txBody>
+      </p:sp>
+      <p:sp>
+        <p:nvSpPr>
+          <p:cNvPr id="4" name="텍스트 개체 틀 3">
+            <a:extLst>
+              <a:ext uri="{FF2B5EF4-FFF2-40B4-BE49-F238E27FC236}">
+                <a16:creationId xmlns:a16="http://schemas.microsoft.com/office/drawing/2014/main" id="{430F254A-BD4A-4C3B-A586-DFD7D2BFEE94}"/>
+              </a:ext>
+            </a:extLst>
+          </p:cNvPr>
+          <p:cNvSpPr>
+            <a:spLocks noGrp="1"/>
+          </p:cNvSpPr>
+          <p:nvPr>
+            <p:ph type="body" sz="quarter" idx="13"/>
+          </p:nvPr>
+        </p:nvSpPr>
+        <p:spPr>
+          <a:xfrm>
+            <a:off x="1400906" y="1777999"/>
+            <a:ext cx="9390178" cy="1183548"/>
+          </a:xfrm>
+        </p:spPr>
+        <p:txBody>
+          <a:bodyPr anchor="t">
+            <a:normAutofit/>
+          </a:bodyPr>
+          <a:lstStyle/>
+          <a:p>
+            <a:pPr algn="l"/>
+            <a:r>
+              <a:rPr lang="ko-KR" altLang="en-US" sz="1600" b="1" dirty="0">
+                <a:solidFill>
+                  <a:srgbClr val="1B3C35"/>
+                </a:solidFill>
+              </a:rPr>
+              <a:t>버스 증차에 따라 동일노선의 포화도가 낮은 시간대에서 감차를 실행</a:t>
+            </a:r>
+            <a:endParaRPr lang="en-US" altLang="ko-KR" b="1" dirty="0">
+              <a:solidFill>
+                <a:srgbClr val="1B3C35"/>
+              </a:solidFill>
+            </a:endParaRPr>
+          </a:p>
+          <a:p>
+            <a:pPr algn="l"/>
+            <a:r>
+              <a:rPr lang="ko-KR" altLang="en-US" b="1" dirty="0">
+                <a:solidFill>
+                  <a:srgbClr val="1B3C35"/>
+                </a:solidFill>
+              </a:rPr>
+              <a:t>증차를 무조건 늘리기에는 현실적으로 불가능하다고 판단</a:t>
+            </a:r>
+            <a:r>
+              <a:rPr lang="en-US" altLang="ko-KR" b="1" dirty="0">
+                <a:solidFill>
+                  <a:srgbClr val="1B3C35"/>
+                </a:solidFill>
+              </a:rPr>
+              <a:t>, </a:t>
+            </a:r>
+          </a:p>
+          <a:p>
+            <a:pPr algn="l"/>
+            <a:r>
+              <a:rPr lang="ko-KR" altLang="en-US" b="1" dirty="0">
+                <a:solidFill>
+                  <a:srgbClr val="1B3C35"/>
+                </a:solidFill>
+              </a:rPr>
+              <a:t>따라서 동일노선의 다른 시간대의 노선운행을 줄이고 혼잡시간대의 증차에 투입 </a:t>
+            </a:r>
+            <a:endParaRPr lang="en-US" altLang="ko-KR" b="1" dirty="0">
+              <a:solidFill>
+                <a:srgbClr val="1B3C35"/>
+              </a:solidFill>
+            </a:endParaRPr>
+          </a:p>
+          <a:p>
+            <a:pPr algn="l"/>
+            <a:endParaRPr lang="en-US" altLang="ko-KR" sz="1600" b="1" dirty="0">
+              <a:solidFill>
+                <a:srgbClr val="1B3C35"/>
+              </a:solidFill>
+            </a:endParaRPr>
+          </a:p>
+          <a:p>
+            <a:pPr algn="l"/>
+            <a:endParaRPr lang="en-US" altLang="ko-KR" sz="1600" b="1" dirty="0">
+              <a:solidFill>
+                <a:srgbClr val="1B3C35"/>
+              </a:solidFill>
+            </a:endParaRPr>
+          </a:p>
+          <a:p>
+            <a:pPr algn="l"/>
+            <a:endParaRPr lang="en-US" altLang="ko-KR" sz="1600" b="1" dirty="0">
+              <a:solidFill>
+                <a:srgbClr val="1B3C35"/>
+              </a:solidFill>
+            </a:endParaRPr>
+          </a:p>
+          <a:p>
+            <a:pPr algn="l"/>
+            <a:endParaRPr lang="en-US" altLang="ko-KR" sz="1600" b="1" dirty="0">
+              <a:solidFill>
+                <a:srgbClr val="1B3C35"/>
+              </a:solidFill>
+            </a:endParaRPr>
+          </a:p>
+          <a:p>
+            <a:pPr algn="l"/>
+            <a:endParaRPr lang="en-US" altLang="ko-KR" sz="1600" b="1" dirty="0">
+              <a:solidFill>
+                <a:srgbClr val="1B3C35"/>
+              </a:solidFill>
+            </a:endParaRPr>
+          </a:p>
+          <a:p>
+            <a:pPr algn="l"/>
+            <a:endParaRPr lang="en-US" altLang="ko-KR" sz="1600" b="1" dirty="0">
+              <a:solidFill>
+                <a:srgbClr val="1B3C35"/>
+              </a:solidFill>
+            </a:endParaRPr>
+          </a:p>
+          <a:p>
+            <a:pPr algn="l"/>
+            <a:endParaRPr lang="en-US" altLang="ko-KR" sz="1600" b="1" dirty="0">
+              <a:solidFill>
+                <a:srgbClr val="1B3C35"/>
+              </a:solidFill>
+            </a:endParaRPr>
+          </a:p>
+        </p:txBody>
+      </p:sp>
+      <p:sp>
+        <p:nvSpPr>
+          <p:cNvPr id="5" name="슬라이드 번호 개체 틀 4">
+            <a:extLst>
+              <a:ext uri="{FF2B5EF4-FFF2-40B4-BE49-F238E27FC236}">
+                <a16:creationId xmlns:a16="http://schemas.microsoft.com/office/drawing/2014/main" id="{565AE793-554B-46CA-A5C5-D91843E0DDC9}"/>
+              </a:ext>
+            </a:extLst>
+          </p:cNvPr>
+          <p:cNvSpPr>
+            <a:spLocks noGrp="1"/>
+          </p:cNvSpPr>
+          <p:nvPr>
+            <p:ph type="sldNum" sz="quarter" idx="12"/>
+          </p:nvPr>
+        </p:nvSpPr>
+        <p:spPr/>
+        <p:txBody>
+          <a:bodyPr/>
+          <a:lstStyle/>
+          <a:p>
+            <a:fld id="{15812C5A-9CF7-4A8D-A41D-9E74470054A5}" type="slidenum">
+              <a:rPr lang="ko-KR" altLang="en-US" smtClean="0"/>
+              <a:pPr/>
+              <a:t>14</a:t>
             </a:fld>
             <a:endParaRPr lang="ko-KR" altLang="en-US" dirty="0"/>
           </a:p>
@@ -6569,7 +7381,7 @@
 </p:sld>
 </file>
 
-<file path=ppt/slides/slide13.xml><?xml version="1.0" encoding="utf-8"?>
+<file path=ppt/slides/slide15.xml><?xml version="1.0" encoding="utf-8"?>
 <p:sld xmlns:a="http://schemas.openxmlformats.org/drawingml/2006/main" xmlns:r="http://schemas.openxmlformats.org/officeDocument/2006/relationships" xmlns:p="http://schemas.openxmlformats.org/presentationml/2006/main">
   <p:cSld>
     <p:spTree>
@@ -6812,7 +7624,7 @@
             <a:fld id="{15812C5A-9CF7-4A8D-A41D-9E74470054A5}" type="slidenum">
               <a:rPr lang="ko-KR" altLang="en-US" smtClean="0"/>
               <a:pPr/>
-              <a:t>13</a:t>
+              <a:t>15</a:t>
             </a:fld>
             <a:endParaRPr lang="ko-KR" altLang="en-US" dirty="0"/>
           </a:p>
@@ -6886,7 +7698,7 @@
 </p:sld>
 </file>
 
-<file path=ppt/slides/slide14.xml><?xml version="1.0" encoding="utf-8"?>
+<file path=ppt/slides/slide16.xml><?xml version="1.0" encoding="utf-8"?>
 <p:sld xmlns:a="http://schemas.openxmlformats.org/drawingml/2006/main" xmlns:r="http://schemas.openxmlformats.org/officeDocument/2006/relationships" xmlns:p="http://schemas.openxmlformats.org/presentationml/2006/main">
   <p:cSld>
     <p:spTree>
@@ -7140,7 +7952,7 @@
             <a:fld id="{15812C5A-9CF7-4A8D-A41D-9E74470054A5}" type="slidenum">
               <a:rPr lang="ko-KR" altLang="en-US" smtClean="0"/>
               <a:pPr/>
-              <a:t>14</a:t>
+              <a:t>16</a:t>
             </a:fld>
             <a:endParaRPr lang="ko-KR" altLang="en-US" dirty="0"/>
           </a:p>
@@ -7375,7 +8187,7 @@
 </p:sld>
 </file>
 
-<file path=ppt/slides/slide15.xml><?xml version="1.0" encoding="utf-8"?>
+<file path=ppt/slides/slide17.xml><?xml version="1.0" encoding="utf-8"?>
 <p:sld xmlns:a="http://schemas.openxmlformats.org/drawingml/2006/main" xmlns:r="http://schemas.openxmlformats.org/officeDocument/2006/relationships" xmlns:p="http://schemas.openxmlformats.org/presentationml/2006/main">
   <p:cSld>
     <p:spTree>
@@ -7477,7 +8289,7 @@
             <a:fld id="{15812C5A-9CF7-4A8D-A41D-9E74470054A5}" type="slidenum">
               <a:rPr lang="ko-KR" altLang="en-US" smtClean="0"/>
               <a:pPr/>
-              <a:t>15</a:t>
+              <a:t>17</a:t>
             </a:fld>
             <a:endParaRPr lang="ko-KR" altLang="en-US" dirty="0"/>
           </a:p>
@@ -7818,7 +8630,7 @@
 </p:sld>
 </file>
 
-<file path=ppt/slides/slide16.xml><?xml version="1.0" encoding="utf-8"?>
+<file path=ppt/slides/slide18.xml><?xml version="1.0" encoding="utf-8"?>
 <p:sld xmlns:a="http://schemas.openxmlformats.org/drawingml/2006/main" xmlns:r="http://schemas.openxmlformats.org/officeDocument/2006/relationships" xmlns:p="http://schemas.openxmlformats.org/presentationml/2006/main">
   <p:cSld>
     <p:spTree>
@@ -7920,7 +8732,7 @@
             <a:fld id="{15812C5A-9CF7-4A8D-A41D-9E74470054A5}" type="slidenum">
               <a:rPr lang="ko-KR" altLang="en-US" smtClean="0"/>
               <a:pPr/>
-              <a:t>16</a:t>
+              <a:t>18</a:t>
             </a:fld>
             <a:endParaRPr lang="ko-KR" altLang="en-US" dirty="0"/>
           </a:p>
@@ -8162,7 +8974,7 @@
 </p:sld>
 </file>
 
-<file path=ppt/slides/slide17.xml><?xml version="1.0" encoding="utf-8"?>
+<file path=ppt/slides/slide19.xml><?xml version="1.0" encoding="utf-8"?>
 <p:sld xmlns:a="http://schemas.openxmlformats.org/drawingml/2006/main" xmlns:r="http://schemas.openxmlformats.org/officeDocument/2006/relationships" xmlns:p="http://schemas.openxmlformats.org/presentationml/2006/main">
   <p:cSld>
     <p:spTree>
@@ -8416,7 +9228,7 @@
             <a:fld id="{15812C5A-9CF7-4A8D-A41D-9E74470054A5}" type="slidenum">
               <a:rPr lang="ko-KR" altLang="en-US" smtClean="0"/>
               <a:pPr/>
-              <a:t>17</a:t>
+              <a:t>19</a:t>
             </a:fld>
             <a:endParaRPr lang="ko-KR" altLang="en-US" dirty="0"/>
           </a:p>
@@ -8642,798 +9454,6 @@
     <p:extLst>
       <p:ext uri="{BB962C8B-B14F-4D97-AF65-F5344CB8AC3E}">
         <p14:creationId xmlns:p14="http://schemas.microsoft.com/office/powerpoint/2010/main" val="3564017055"/>
-      </p:ext>
-    </p:extLst>
-  </p:cSld>
-  <p:clrMapOvr>
-    <a:masterClrMapping/>
-  </p:clrMapOvr>
-</p:sld>
-</file>
-
-<file path=ppt/slides/slide18.xml><?xml version="1.0" encoding="utf-8"?>
-<p:sld xmlns:a="http://schemas.openxmlformats.org/drawingml/2006/main" xmlns:r="http://schemas.openxmlformats.org/officeDocument/2006/relationships" xmlns:p="http://schemas.openxmlformats.org/presentationml/2006/main">
-  <p:cSld>
-    <p:spTree>
-      <p:nvGrpSpPr>
-        <p:cNvPr id="1" name=""/>
-        <p:cNvGrpSpPr/>
-        <p:nvPr/>
-      </p:nvGrpSpPr>
-      <p:grpSpPr>
-        <a:xfrm>
-          <a:off x="0" y="0"/>
-          <a:ext cx="0" cy="0"/>
-          <a:chOff x="0" y="0"/>
-          <a:chExt cx="0" cy="0"/>
-        </a:xfrm>
-      </p:grpSpPr>
-      <p:sp>
-        <p:nvSpPr>
-          <p:cNvPr id="2" name="제목 1">
-            <a:extLst>
-              <a:ext uri="{FF2B5EF4-FFF2-40B4-BE49-F238E27FC236}">
-                <a16:creationId xmlns:a16="http://schemas.microsoft.com/office/drawing/2014/main" id="{805BACAF-D5BC-47ED-BA2E-A0EA85EF0623}"/>
-              </a:ext>
-            </a:extLst>
-          </p:cNvPr>
-          <p:cNvSpPr>
-            <a:spLocks noGrp="1"/>
-          </p:cNvSpPr>
-          <p:nvPr>
-            <p:ph type="title"/>
-          </p:nvPr>
-        </p:nvSpPr>
-        <p:spPr/>
-        <p:txBody>
-          <a:bodyPr/>
-          <a:lstStyle/>
-          <a:p>
-            <a:r>
-              <a:rPr lang="en-US" altLang="ko-KR" dirty="0"/>
-              <a:t>4. </a:t>
-            </a:r>
-            <a:r>
-              <a:rPr lang="ko-KR" altLang="en-US" dirty="0"/>
-              <a:t>예측결과 설명</a:t>
-            </a:r>
-          </a:p>
-        </p:txBody>
-      </p:sp>
-      <p:sp>
-        <p:nvSpPr>
-          <p:cNvPr id="3" name="바닥글 개체 틀 2">
-            <a:extLst>
-              <a:ext uri="{FF2B5EF4-FFF2-40B4-BE49-F238E27FC236}">
-                <a16:creationId xmlns:a16="http://schemas.microsoft.com/office/drawing/2014/main" id="{3D1184B4-BFC8-457E-906D-71960C6D3846}"/>
-              </a:ext>
-            </a:extLst>
-          </p:cNvPr>
-          <p:cNvSpPr>
-            <a:spLocks noGrp="1"/>
-          </p:cNvSpPr>
-          <p:nvPr>
-            <p:ph type="ftr" sz="quarter" idx="11"/>
-          </p:nvPr>
-        </p:nvSpPr>
-        <p:spPr/>
-        <p:txBody>
-          <a:bodyPr/>
-          <a:lstStyle/>
-          <a:p>
-            <a:r>
-              <a:rPr lang="en-US"/>
-              <a:t>Designed By L@rgo. ADSTORE</a:t>
-            </a:r>
-            <a:endParaRPr lang="en-US" dirty="0"/>
-          </a:p>
-        </p:txBody>
-      </p:sp>
-      <p:sp>
-        <p:nvSpPr>
-          <p:cNvPr id="5" name="슬라이드 번호 개체 틀 4">
-            <a:extLst>
-              <a:ext uri="{FF2B5EF4-FFF2-40B4-BE49-F238E27FC236}">
-                <a16:creationId xmlns:a16="http://schemas.microsoft.com/office/drawing/2014/main" id="{D39FDFF0-4E02-4458-AE0D-0E83F5181FC2}"/>
-              </a:ext>
-            </a:extLst>
-          </p:cNvPr>
-          <p:cNvSpPr>
-            <a:spLocks noGrp="1"/>
-          </p:cNvSpPr>
-          <p:nvPr>
-            <p:ph type="sldNum" sz="quarter" idx="12"/>
-          </p:nvPr>
-        </p:nvSpPr>
-        <p:spPr/>
-        <p:txBody>
-          <a:bodyPr/>
-          <a:lstStyle/>
-          <a:p>
-            <a:fld id="{15812C5A-9CF7-4A8D-A41D-9E74470054A5}" type="slidenum">
-              <a:rPr lang="ko-KR" altLang="en-US" smtClean="0"/>
-              <a:pPr/>
-              <a:t>18</a:t>
-            </a:fld>
-            <a:endParaRPr lang="ko-KR" altLang="en-US" dirty="0"/>
-          </a:p>
-        </p:txBody>
-      </p:sp>
-      <p:sp>
-        <p:nvSpPr>
-          <p:cNvPr id="6" name="부제목 5">
-            <a:extLst>
-              <a:ext uri="{FF2B5EF4-FFF2-40B4-BE49-F238E27FC236}">
-                <a16:creationId xmlns:a16="http://schemas.microsoft.com/office/drawing/2014/main" id="{485D1D4A-E6F0-45D2-B08D-1B89EFE6C6A4}"/>
-              </a:ext>
-            </a:extLst>
-          </p:cNvPr>
-          <p:cNvSpPr>
-            <a:spLocks noGrp="1"/>
-          </p:cNvSpPr>
-          <p:nvPr>
-            <p:ph type="subTitle" idx="14"/>
-          </p:nvPr>
-        </p:nvSpPr>
-        <p:spPr/>
-        <p:txBody>
-          <a:bodyPr/>
-          <a:lstStyle/>
-          <a:p>
-            <a:endParaRPr lang="ko-KR" altLang="en-US"/>
-          </a:p>
-        </p:txBody>
-      </p:sp>
-      <p:sp>
-        <p:nvSpPr>
-          <p:cNvPr id="7" name="텍스트 개체 틀 3">
-            <a:extLst>
-              <a:ext uri="{FF2B5EF4-FFF2-40B4-BE49-F238E27FC236}">
-                <a16:creationId xmlns:a16="http://schemas.microsoft.com/office/drawing/2014/main" id="{88B565E4-1E42-4CE3-BC42-DEEF3B50A136}"/>
-              </a:ext>
-            </a:extLst>
-          </p:cNvPr>
-          <p:cNvSpPr>
-            <a:spLocks noGrp="1"/>
-          </p:cNvSpPr>
-          <p:nvPr>
-            <p:ph type="body" sz="quarter" idx="13"/>
-          </p:nvPr>
-        </p:nvSpPr>
-        <p:spPr>
-          <a:xfrm>
-            <a:off x="1400906" y="1777999"/>
-            <a:ext cx="9390178" cy="1183548"/>
-          </a:xfrm>
-        </p:spPr>
-        <p:txBody>
-          <a:bodyPr anchor="t">
-            <a:normAutofit/>
-          </a:bodyPr>
-          <a:lstStyle/>
-          <a:p>
-            <a:pPr algn="l"/>
-            <a:r>
-              <a:rPr lang="ko-KR" altLang="en-US" sz="1600" b="1" dirty="0">
-                <a:solidFill>
-                  <a:srgbClr val="1B3C35"/>
-                </a:solidFill>
-              </a:rPr>
-              <a:t>평균적으로 포화도가 높은 시간대는 </a:t>
-            </a:r>
-            <a:r>
-              <a:rPr lang="en-US" altLang="ko-KR" sz="1600" b="1" dirty="0">
-                <a:solidFill>
-                  <a:srgbClr val="1B3C35"/>
-                </a:solidFill>
-              </a:rPr>
-              <a:t>07~09</a:t>
-            </a:r>
-            <a:r>
-              <a:rPr lang="ko-KR" altLang="en-US" sz="1600" b="1" dirty="0">
-                <a:solidFill>
-                  <a:srgbClr val="1B3C35"/>
-                </a:solidFill>
-              </a:rPr>
-              <a:t>시 </a:t>
-            </a:r>
-            <a:r>
-              <a:rPr lang="en-US" altLang="ko-KR" sz="1600" b="1" dirty="0">
-                <a:solidFill>
-                  <a:srgbClr val="1B3C35"/>
-                </a:solidFill>
-              </a:rPr>
-              <a:t>, 17~19</a:t>
-            </a:r>
-            <a:r>
-              <a:rPr lang="ko-KR" altLang="en-US" sz="1600" b="1" dirty="0">
-                <a:solidFill>
-                  <a:srgbClr val="1B3C35"/>
-                </a:solidFill>
-              </a:rPr>
-              <a:t>시로 출퇴근시간대에 가장 </a:t>
-            </a:r>
-            <a:r>
-              <a:rPr lang="ko-KR" altLang="en-US" sz="1600" b="1" dirty="0" err="1">
-                <a:solidFill>
-                  <a:srgbClr val="1B3C35"/>
-                </a:solidFill>
-              </a:rPr>
-              <a:t>버스별</a:t>
-            </a:r>
-            <a:r>
-              <a:rPr lang="ko-KR" altLang="en-US" sz="1600" b="1" dirty="0">
-                <a:solidFill>
-                  <a:srgbClr val="1B3C35"/>
-                </a:solidFill>
-              </a:rPr>
-              <a:t> 포화도가 </a:t>
-            </a:r>
-            <a:endParaRPr lang="en-US" altLang="ko-KR" sz="1600" b="1" dirty="0">
-              <a:solidFill>
-                <a:srgbClr val="1B3C35"/>
-              </a:solidFill>
-            </a:endParaRPr>
-          </a:p>
-          <a:p>
-            <a:pPr algn="l"/>
-            <a:r>
-              <a:rPr lang="ko-KR" altLang="en-US" sz="1600" b="1" dirty="0">
-                <a:solidFill>
-                  <a:srgbClr val="1B3C35"/>
-                </a:solidFill>
-              </a:rPr>
-              <a:t>높게 나타났다</a:t>
-            </a:r>
-            <a:r>
-              <a:rPr lang="en-US" altLang="ko-KR" sz="1600" b="1" dirty="0">
-                <a:solidFill>
-                  <a:srgbClr val="1B3C35"/>
-                </a:solidFill>
-              </a:rPr>
-              <a:t>.</a:t>
-            </a:r>
-          </a:p>
-          <a:p>
-            <a:pPr algn="l"/>
-            <a:endParaRPr lang="en-US" altLang="ko-KR" sz="1600" b="1" dirty="0">
-              <a:solidFill>
-                <a:srgbClr val="1B3C35"/>
-              </a:solidFill>
-            </a:endParaRPr>
-          </a:p>
-          <a:p>
-            <a:pPr algn="l"/>
-            <a:endParaRPr lang="en-US" altLang="ko-KR" sz="1600" b="1" dirty="0">
-              <a:solidFill>
-                <a:srgbClr val="1B3C35"/>
-              </a:solidFill>
-            </a:endParaRPr>
-          </a:p>
-          <a:p>
-            <a:pPr algn="l"/>
-            <a:endParaRPr lang="en-US" altLang="ko-KR" sz="1600" b="1" dirty="0">
-              <a:solidFill>
-                <a:srgbClr val="1B3C35"/>
-              </a:solidFill>
-            </a:endParaRPr>
-          </a:p>
-          <a:p>
-            <a:pPr algn="l"/>
-            <a:endParaRPr lang="en-US" altLang="ko-KR" sz="1600" b="1" dirty="0">
-              <a:solidFill>
-                <a:srgbClr val="1B3C35"/>
-              </a:solidFill>
-            </a:endParaRPr>
-          </a:p>
-        </p:txBody>
-      </p:sp>
-      <p:pic>
-        <p:nvPicPr>
-          <p:cNvPr id="9" name="그림 8">
-            <a:extLst>
-              <a:ext uri="{FF2B5EF4-FFF2-40B4-BE49-F238E27FC236}">
-                <a16:creationId xmlns:a16="http://schemas.microsoft.com/office/drawing/2014/main" id="{6306662C-B3A9-46CB-A2A3-2544E0226E1E}"/>
-              </a:ext>
-            </a:extLst>
-          </p:cNvPr>
-          <p:cNvPicPr>
-            <a:picLocks noChangeAspect="1"/>
-          </p:cNvPicPr>
-          <p:nvPr/>
-        </p:nvPicPr>
-        <p:blipFill>
-          <a:blip r:embed="rId2"/>
-          <a:stretch>
-            <a:fillRect/>
-          </a:stretch>
-        </p:blipFill>
-        <p:spPr>
-          <a:xfrm>
-            <a:off x="882264" y="2617776"/>
-            <a:ext cx="5745039" cy="2483203"/>
-          </a:xfrm>
-          <a:prstGeom prst="rect">
-            <a:avLst/>
-          </a:prstGeom>
-        </p:spPr>
-      </p:pic>
-      <p:sp>
-        <p:nvSpPr>
-          <p:cNvPr id="10" name="TextBox 9">
-            <a:extLst>
-              <a:ext uri="{FF2B5EF4-FFF2-40B4-BE49-F238E27FC236}">
-                <a16:creationId xmlns:a16="http://schemas.microsoft.com/office/drawing/2014/main" id="{0E17C53D-8E09-4E0C-BDBF-7A4AD5BBAD6C}"/>
-              </a:ext>
-            </a:extLst>
-          </p:cNvPr>
-          <p:cNvSpPr txBox="1"/>
-          <p:nvPr/>
-        </p:nvSpPr>
-        <p:spPr>
-          <a:xfrm>
-            <a:off x="4171963" y="5203463"/>
-            <a:ext cx="2667699" cy="369332"/>
-          </a:xfrm>
-          <a:prstGeom prst="rect">
-            <a:avLst/>
-          </a:prstGeom>
-          <a:noFill/>
-        </p:spPr>
-        <p:txBody>
-          <a:bodyPr wrap="square" rtlCol="0">
-            <a:spAutoFit/>
-          </a:bodyPr>
-          <a:lstStyle/>
-          <a:p>
-            <a:r>
-              <a:rPr lang="ko-KR" altLang="en-US" dirty="0"/>
-              <a:t>그림 </a:t>
-            </a:r>
-            <a:r>
-              <a:rPr lang="en-US" altLang="ko-KR" dirty="0"/>
-              <a:t>: 4</a:t>
-            </a:r>
-            <a:r>
-              <a:rPr lang="ko-KR" altLang="en-US" dirty="0"/>
-              <a:t>월 포화도 계산</a:t>
-            </a:r>
-          </a:p>
-        </p:txBody>
-      </p:sp>
-      <p:pic>
-        <p:nvPicPr>
-          <p:cNvPr id="12" name="그림 11">
-            <a:extLst>
-              <a:ext uri="{FF2B5EF4-FFF2-40B4-BE49-F238E27FC236}">
-                <a16:creationId xmlns:a16="http://schemas.microsoft.com/office/drawing/2014/main" id="{6EF85EB3-DBEB-4BDD-8B31-5533116733CA}"/>
-              </a:ext>
-            </a:extLst>
-          </p:cNvPr>
-          <p:cNvPicPr>
-            <a:picLocks noChangeAspect="1"/>
-          </p:cNvPicPr>
-          <p:nvPr/>
-        </p:nvPicPr>
-        <p:blipFill>
-          <a:blip r:embed="rId3"/>
-          <a:stretch>
-            <a:fillRect/>
-          </a:stretch>
-        </p:blipFill>
-        <p:spPr>
-          <a:xfrm>
-            <a:off x="6839662" y="2201992"/>
-            <a:ext cx="4557931" cy="2889755"/>
-          </a:xfrm>
-          <a:prstGeom prst="rect">
-            <a:avLst/>
-          </a:prstGeom>
-        </p:spPr>
-      </p:pic>
-    </p:spTree>
-    <p:extLst>
-      <p:ext uri="{BB962C8B-B14F-4D97-AF65-F5344CB8AC3E}">
-        <p14:creationId xmlns:p14="http://schemas.microsoft.com/office/powerpoint/2010/main" val="1086785600"/>
-      </p:ext>
-    </p:extLst>
-  </p:cSld>
-  <p:clrMapOvr>
-    <a:masterClrMapping/>
-  </p:clrMapOvr>
-</p:sld>
-</file>
-
-<file path=ppt/slides/slide19.xml><?xml version="1.0" encoding="utf-8"?>
-<p:sld xmlns:a="http://schemas.openxmlformats.org/drawingml/2006/main" xmlns:r="http://schemas.openxmlformats.org/officeDocument/2006/relationships" xmlns:p="http://schemas.openxmlformats.org/presentationml/2006/main">
-  <p:cSld>
-    <p:spTree>
-      <p:nvGrpSpPr>
-        <p:cNvPr id="1" name=""/>
-        <p:cNvGrpSpPr/>
-        <p:nvPr/>
-      </p:nvGrpSpPr>
-      <p:grpSpPr>
-        <a:xfrm>
-          <a:off x="0" y="0"/>
-          <a:ext cx="0" cy="0"/>
-          <a:chOff x="0" y="0"/>
-          <a:chExt cx="0" cy="0"/>
-        </a:xfrm>
-      </p:grpSpPr>
-      <p:sp>
-        <p:nvSpPr>
-          <p:cNvPr id="2" name="제목 1">
-            <a:extLst>
-              <a:ext uri="{FF2B5EF4-FFF2-40B4-BE49-F238E27FC236}">
-                <a16:creationId xmlns:a16="http://schemas.microsoft.com/office/drawing/2014/main" id="{805BACAF-D5BC-47ED-BA2E-A0EA85EF0623}"/>
-              </a:ext>
-            </a:extLst>
-          </p:cNvPr>
-          <p:cNvSpPr>
-            <a:spLocks noGrp="1"/>
-          </p:cNvSpPr>
-          <p:nvPr>
-            <p:ph type="title"/>
-          </p:nvPr>
-        </p:nvSpPr>
-        <p:spPr/>
-        <p:txBody>
-          <a:bodyPr/>
-          <a:lstStyle/>
-          <a:p>
-            <a:r>
-              <a:rPr lang="en-US" altLang="ko-KR" dirty="0"/>
-              <a:t>4. </a:t>
-            </a:r>
-            <a:r>
-              <a:rPr lang="ko-KR" altLang="en-US" dirty="0"/>
-              <a:t>예측결과 설명</a:t>
-            </a:r>
-          </a:p>
-        </p:txBody>
-      </p:sp>
-      <p:sp>
-        <p:nvSpPr>
-          <p:cNvPr id="3" name="바닥글 개체 틀 2">
-            <a:extLst>
-              <a:ext uri="{FF2B5EF4-FFF2-40B4-BE49-F238E27FC236}">
-                <a16:creationId xmlns:a16="http://schemas.microsoft.com/office/drawing/2014/main" id="{3D1184B4-BFC8-457E-906D-71960C6D3846}"/>
-              </a:ext>
-            </a:extLst>
-          </p:cNvPr>
-          <p:cNvSpPr>
-            <a:spLocks noGrp="1"/>
-          </p:cNvSpPr>
-          <p:nvPr>
-            <p:ph type="ftr" sz="quarter" idx="11"/>
-          </p:nvPr>
-        </p:nvSpPr>
-        <p:spPr/>
-        <p:txBody>
-          <a:bodyPr/>
-          <a:lstStyle/>
-          <a:p>
-            <a:r>
-              <a:rPr lang="en-US"/>
-              <a:t>Designed By L@rgo. ADSTORE</a:t>
-            </a:r>
-            <a:endParaRPr lang="en-US" dirty="0"/>
-          </a:p>
-        </p:txBody>
-      </p:sp>
-      <p:sp>
-        <p:nvSpPr>
-          <p:cNvPr id="5" name="슬라이드 번호 개체 틀 4">
-            <a:extLst>
-              <a:ext uri="{FF2B5EF4-FFF2-40B4-BE49-F238E27FC236}">
-                <a16:creationId xmlns:a16="http://schemas.microsoft.com/office/drawing/2014/main" id="{D39FDFF0-4E02-4458-AE0D-0E83F5181FC2}"/>
-              </a:ext>
-            </a:extLst>
-          </p:cNvPr>
-          <p:cNvSpPr>
-            <a:spLocks noGrp="1"/>
-          </p:cNvSpPr>
-          <p:nvPr>
-            <p:ph type="sldNum" sz="quarter" idx="12"/>
-          </p:nvPr>
-        </p:nvSpPr>
-        <p:spPr/>
-        <p:txBody>
-          <a:bodyPr/>
-          <a:lstStyle/>
-          <a:p>
-            <a:fld id="{15812C5A-9CF7-4A8D-A41D-9E74470054A5}" type="slidenum">
-              <a:rPr lang="ko-KR" altLang="en-US" smtClean="0"/>
-              <a:pPr/>
-              <a:t>19</a:t>
-            </a:fld>
-            <a:endParaRPr lang="ko-KR" altLang="en-US" dirty="0"/>
-          </a:p>
-        </p:txBody>
-      </p:sp>
-      <p:sp>
-        <p:nvSpPr>
-          <p:cNvPr id="6" name="부제목 5">
-            <a:extLst>
-              <a:ext uri="{FF2B5EF4-FFF2-40B4-BE49-F238E27FC236}">
-                <a16:creationId xmlns:a16="http://schemas.microsoft.com/office/drawing/2014/main" id="{485D1D4A-E6F0-45D2-B08D-1B89EFE6C6A4}"/>
-              </a:ext>
-            </a:extLst>
-          </p:cNvPr>
-          <p:cNvSpPr>
-            <a:spLocks noGrp="1"/>
-          </p:cNvSpPr>
-          <p:nvPr>
-            <p:ph type="subTitle" idx="14"/>
-          </p:nvPr>
-        </p:nvSpPr>
-        <p:spPr/>
-        <p:txBody>
-          <a:bodyPr/>
-          <a:lstStyle/>
-          <a:p>
-            <a:endParaRPr lang="ko-KR" altLang="en-US"/>
-          </a:p>
-        </p:txBody>
-      </p:sp>
-      <p:sp>
-        <p:nvSpPr>
-          <p:cNvPr id="7" name="텍스트 개체 틀 3">
-            <a:extLst>
-              <a:ext uri="{FF2B5EF4-FFF2-40B4-BE49-F238E27FC236}">
-                <a16:creationId xmlns:a16="http://schemas.microsoft.com/office/drawing/2014/main" id="{88B565E4-1E42-4CE3-BC42-DEEF3B50A136}"/>
-              </a:ext>
-            </a:extLst>
-          </p:cNvPr>
-          <p:cNvSpPr>
-            <a:spLocks noGrp="1"/>
-          </p:cNvSpPr>
-          <p:nvPr>
-            <p:ph type="body" sz="quarter" idx="13"/>
-          </p:nvPr>
-        </p:nvSpPr>
-        <p:spPr>
-          <a:xfrm>
-            <a:off x="1400905" y="1777999"/>
-            <a:ext cx="9563505" cy="1183548"/>
-          </a:xfrm>
-        </p:spPr>
-        <p:txBody>
-          <a:bodyPr anchor="t">
-            <a:normAutofit/>
-          </a:bodyPr>
-          <a:lstStyle/>
-          <a:p>
-            <a:pPr algn="l"/>
-            <a:r>
-              <a:rPr lang="ko-KR" altLang="en-US" sz="1600" b="1" dirty="0">
-                <a:solidFill>
-                  <a:srgbClr val="1B3C35"/>
-                </a:solidFill>
-              </a:rPr>
-              <a:t>따라서 이에 대해 증차를 실시 한 결과</a:t>
-            </a:r>
-            <a:r>
-              <a:rPr lang="en-US" altLang="ko-KR" sz="1600" b="1" dirty="0">
-                <a:solidFill>
-                  <a:srgbClr val="1B3C35"/>
-                </a:solidFill>
-              </a:rPr>
-              <a:t>, </a:t>
-            </a:r>
-            <a:r>
-              <a:rPr lang="ko-KR" altLang="en-US" sz="1600" b="1" dirty="0">
-                <a:solidFill>
-                  <a:srgbClr val="1B3C35"/>
-                </a:solidFill>
-              </a:rPr>
-              <a:t>시간당 약 </a:t>
-            </a:r>
-            <a:r>
-              <a:rPr lang="en-US" altLang="ko-KR" sz="1600" b="1" dirty="0">
-                <a:solidFill>
-                  <a:srgbClr val="1B3C35"/>
-                </a:solidFill>
-              </a:rPr>
-              <a:t>3~8</a:t>
-            </a:r>
-            <a:r>
-              <a:rPr lang="ko-KR" altLang="en-US" sz="1600" b="1" dirty="0">
-                <a:solidFill>
-                  <a:srgbClr val="1B3C35"/>
-                </a:solidFill>
-              </a:rPr>
-              <a:t>대의 차량을 증차 시킨다면 포화도를 상당히 낮출 수 있다는 결론에 다다른다</a:t>
-            </a:r>
-            <a:r>
-              <a:rPr lang="en-US" altLang="ko-KR" sz="1600" b="1" dirty="0">
-                <a:solidFill>
-                  <a:srgbClr val="1B3C35"/>
-                </a:solidFill>
-              </a:rPr>
-              <a:t>.</a:t>
-            </a:r>
-            <a:r>
-              <a:rPr lang="ko-KR" altLang="en-US" sz="1600" b="1" dirty="0">
-                <a:solidFill>
-                  <a:srgbClr val="1B3C35"/>
-                </a:solidFill>
-              </a:rPr>
-              <a:t> </a:t>
-            </a:r>
-            <a:endParaRPr lang="en-US" altLang="ko-KR" sz="1600" b="1" dirty="0">
-              <a:solidFill>
-                <a:srgbClr val="1B3C35"/>
-              </a:solidFill>
-            </a:endParaRPr>
-          </a:p>
-          <a:p>
-            <a:pPr algn="l"/>
-            <a:endParaRPr lang="en-US" altLang="ko-KR" sz="1600" b="1" dirty="0">
-              <a:solidFill>
-                <a:srgbClr val="1B3C35"/>
-              </a:solidFill>
-            </a:endParaRPr>
-          </a:p>
-          <a:p>
-            <a:pPr algn="l"/>
-            <a:endParaRPr lang="en-US" altLang="ko-KR" sz="1600" b="1" dirty="0">
-              <a:solidFill>
-                <a:srgbClr val="1B3C35"/>
-              </a:solidFill>
-            </a:endParaRPr>
-          </a:p>
-          <a:p>
-            <a:pPr algn="l"/>
-            <a:endParaRPr lang="en-US" altLang="ko-KR" sz="1600" b="1" dirty="0">
-              <a:solidFill>
-                <a:srgbClr val="1B3C35"/>
-              </a:solidFill>
-            </a:endParaRPr>
-          </a:p>
-        </p:txBody>
-      </p:sp>
-      <p:sp>
-        <p:nvSpPr>
-          <p:cNvPr id="10" name="TextBox 9">
-            <a:extLst>
-              <a:ext uri="{FF2B5EF4-FFF2-40B4-BE49-F238E27FC236}">
-                <a16:creationId xmlns:a16="http://schemas.microsoft.com/office/drawing/2014/main" id="{0E17C53D-8E09-4E0C-BDBF-7A4AD5BBAD6C}"/>
-              </a:ext>
-            </a:extLst>
-          </p:cNvPr>
-          <p:cNvSpPr txBox="1"/>
-          <p:nvPr/>
-        </p:nvSpPr>
-        <p:spPr>
-          <a:xfrm>
-            <a:off x="6979640" y="5572795"/>
-            <a:ext cx="2667699" cy="369332"/>
-          </a:xfrm>
-          <a:prstGeom prst="rect">
-            <a:avLst/>
-          </a:prstGeom>
-          <a:noFill/>
-        </p:spPr>
-        <p:txBody>
-          <a:bodyPr wrap="square" rtlCol="0">
-            <a:spAutoFit/>
-          </a:bodyPr>
-          <a:lstStyle/>
-          <a:p>
-            <a:r>
-              <a:rPr lang="ko-KR" altLang="en-US" dirty="0"/>
-              <a:t>그림 </a:t>
-            </a:r>
-            <a:r>
-              <a:rPr lang="en-US" altLang="ko-KR" dirty="0"/>
-              <a:t>: 4</a:t>
-            </a:r>
-            <a:r>
-              <a:rPr lang="ko-KR" altLang="en-US" dirty="0"/>
-              <a:t>월 </a:t>
-            </a:r>
-            <a:r>
-              <a:rPr lang="ko-KR" altLang="en-US" dirty="0" err="1"/>
-              <a:t>동적배차시간</a:t>
-            </a:r>
-            <a:endParaRPr lang="ko-KR" altLang="en-US" dirty="0"/>
-          </a:p>
-        </p:txBody>
-      </p:sp>
-      <p:pic>
-        <p:nvPicPr>
-          <p:cNvPr id="8" name="그림 7">
-            <a:extLst>
-              <a:ext uri="{FF2B5EF4-FFF2-40B4-BE49-F238E27FC236}">
-                <a16:creationId xmlns:a16="http://schemas.microsoft.com/office/drawing/2014/main" id="{A1D44185-6E11-4AD3-9210-3196A36744DE}"/>
-              </a:ext>
-            </a:extLst>
-          </p:cNvPr>
-          <p:cNvPicPr>
-            <a:picLocks noChangeAspect="1"/>
-          </p:cNvPicPr>
-          <p:nvPr/>
-        </p:nvPicPr>
-        <p:blipFill>
-          <a:blip r:embed="rId2"/>
-          <a:stretch>
-            <a:fillRect/>
-          </a:stretch>
-        </p:blipFill>
-        <p:spPr>
-          <a:xfrm>
-            <a:off x="1400906" y="3129093"/>
-            <a:ext cx="5493099" cy="2870484"/>
-          </a:xfrm>
-          <a:prstGeom prst="rect">
-            <a:avLst/>
-          </a:prstGeom>
-        </p:spPr>
-      </p:pic>
-      <p:sp>
-        <p:nvSpPr>
-          <p:cNvPr id="9" name="직사각형 8">
-            <a:extLst>
-              <a:ext uri="{FF2B5EF4-FFF2-40B4-BE49-F238E27FC236}">
-                <a16:creationId xmlns:a16="http://schemas.microsoft.com/office/drawing/2014/main" id="{2C731C84-64D4-4409-8FDC-E26BCB15AE1A}"/>
-              </a:ext>
-            </a:extLst>
-          </p:cNvPr>
-          <p:cNvSpPr/>
-          <p:nvPr/>
-        </p:nvSpPr>
-        <p:spPr>
-          <a:xfrm>
-            <a:off x="5989740" y="3295820"/>
-            <a:ext cx="904266" cy="2703757"/>
-          </a:xfrm>
-          <a:prstGeom prst="rect">
-            <a:avLst/>
-          </a:prstGeom>
-          <a:noFill/>
-          <a:ln w="57150">
-            <a:solidFill>
-              <a:srgbClr val="FF0000"/>
-            </a:solidFill>
-          </a:ln>
-        </p:spPr>
-        <p:style>
-          <a:lnRef idx="2">
-            <a:schemeClr val="accent1">
-              <a:shade val="50000"/>
-            </a:schemeClr>
-          </a:lnRef>
-          <a:fillRef idx="1">
-            <a:schemeClr val="accent1"/>
-          </a:fillRef>
-          <a:effectRef idx="0">
-            <a:schemeClr val="accent1"/>
-          </a:effectRef>
-          <a:fontRef idx="minor">
-            <a:schemeClr val="lt1"/>
-          </a:fontRef>
-        </p:style>
-        <p:txBody>
-          <a:bodyPr rtlCol="0" anchor="ctr"/>
-          <a:lstStyle/>
-          <a:p>
-            <a:pPr algn="ctr"/>
-            <a:endParaRPr lang="ko-KR" altLang="en-US">
-              <a:ln w="57150">
-                <a:solidFill>
-                  <a:schemeClr val="tx1"/>
-                </a:solidFill>
-              </a:ln>
-            </a:endParaRPr>
-          </a:p>
-        </p:txBody>
-      </p:sp>
-    </p:spTree>
-    <p:extLst>
-      <p:ext uri="{BB962C8B-B14F-4D97-AF65-F5344CB8AC3E}">
-        <p14:creationId xmlns:p14="http://schemas.microsoft.com/office/powerpoint/2010/main" val="169186566"/>
       </p:ext>
     </p:extLst>
   </p:cSld>
@@ -10680,6 +10700,798 @@
         </p:nvSpPr>
         <p:spPr>
           <a:xfrm>
+            <a:off x="1400906" y="1777999"/>
+            <a:ext cx="9390178" cy="1183548"/>
+          </a:xfrm>
+        </p:spPr>
+        <p:txBody>
+          <a:bodyPr anchor="t">
+            <a:normAutofit/>
+          </a:bodyPr>
+          <a:lstStyle/>
+          <a:p>
+            <a:pPr algn="l"/>
+            <a:r>
+              <a:rPr lang="ko-KR" altLang="en-US" sz="1600" b="1" dirty="0">
+                <a:solidFill>
+                  <a:srgbClr val="1B3C35"/>
+                </a:solidFill>
+              </a:rPr>
+              <a:t>평균적으로 포화도가 높은 시간대는 </a:t>
+            </a:r>
+            <a:r>
+              <a:rPr lang="en-US" altLang="ko-KR" sz="1600" b="1" dirty="0">
+                <a:solidFill>
+                  <a:srgbClr val="1B3C35"/>
+                </a:solidFill>
+              </a:rPr>
+              <a:t>07~09</a:t>
+            </a:r>
+            <a:r>
+              <a:rPr lang="ko-KR" altLang="en-US" sz="1600" b="1" dirty="0">
+                <a:solidFill>
+                  <a:srgbClr val="1B3C35"/>
+                </a:solidFill>
+              </a:rPr>
+              <a:t>시 </a:t>
+            </a:r>
+            <a:r>
+              <a:rPr lang="en-US" altLang="ko-KR" sz="1600" b="1" dirty="0">
+                <a:solidFill>
+                  <a:srgbClr val="1B3C35"/>
+                </a:solidFill>
+              </a:rPr>
+              <a:t>, 17~19</a:t>
+            </a:r>
+            <a:r>
+              <a:rPr lang="ko-KR" altLang="en-US" sz="1600" b="1" dirty="0">
+                <a:solidFill>
+                  <a:srgbClr val="1B3C35"/>
+                </a:solidFill>
+              </a:rPr>
+              <a:t>시로 출퇴근시간대에 가장 </a:t>
+            </a:r>
+            <a:r>
+              <a:rPr lang="ko-KR" altLang="en-US" sz="1600" b="1" dirty="0" err="1">
+                <a:solidFill>
+                  <a:srgbClr val="1B3C35"/>
+                </a:solidFill>
+              </a:rPr>
+              <a:t>버스별</a:t>
+            </a:r>
+            <a:r>
+              <a:rPr lang="ko-KR" altLang="en-US" sz="1600" b="1" dirty="0">
+                <a:solidFill>
+                  <a:srgbClr val="1B3C35"/>
+                </a:solidFill>
+              </a:rPr>
+              <a:t> 포화도가 </a:t>
+            </a:r>
+            <a:endParaRPr lang="en-US" altLang="ko-KR" sz="1600" b="1" dirty="0">
+              <a:solidFill>
+                <a:srgbClr val="1B3C35"/>
+              </a:solidFill>
+            </a:endParaRPr>
+          </a:p>
+          <a:p>
+            <a:pPr algn="l"/>
+            <a:r>
+              <a:rPr lang="ko-KR" altLang="en-US" sz="1600" b="1" dirty="0">
+                <a:solidFill>
+                  <a:srgbClr val="1B3C35"/>
+                </a:solidFill>
+              </a:rPr>
+              <a:t>높게 나타났다</a:t>
+            </a:r>
+            <a:r>
+              <a:rPr lang="en-US" altLang="ko-KR" sz="1600" b="1" dirty="0">
+                <a:solidFill>
+                  <a:srgbClr val="1B3C35"/>
+                </a:solidFill>
+              </a:rPr>
+              <a:t>.</a:t>
+            </a:r>
+          </a:p>
+          <a:p>
+            <a:pPr algn="l"/>
+            <a:endParaRPr lang="en-US" altLang="ko-KR" sz="1600" b="1" dirty="0">
+              <a:solidFill>
+                <a:srgbClr val="1B3C35"/>
+              </a:solidFill>
+            </a:endParaRPr>
+          </a:p>
+          <a:p>
+            <a:pPr algn="l"/>
+            <a:endParaRPr lang="en-US" altLang="ko-KR" sz="1600" b="1" dirty="0">
+              <a:solidFill>
+                <a:srgbClr val="1B3C35"/>
+              </a:solidFill>
+            </a:endParaRPr>
+          </a:p>
+          <a:p>
+            <a:pPr algn="l"/>
+            <a:endParaRPr lang="en-US" altLang="ko-KR" sz="1600" b="1" dirty="0">
+              <a:solidFill>
+                <a:srgbClr val="1B3C35"/>
+              </a:solidFill>
+            </a:endParaRPr>
+          </a:p>
+          <a:p>
+            <a:pPr algn="l"/>
+            <a:endParaRPr lang="en-US" altLang="ko-KR" sz="1600" b="1" dirty="0">
+              <a:solidFill>
+                <a:srgbClr val="1B3C35"/>
+              </a:solidFill>
+            </a:endParaRPr>
+          </a:p>
+        </p:txBody>
+      </p:sp>
+      <p:pic>
+        <p:nvPicPr>
+          <p:cNvPr id="9" name="그림 8">
+            <a:extLst>
+              <a:ext uri="{FF2B5EF4-FFF2-40B4-BE49-F238E27FC236}">
+                <a16:creationId xmlns:a16="http://schemas.microsoft.com/office/drawing/2014/main" id="{6306662C-B3A9-46CB-A2A3-2544E0226E1E}"/>
+              </a:ext>
+            </a:extLst>
+          </p:cNvPr>
+          <p:cNvPicPr>
+            <a:picLocks noChangeAspect="1"/>
+          </p:cNvPicPr>
+          <p:nvPr/>
+        </p:nvPicPr>
+        <p:blipFill>
+          <a:blip r:embed="rId2"/>
+          <a:stretch>
+            <a:fillRect/>
+          </a:stretch>
+        </p:blipFill>
+        <p:spPr>
+          <a:xfrm>
+            <a:off x="882264" y="2617776"/>
+            <a:ext cx="5745039" cy="2483203"/>
+          </a:xfrm>
+          <a:prstGeom prst="rect">
+            <a:avLst/>
+          </a:prstGeom>
+        </p:spPr>
+      </p:pic>
+      <p:sp>
+        <p:nvSpPr>
+          <p:cNvPr id="10" name="TextBox 9">
+            <a:extLst>
+              <a:ext uri="{FF2B5EF4-FFF2-40B4-BE49-F238E27FC236}">
+                <a16:creationId xmlns:a16="http://schemas.microsoft.com/office/drawing/2014/main" id="{0E17C53D-8E09-4E0C-BDBF-7A4AD5BBAD6C}"/>
+              </a:ext>
+            </a:extLst>
+          </p:cNvPr>
+          <p:cNvSpPr txBox="1"/>
+          <p:nvPr/>
+        </p:nvSpPr>
+        <p:spPr>
+          <a:xfrm>
+            <a:off x="4171963" y="5203463"/>
+            <a:ext cx="2667699" cy="369332"/>
+          </a:xfrm>
+          <a:prstGeom prst="rect">
+            <a:avLst/>
+          </a:prstGeom>
+          <a:noFill/>
+        </p:spPr>
+        <p:txBody>
+          <a:bodyPr wrap="square" rtlCol="0">
+            <a:spAutoFit/>
+          </a:bodyPr>
+          <a:lstStyle/>
+          <a:p>
+            <a:r>
+              <a:rPr lang="ko-KR" altLang="en-US" dirty="0"/>
+              <a:t>그림 </a:t>
+            </a:r>
+            <a:r>
+              <a:rPr lang="en-US" altLang="ko-KR" dirty="0"/>
+              <a:t>: 4</a:t>
+            </a:r>
+            <a:r>
+              <a:rPr lang="ko-KR" altLang="en-US" dirty="0"/>
+              <a:t>월 포화도 계산</a:t>
+            </a:r>
+          </a:p>
+        </p:txBody>
+      </p:sp>
+      <p:pic>
+        <p:nvPicPr>
+          <p:cNvPr id="12" name="그림 11">
+            <a:extLst>
+              <a:ext uri="{FF2B5EF4-FFF2-40B4-BE49-F238E27FC236}">
+                <a16:creationId xmlns:a16="http://schemas.microsoft.com/office/drawing/2014/main" id="{6EF85EB3-DBEB-4BDD-8B31-5533116733CA}"/>
+              </a:ext>
+            </a:extLst>
+          </p:cNvPr>
+          <p:cNvPicPr>
+            <a:picLocks noChangeAspect="1"/>
+          </p:cNvPicPr>
+          <p:nvPr/>
+        </p:nvPicPr>
+        <p:blipFill>
+          <a:blip r:embed="rId3"/>
+          <a:stretch>
+            <a:fillRect/>
+          </a:stretch>
+        </p:blipFill>
+        <p:spPr>
+          <a:xfrm>
+            <a:off x="6839662" y="2201992"/>
+            <a:ext cx="4557931" cy="2889755"/>
+          </a:xfrm>
+          <a:prstGeom prst="rect">
+            <a:avLst/>
+          </a:prstGeom>
+        </p:spPr>
+      </p:pic>
+    </p:spTree>
+    <p:extLst>
+      <p:ext uri="{BB962C8B-B14F-4D97-AF65-F5344CB8AC3E}">
+        <p14:creationId xmlns:p14="http://schemas.microsoft.com/office/powerpoint/2010/main" val="1086785600"/>
+      </p:ext>
+    </p:extLst>
+  </p:cSld>
+  <p:clrMapOvr>
+    <a:masterClrMapping/>
+  </p:clrMapOvr>
+</p:sld>
+</file>
+
+<file path=ppt/slides/slide21.xml><?xml version="1.0" encoding="utf-8"?>
+<p:sld xmlns:a="http://schemas.openxmlformats.org/drawingml/2006/main" xmlns:r="http://schemas.openxmlformats.org/officeDocument/2006/relationships" xmlns:p="http://schemas.openxmlformats.org/presentationml/2006/main">
+  <p:cSld>
+    <p:spTree>
+      <p:nvGrpSpPr>
+        <p:cNvPr id="1" name=""/>
+        <p:cNvGrpSpPr/>
+        <p:nvPr/>
+      </p:nvGrpSpPr>
+      <p:grpSpPr>
+        <a:xfrm>
+          <a:off x="0" y="0"/>
+          <a:ext cx="0" cy="0"/>
+          <a:chOff x="0" y="0"/>
+          <a:chExt cx="0" cy="0"/>
+        </a:xfrm>
+      </p:grpSpPr>
+      <p:sp>
+        <p:nvSpPr>
+          <p:cNvPr id="2" name="제목 1">
+            <a:extLst>
+              <a:ext uri="{FF2B5EF4-FFF2-40B4-BE49-F238E27FC236}">
+                <a16:creationId xmlns:a16="http://schemas.microsoft.com/office/drawing/2014/main" id="{805BACAF-D5BC-47ED-BA2E-A0EA85EF0623}"/>
+              </a:ext>
+            </a:extLst>
+          </p:cNvPr>
+          <p:cNvSpPr>
+            <a:spLocks noGrp="1"/>
+          </p:cNvSpPr>
+          <p:nvPr>
+            <p:ph type="title"/>
+          </p:nvPr>
+        </p:nvSpPr>
+        <p:spPr/>
+        <p:txBody>
+          <a:bodyPr/>
+          <a:lstStyle/>
+          <a:p>
+            <a:r>
+              <a:rPr lang="en-US" altLang="ko-KR" dirty="0"/>
+              <a:t>4. </a:t>
+            </a:r>
+            <a:r>
+              <a:rPr lang="ko-KR" altLang="en-US" dirty="0"/>
+              <a:t>예측결과 설명</a:t>
+            </a:r>
+          </a:p>
+        </p:txBody>
+      </p:sp>
+      <p:sp>
+        <p:nvSpPr>
+          <p:cNvPr id="3" name="바닥글 개체 틀 2">
+            <a:extLst>
+              <a:ext uri="{FF2B5EF4-FFF2-40B4-BE49-F238E27FC236}">
+                <a16:creationId xmlns:a16="http://schemas.microsoft.com/office/drawing/2014/main" id="{3D1184B4-BFC8-457E-906D-71960C6D3846}"/>
+              </a:ext>
+            </a:extLst>
+          </p:cNvPr>
+          <p:cNvSpPr>
+            <a:spLocks noGrp="1"/>
+          </p:cNvSpPr>
+          <p:nvPr>
+            <p:ph type="ftr" sz="quarter" idx="11"/>
+          </p:nvPr>
+        </p:nvSpPr>
+        <p:spPr/>
+        <p:txBody>
+          <a:bodyPr/>
+          <a:lstStyle/>
+          <a:p>
+            <a:r>
+              <a:rPr lang="en-US"/>
+              <a:t>Designed By L@rgo. ADSTORE</a:t>
+            </a:r>
+            <a:endParaRPr lang="en-US" dirty="0"/>
+          </a:p>
+        </p:txBody>
+      </p:sp>
+      <p:sp>
+        <p:nvSpPr>
+          <p:cNvPr id="5" name="슬라이드 번호 개체 틀 4">
+            <a:extLst>
+              <a:ext uri="{FF2B5EF4-FFF2-40B4-BE49-F238E27FC236}">
+                <a16:creationId xmlns:a16="http://schemas.microsoft.com/office/drawing/2014/main" id="{D39FDFF0-4E02-4458-AE0D-0E83F5181FC2}"/>
+              </a:ext>
+            </a:extLst>
+          </p:cNvPr>
+          <p:cNvSpPr>
+            <a:spLocks noGrp="1"/>
+          </p:cNvSpPr>
+          <p:nvPr>
+            <p:ph type="sldNum" sz="quarter" idx="12"/>
+          </p:nvPr>
+        </p:nvSpPr>
+        <p:spPr/>
+        <p:txBody>
+          <a:bodyPr/>
+          <a:lstStyle/>
+          <a:p>
+            <a:fld id="{15812C5A-9CF7-4A8D-A41D-9E74470054A5}" type="slidenum">
+              <a:rPr lang="ko-KR" altLang="en-US" smtClean="0"/>
+              <a:pPr/>
+              <a:t>21</a:t>
+            </a:fld>
+            <a:endParaRPr lang="ko-KR" altLang="en-US" dirty="0"/>
+          </a:p>
+        </p:txBody>
+      </p:sp>
+      <p:sp>
+        <p:nvSpPr>
+          <p:cNvPr id="6" name="부제목 5">
+            <a:extLst>
+              <a:ext uri="{FF2B5EF4-FFF2-40B4-BE49-F238E27FC236}">
+                <a16:creationId xmlns:a16="http://schemas.microsoft.com/office/drawing/2014/main" id="{485D1D4A-E6F0-45D2-B08D-1B89EFE6C6A4}"/>
+              </a:ext>
+            </a:extLst>
+          </p:cNvPr>
+          <p:cNvSpPr>
+            <a:spLocks noGrp="1"/>
+          </p:cNvSpPr>
+          <p:nvPr>
+            <p:ph type="subTitle" idx="14"/>
+          </p:nvPr>
+        </p:nvSpPr>
+        <p:spPr/>
+        <p:txBody>
+          <a:bodyPr/>
+          <a:lstStyle/>
+          <a:p>
+            <a:endParaRPr lang="ko-KR" altLang="en-US"/>
+          </a:p>
+        </p:txBody>
+      </p:sp>
+      <p:sp>
+        <p:nvSpPr>
+          <p:cNvPr id="7" name="텍스트 개체 틀 3">
+            <a:extLst>
+              <a:ext uri="{FF2B5EF4-FFF2-40B4-BE49-F238E27FC236}">
+                <a16:creationId xmlns:a16="http://schemas.microsoft.com/office/drawing/2014/main" id="{88B565E4-1E42-4CE3-BC42-DEEF3B50A136}"/>
+              </a:ext>
+            </a:extLst>
+          </p:cNvPr>
+          <p:cNvSpPr>
+            <a:spLocks noGrp="1"/>
+          </p:cNvSpPr>
+          <p:nvPr>
+            <p:ph type="body" sz="quarter" idx="13"/>
+          </p:nvPr>
+        </p:nvSpPr>
+        <p:spPr>
+          <a:xfrm>
+            <a:off x="1400905" y="1777999"/>
+            <a:ext cx="9563505" cy="1183548"/>
+          </a:xfrm>
+        </p:spPr>
+        <p:txBody>
+          <a:bodyPr anchor="t">
+            <a:normAutofit/>
+          </a:bodyPr>
+          <a:lstStyle/>
+          <a:p>
+            <a:pPr algn="l"/>
+            <a:r>
+              <a:rPr lang="ko-KR" altLang="en-US" sz="1600" b="1" dirty="0">
+                <a:solidFill>
+                  <a:srgbClr val="1B3C35"/>
+                </a:solidFill>
+              </a:rPr>
+              <a:t>따라서 이에 대해 증차를 실시 한 결과</a:t>
+            </a:r>
+            <a:r>
+              <a:rPr lang="en-US" altLang="ko-KR" sz="1600" b="1" dirty="0">
+                <a:solidFill>
+                  <a:srgbClr val="1B3C35"/>
+                </a:solidFill>
+              </a:rPr>
+              <a:t>, </a:t>
+            </a:r>
+            <a:r>
+              <a:rPr lang="ko-KR" altLang="en-US" sz="1600" b="1" dirty="0">
+                <a:solidFill>
+                  <a:srgbClr val="1B3C35"/>
+                </a:solidFill>
+              </a:rPr>
+              <a:t>시간당 약 </a:t>
+            </a:r>
+            <a:r>
+              <a:rPr lang="en-US" altLang="ko-KR" sz="1600" b="1" dirty="0">
+                <a:solidFill>
+                  <a:srgbClr val="1B3C35"/>
+                </a:solidFill>
+              </a:rPr>
+              <a:t>3~8</a:t>
+            </a:r>
+            <a:r>
+              <a:rPr lang="ko-KR" altLang="en-US" sz="1600" b="1" dirty="0">
+                <a:solidFill>
+                  <a:srgbClr val="1B3C35"/>
+                </a:solidFill>
+              </a:rPr>
+              <a:t>대의 차량을 증차 시킨다면 포화도를 상당히 낮출 수 있다는 결론에 다다른다</a:t>
+            </a:r>
+            <a:r>
+              <a:rPr lang="en-US" altLang="ko-KR" sz="1600" b="1" dirty="0">
+                <a:solidFill>
+                  <a:srgbClr val="1B3C35"/>
+                </a:solidFill>
+              </a:rPr>
+              <a:t>.</a:t>
+            </a:r>
+            <a:r>
+              <a:rPr lang="ko-KR" altLang="en-US" sz="1600" b="1" dirty="0">
+                <a:solidFill>
+                  <a:srgbClr val="1B3C35"/>
+                </a:solidFill>
+              </a:rPr>
+              <a:t> </a:t>
+            </a:r>
+            <a:endParaRPr lang="en-US" altLang="ko-KR" sz="1600" b="1" dirty="0">
+              <a:solidFill>
+                <a:srgbClr val="1B3C35"/>
+              </a:solidFill>
+            </a:endParaRPr>
+          </a:p>
+          <a:p>
+            <a:pPr algn="l"/>
+            <a:endParaRPr lang="en-US" altLang="ko-KR" sz="1600" b="1" dirty="0">
+              <a:solidFill>
+                <a:srgbClr val="1B3C35"/>
+              </a:solidFill>
+            </a:endParaRPr>
+          </a:p>
+          <a:p>
+            <a:pPr algn="l"/>
+            <a:endParaRPr lang="en-US" altLang="ko-KR" sz="1600" b="1" dirty="0">
+              <a:solidFill>
+                <a:srgbClr val="1B3C35"/>
+              </a:solidFill>
+            </a:endParaRPr>
+          </a:p>
+          <a:p>
+            <a:pPr algn="l"/>
+            <a:endParaRPr lang="en-US" altLang="ko-KR" sz="1600" b="1" dirty="0">
+              <a:solidFill>
+                <a:srgbClr val="1B3C35"/>
+              </a:solidFill>
+            </a:endParaRPr>
+          </a:p>
+        </p:txBody>
+      </p:sp>
+      <p:sp>
+        <p:nvSpPr>
+          <p:cNvPr id="10" name="TextBox 9">
+            <a:extLst>
+              <a:ext uri="{FF2B5EF4-FFF2-40B4-BE49-F238E27FC236}">
+                <a16:creationId xmlns:a16="http://schemas.microsoft.com/office/drawing/2014/main" id="{0E17C53D-8E09-4E0C-BDBF-7A4AD5BBAD6C}"/>
+              </a:ext>
+            </a:extLst>
+          </p:cNvPr>
+          <p:cNvSpPr txBox="1"/>
+          <p:nvPr/>
+        </p:nvSpPr>
+        <p:spPr>
+          <a:xfrm>
+            <a:off x="6979640" y="5572795"/>
+            <a:ext cx="2667699" cy="369332"/>
+          </a:xfrm>
+          <a:prstGeom prst="rect">
+            <a:avLst/>
+          </a:prstGeom>
+          <a:noFill/>
+        </p:spPr>
+        <p:txBody>
+          <a:bodyPr wrap="square" rtlCol="0">
+            <a:spAutoFit/>
+          </a:bodyPr>
+          <a:lstStyle/>
+          <a:p>
+            <a:r>
+              <a:rPr lang="ko-KR" altLang="en-US" dirty="0"/>
+              <a:t>그림 </a:t>
+            </a:r>
+            <a:r>
+              <a:rPr lang="en-US" altLang="ko-KR" dirty="0"/>
+              <a:t>: 4</a:t>
+            </a:r>
+            <a:r>
+              <a:rPr lang="ko-KR" altLang="en-US" dirty="0"/>
+              <a:t>월 </a:t>
+            </a:r>
+            <a:r>
+              <a:rPr lang="ko-KR" altLang="en-US" dirty="0" err="1"/>
+              <a:t>동적배차시간</a:t>
+            </a:r>
+            <a:endParaRPr lang="ko-KR" altLang="en-US" dirty="0"/>
+          </a:p>
+        </p:txBody>
+      </p:sp>
+      <p:pic>
+        <p:nvPicPr>
+          <p:cNvPr id="8" name="그림 7">
+            <a:extLst>
+              <a:ext uri="{FF2B5EF4-FFF2-40B4-BE49-F238E27FC236}">
+                <a16:creationId xmlns:a16="http://schemas.microsoft.com/office/drawing/2014/main" id="{A1D44185-6E11-4AD3-9210-3196A36744DE}"/>
+              </a:ext>
+            </a:extLst>
+          </p:cNvPr>
+          <p:cNvPicPr>
+            <a:picLocks noChangeAspect="1"/>
+          </p:cNvPicPr>
+          <p:nvPr/>
+        </p:nvPicPr>
+        <p:blipFill>
+          <a:blip r:embed="rId2"/>
+          <a:stretch>
+            <a:fillRect/>
+          </a:stretch>
+        </p:blipFill>
+        <p:spPr>
+          <a:xfrm>
+            <a:off x="1400906" y="3129093"/>
+            <a:ext cx="5493099" cy="2870484"/>
+          </a:xfrm>
+          <a:prstGeom prst="rect">
+            <a:avLst/>
+          </a:prstGeom>
+        </p:spPr>
+      </p:pic>
+      <p:sp>
+        <p:nvSpPr>
+          <p:cNvPr id="9" name="직사각형 8">
+            <a:extLst>
+              <a:ext uri="{FF2B5EF4-FFF2-40B4-BE49-F238E27FC236}">
+                <a16:creationId xmlns:a16="http://schemas.microsoft.com/office/drawing/2014/main" id="{2C731C84-64D4-4409-8FDC-E26BCB15AE1A}"/>
+              </a:ext>
+            </a:extLst>
+          </p:cNvPr>
+          <p:cNvSpPr/>
+          <p:nvPr/>
+        </p:nvSpPr>
+        <p:spPr>
+          <a:xfrm>
+            <a:off x="5989740" y="3295820"/>
+            <a:ext cx="904266" cy="2703757"/>
+          </a:xfrm>
+          <a:prstGeom prst="rect">
+            <a:avLst/>
+          </a:prstGeom>
+          <a:noFill/>
+          <a:ln w="57150">
+            <a:solidFill>
+              <a:srgbClr val="FF0000"/>
+            </a:solidFill>
+          </a:ln>
+        </p:spPr>
+        <p:style>
+          <a:lnRef idx="2">
+            <a:schemeClr val="accent1">
+              <a:shade val="50000"/>
+            </a:schemeClr>
+          </a:lnRef>
+          <a:fillRef idx="1">
+            <a:schemeClr val="accent1"/>
+          </a:fillRef>
+          <a:effectRef idx="0">
+            <a:schemeClr val="accent1"/>
+          </a:effectRef>
+          <a:fontRef idx="minor">
+            <a:schemeClr val="lt1"/>
+          </a:fontRef>
+        </p:style>
+        <p:txBody>
+          <a:bodyPr rtlCol="0" anchor="ctr"/>
+          <a:lstStyle/>
+          <a:p>
+            <a:pPr algn="ctr"/>
+            <a:endParaRPr lang="ko-KR" altLang="en-US">
+              <a:ln w="57150">
+                <a:solidFill>
+                  <a:schemeClr val="tx1"/>
+                </a:solidFill>
+              </a:ln>
+            </a:endParaRPr>
+          </a:p>
+        </p:txBody>
+      </p:sp>
+    </p:spTree>
+    <p:extLst>
+      <p:ext uri="{BB962C8B-B14F-4D97-AF65-F5344CB8AC3E}">
+        <p14:creationId xmlns:p14="http://schemas.microsoft.com/office/powerpoint/2010/main" val="169186566"/>
+      </p:ext>
+    </p:extLst>
+  </p:cSld>
+  <p:clrMapOvr>
+    <a:masterClrMapping/>
+  </p:clrMapOvr>
+</p:sld>
+</file>
+
+<file path=ppt/slides/slide22.xml><?xml version="1.0" encoding="utf-8"?>
+<p:sld xmlns:a="http://schemas.openxmlformats.org/drawingml/2006/main" xmlns:r="http://schemas.openxmlformats.org/officeDocument/2006/relationships" xmlns:p="http://schemas.openxmlformats.org/presentationml/2006/main">
+  <p:cSld>
+    <p:spTree>
+      <p:nvGrpSpPr>
+        <p:cNvPr id="1" name=""/>
+        <p:cNvGrpSpPr/>
+        <p:nvPr/>
+      </p:nvGrpSpPr>
+      <p:grpSpPr>
+        <a:xfrm>
+          <a:off x="0" y="0"/>
+          <a:ext cx="0" cy="0"/>
+          <a:chOff x="0" y="0"/>
+          <a:chExt cx="0" cy="0"/>
+        </a:xfrm>
+      </p:grpSpPr>
+      <p:sp>
+        <p:nvSpPr>
+          <p:cNvPr id="2" name="제목 1">
+            <a:extLst>
+              <a:ext uri="{FF2B5EF4-FFF2-40B4-BE49-F238E27FC236}">
+                <a16:creationId xmlns:a16="http://schemas.microsoft.com/office/drawing/2014/main" id="{805BACAF-D5BC-47ED-BA2E-A0EA85EF0623}"/>
+              </a:ext>
+            </a:extLst>
+          </p:cNvPr>
+          <p:cNvSpPr>
+            <a:spLocks noGrp="1"/>
+          </p:cNvSpPr>
+          <p:nvPr>
+            <p:ph type="title"/>
+          </p:nvPr>
+        </p:nvSpPr>
+        <p:spPr/>
+        <p:txBody>
+          <a:bodyPr/>
+          <a:lstStyle/>
+          <a:p>
+            <a:r>
+              <a:rPr lang="en-US" altLang="ko-KR" dirty="0"/>
+              <a:t>4. </a:t>
+            </a:r>
+            <a:r>
+              <a:rPr lang="ko-KR" altLang="en-US" dirty="0"/>
+              <a:t>예측결과 설명</a:t>
+            </a:r>
+          </a:p>
+        </p:txBody>
+      </p:sp>
+      <p:sp>
+        <p:nvSpPr>
+          <p:cNvPr id="3" name="바닥글 개체 틀 2">
+            <a:extLst>
+              <a:ext uri="{FF2B5EF4-FFF2-40B4-BE49-F238E27FC236}">
+                <a16:creationId xmlns:a16="http://schemas.microsoft.com/office/drawing/2014/main" id="{3D1184B4-BFC8-457E-906D-71960C6D3846}"/>
+              </a:ext>
+            </a:extLst>
+          </p:cNvPr>
+          <p:cNvSpPr>
+            <a:spLocks noGrp="1"/>
+          </p:cNvSpPr>
+          <p:nvPr>
+            <p:ph type="ftr" sz="quarter" idx="11"/>
+          </p:nvPr>
+        </p:nvSpPr>
+        <p:spPr/>
+        <p:txBody>
+          <a:bodyPr/>
+          <a:lstStyle/>
+          <a:p>
+            <a:r>
+              <a:rPr lang="en-US"/>
+              <a:t>Designed By L@rgo. ADSTORE</a:t>
+            </a:r>
+            <a:endParaRPr lang="en-US" dirty="0"/>
+          </a:p>
+        </p:txBody>
+      </p:sp>
+      <p:sp>
+        <p:nvSpPr>
+          <p:cNvPr id="5" name="슬라이드 번호 개체 틀 4">
+            <a:extLst>
+              <a:ext uri="{FF2B5EF4-FFF2-40B4-BE49-F238E27FC236}">
+                <a16:creationId xmlns:a16="http://schemas.microsoft.com/office/drawing/2014/main" id="{D39FDFF0-4E02-4458-AE0D-0E83F5181FC2}"/>
+              </a:ext>
+            </a:extLst>
+          </p:cNvPr>
+          <p:cNvSpPr>
+            <a:spLocks noGrp="1"/>
+          </p:cNvSpPr>
+          <p:nvPr>
+            <p:ph type="sldNum" sz="quarter" idx="12"/>
+          </p:nvPr>
+        </p:nvSpPr>
+        <p:spPr/>
+        <p:txBody>
+          <a:bodyPr/>
+          <a:lstStyle/>
+          <a:p>
+            <a:fld id="{15812C5A-9CF7-4A8D-A41D-9E74470054A5}" type="slidenum">
+              <a:rPr lang="ko-KR" altLang="en-US" smtClean="0"/>
+              <a:pPr/>
+              <a:t>22</a:t>
+            </a:fld>
+            <a:endParaRPr lang="ko-KR" altLang="en-US" dirty="0"/>
+          </a:p>
+        </p:txBody>
+      </p:sp>
+      <p:sp>
+        <p:nvSpPr>
+          <p:cNvPr id="6" name="부제목 5">
+            <a:extLst>
+              <a:ext uri="{FF2B5EF4-FFF2-40B4-BE49-F238E27FC236}">
+                <a16:creationId xmlns:a16="http://schemas.microsoft.com/office/drawing/2014/main" id="{485D1D4A-E6F0-45D2-B08D-1B89EFE6C6A4}"/>
+              </a:ext>
+            </a:extLst>
+          </p:cNvPr>
+          <p:cNvSpPr>
+            <a:spLocks noGrp="1"/>
+          </p:cNvSpPr>
+          <p:nvPr>
+            <p:ph type="subTitle" idx="14"/>
+          </p:nvPr>
+        </p:nvSpPr>
+        <p:spPr/>
+        <p:txBody>
+          <a:bodyPr/>
+          <a:lstStyle/>
+          <a:p>
+            <a:endParaRPr lang="ko-KR" altLang="en-US"/>
+          </a:p>
+        </p:txBody>
+      </p:sp>
+      <p:sp>
+        <p:nvSpPr>
+          <p:cNvPr id="7" name="텍스트 개체 틀 3">
+            <a:extLst>
+              <a:ext uri="{FF2B5EF4-FFF2-40B4-BE49-F238E27FC236}">
+                <a16:creationId xmlns:a16="http://schemas.microsoft.com/office/drawing/2014/main" id="{88B565E4-1E42-4CE3-BC42-DEEF3B50A136}"/>
+              </a:ext>
+            </a:extLst>
+          </p:cNvPr>
+          <p:cNvSpPr>
+            <a:spLocks noGrp="1"/>
+          </p:cNvSpPr>
+          <p:nvPr>
+            <p:ph type="body" sz="quarter" idx="13"/>
+          </p:nvPr>
+        </p:nvSpPr>
+        <p:spPr>
+          <a:xfrm>
             <a:off x="1400905" y="1777999"/>
             <a:ext cx="9757850" cy="1451762"/>
           </a:xfrm>
@@ -11011,7 +11823,7 @@
 </p:sld>
 </file>
 
-<file path=ppt/slides/slide21.xml><?xml version="1.0" encoding="utf-8"?>
+<file path=ppt/slides/slide23.xml><?xml version="1.0" encoding="utf-8"?>
 <p:sld xmlns:a="http://schemas.openxmlformats.org/drawingml/2006/main" xmlns:r="http://schemas.openxmlformats.org/officeDocument/2006/relationships" xmlns:p="http://schemas.openxmlformats.org/presentationml/2006/main">
   <p:cSld>
     <p:spTree>
@@ -11113,7 +11925,7 @@
             <a:fld id="{15812C5A-9CF7-4A8D-A41D-9E74470054A5}" type="slidenum">
               <a:rPr lang="ko-KR" altLang="en-US" smtClean="0"/>
               <a:pPr/>
-              <a:t>21</a:t>
+              <a:t>23</a:t>
             </a:fld>
             <a:endParaRPr lang="ko-KR" altLang="en-US" dirty="0"/>
           </a:p>
@@ -11503,7 +12315,7 @@
 </p:sld>
 </file>
 
-<file path=ppt/slides/slide22.xml><?xml version="1.0" encoding="utf-8"?>
+<file path=ppt/slides/slide24.xml><?xml version="1.0" encoding="utf-8"?>
 <p:sld xmlns:a="http://schemas.openxmlformats.org/drawingml/2006/main" xmlns:r="http://schemas.openxmlformats.org/officeDocument/2006/relationships" xmlns:p="http://schemas.openxmlformats.org/presentationml/2006/main">
   <p:cSld>
     <p:spTree>
@@ -11605,7 +12417,7 @@
             <a:fld id="{15812C5A-9CF7-4A8D-A41D-9E74470054A5}" type="slidenum">
               <a:rPr lang="ko-KR" altLang="en-US" smtClean="0"/>
               <a:pPr/>
-              <a:t>22</a:t>
+              <a:t>24</a:t>
             </a:fld>
             <a:endParaRPr lang="ko-KR" altLang="en-US" dirty="0"/>
           </a:p>
@@ -11856,7 +12668,7 @@
 </p:sld>
 </file>
 
-<file path=ppt/slides/slide23.xml><?xml version="1.0" encoding="utf-8"?>
+<file path=ppt/slides/slide25.xml><?xml version="1.0" encoding="utf-8"?>
 <p:sld xmlns:a="http://schemas.openxmlformats.org/drawingml/2006/main" xmlns:r="http://schemas.openxmlformats.org/officeDocument/2006/relationships" xmlns:p="http://schemas.openxmlformats.org/presentationml/2006/main">
   <p:cSld>
     <p:spTree>
@@ -12034,7 +12846,7 @@
             <a:fld id="{15812C5A-9CF7-4A8D-A41D-9E74470054A5}" type="slidenum">
               <a:rPr lang="ko-KR" altLang="en-US" smtClean="0"/>
               <a:pPr/>
-              <a:t>23</a:t>
+              <a:t>25</a:t>
             </a:fld>
             <a:endParaRPr lang="ko-KR" altLang="en-US" dirty="0"/>
           </a:p>
@@ -12415,7 +13227,12 @@
             <p:ph type="body" sz="quarter" idx="13"/>
           </p:nvPr>
         </p:nvSpPr>
-        <p:spPr/>
+        <p:spPr>
+          <a:xfrm>
+            <a:off x="864066" y="5080000"/>
+            <a:ext cx="10514800" cy="1073506"/>
+          </a:xfrm>
+        </p:spPr>
         <p:txBody>
           <a:bodyPr>
             <a:normAutofit/>
@@ -12423,48 +13240,14 @@
           <a:lstStyle/>
           <a:p>
             <a:r>
-              <a:rPr lang="ko-KR" altLang="en-US" sz="2400" b="1" dirty="0">
-                <a:solidFill>
-                  <a:srgbClr val="1B3C35"/>
-                </a:solidFill>
-              </a:rPr>
-              <a:t>시흥시 경유노선의 노선</a:t>
-            </a:r>
-            <a:r>
-              <a:rPr lang="en-US" altLang="ko-KR" sz="2400" b="1" dirty="0">
-                <a:solidFill>
-                  <a:srgbClr val="1B3C35"/>
-                </a:solidFill>
-              </a:rPr>
-              <a:t> /  </a:t>
-            </a:r>
-            <a:r>
-              <a:rPr lang="ko-KR" altLang="en-US" sz="2400" b="1" dirty="0">
-                <a:solidFill>
-                  <a:srgbClr val="1B3C35"/>
-                </a:solidFill>
-              </a:rPr>
-              <a:t>시간별 포화도를 계산하고</a:t>
-            </a:r>
-            <a:r>
-              <a:rPr lang="en-US" altLang="ko-KR" sz="2400" b="1" dirty="0">
-                <a:solidFill>
-                  <a:srgbClr val="1B3C35"/>
-                </a:solidFill>
-              </a:rPr>
-              <a:t>,</a:t>
-            </a:r>
-          </a:p>
-          <a:p>
-            <a:r>
-              <a:rPr lang="ko-KR" altLang="en-US" sz="2400" b="1" dirty="0">
-                <a:solidFill>
-                  <a:srgbClr val="1B3C35"/>
-                </a:solidFill>
-              </a:rPr>
-              <a:t>그 포화도 수치에 따라 버스노선을 특정시간대에 </a:t>
-            </a:r>
-            <a:endParaRPr lang="en-US" altLang="ko-KR" sz="2400" b="1" dirty="0">
+              <a:rPr lang="ko-KR" altLang="en-US" sz="1800" b="1" dirty="0">
+                <a:solidFill>
+                  <a:srgbClr val="1B3C35"/>
+                </a:solidFill>
+              </a:rPr>
+              <a:t>시흥시 사회조사 보고서에 따르면 </a:t>
+            </a:r>
+            <a:endParaRPr lang="en-US" altLang="ko-KR" sz="1800" b="1" dirty="0">
               <a:solidFill>
                 <a:srgbClr val="1B3C35"/>
               </a:solidFill>
@@ -12472,48 +13255,76 @@
           </a:p>
           <a:p>
             <a:r>
-              <a:rPr lang="ko-KR" altLang="en-US" sz="2400" b="1" dirty="0">
-                <a:solidFill>
-                  <a:srgbClr val="1B3C35"/>
-                </a:solidFill>
-              </a:rPr>
-              <a:t>증차 및 감차를 실행</a:t>
-            </a:r>
-            <a:endParaRPr lang="en-US" altLang="ko-KR" sz="2400" b="1" dirty="0">
+              <a:rPr lang="ko-KR" altLang="en-US" sz="1800" b="1" dirty="0">
+                <a:solidFill>
+                  <a:srgbClr val="1B3C35"/>
+                </a:solidFill>
+              </a:rPr>
+              <a:t>지하철</a:t>
+            </a:r>
+            <a:r>
+              <a:rPr lang="en-US" altLang="ko-KR" sz="1800" b="1" dirty="0">
+                <a:solidFill>
+                  <a:srgbClr val="1B3C35"/>
+                </a:solidFill>
+              </a:rPr>
+              <a:t>/</a:t>
+            </a:r>
+            <a:r>
+              <a:rPr lang="ko-KR" altLang="en-US" sz="1800" b="1" dirty="0">
+                <a:solidFill>
+                  <a:srgbClr val="1B3C35"/>
+                </a:solidFill>
+              </a:rPr>
+              <a:t>경전철에 비해 버스의 만족도는 약 </a:t>
+            </a:r>
+            <a:r>
+              <a:rPr lang="en-US" altLang="ko-KR" sz="1800" b="1" dirty="0">
+                <a:solidFill>
+                  <a:srgbClr val="FF0000"/>
+                </a:solidFill>
+              </a:rPr>
+              <a:t>10%</a:t>
+            </a:r>
+            <a:r>
+              <a:rPr lang="ko-KR" altLang="en-US" sz="1800" b="1" dirty="0">
+                <a:solidFill>
+                  <a:srgbClr val="1B3C35"/>
+                </a:solidFill>
+              </a:rPr>
+              <a:t>가량 더 낮고</a:t>
+            </a:r>
+            <a:endParaRPr lang="en-US" altLang="ko-KR" sz="1800" b="1" dirty="0">
               <a:solidFill>
                 <a:srgbClr val="1B3C35"/>
               </a:solidFill>
             </a:endParaRPr>
           </a:p>
           <a:p>
-            <a:endParaRPr lang="en-US" altLang="ko-KR" sz="2400" b="1" dirty="0">
-              <a:solidFill>
-                <a:srgbClr val="1B3C35"/>
-              </a:solidFill>
-            </a:endParaRPr>
-          </a:p>
-          <a:p>
-            <a:r>
-              <a:rPr lang="ko-KR" altLang="en-US" sz="2400" b="1" dirty="0">
-                <a:solidFill>
-                  <a:srgbClr val="1B3C35"/>
-                </a:solidFill>
-              </a:rPr>
-              <a:t>보다 더 나은 버스 이용환경을 제공하고자 함</a:t>
-            </a:r>
-            <a:r>
-              <a:rPr lang="en-US" altLang="ko-KR" sz="2400" b="1" dirty="0">
-                <a:solidFill>
-                  <a:srgbClr val="1B3C35"/>
-                </a:solidFill>
-              </a:rPr>
-              <a:t>.</a:t>
-            </a:r>
-            <a:endParaRPr lang="ko-KR" altLang="en-US" sz="2400" b="1" dirty="0">
-              <a:solidFill>
-                <a:srgbClr val="1B3C35"/>
-              </a:solidFill>
-            </a:endParaRPr>
+            <a:r>
+              <a:rPr lang="ko-KR" altLang="en-US" sz="1800" b="1" dirty="0">
+                <a:solidFill>
+                  <a:srgbClr val="1B3C35"/>
+                </a:solidFill>
+              </a:rPr>
+              <a:t>불만족도는 </a:t>
+            </a:r>
+            <a:r>
+              <a:rPr lang="en-US" altLang="ko-KR" sz="1800" b="1" dirty="0">
+                <a:solidFill>
+                  <a:srgbClr val="FF0000"/>
+                </a:solidFill>
+              </a:rPr>
+              <a:t>8%</a:t>
+            </a:r>
+            <a:r>
+              <a:rPr lang="ko-KR" altLang="en-US" sz="1800" b="1" dirty="0">
+                <a:solidFill>
+                  <a:srgbClr val="1B3C35"/>
+                </a:solidFill>
+              </a:rPr>
+              <a:t>가량 더 높은 것으로 조사되어 짐</a:t>
+            </a:r>
           </a:p>
         </p:txBody>
       </p:sp>
@@ -12542,6 +13353,874 @@
               <a:rPr lang="ko-KR" altLang="en-US" smtClean="0"/>
               <a:pPr/>
               <a:t>3</a:t>
+            </a:fld>
+            <a:endParaRPr lang="ko-KR" altLang="en-US" dirty="0"/>
+          </a:p>
+        </p:txBody>
+      </p:sp>
+      <p:sp>
+        <p:nvSpPr>
+          <p:cNvPr id="6" name="부제목 5">
+            <a:extLst>
+              <a:ext uri="{FF2B5EF4-FFF2-40B4-BE49-F238E27FC236}">
+                <a16:creationId xmlns:a16="http://schemas.microsoft.com/office/drawing/2014/main" id="{5508C852-9C1C-4908-B41B-BE8383107D3D}"/>
+              </a:ext>
+            </a:extLst>
+          </p:cNvPr>
+          <p:cNvSpPr>
+            <a:spLocks noGrp="1"/>
+          </p:cNvSpPr>
+          <p:nvPr>
+            <p:ph type="subTitle" idx="14"/>
+          </p:nvPr>
+        </p:nvSpPr>
+        <p:spPr/>
+        <p:txBody>
+          <a:bodyPr/>
+          <a:lstStyle/>
+          <a:p>
+            <a:endParaRPr lang="ko-KR" altLang="en-US"/>
+          </a:p>
+        </p:txBody>
+      </p:sp>
+      <p:pic>
+        <p:nvPicPr>
+          <p:cNvPr id="7" name="그림 6">
+            <a:extLst>
+              <a:ext uri="{FF2B5EF4-FFF2-40B4-BE49-F238E27FC236}">
+                <a16:creationId xmlns:a16="http://schemas.microsoft.com/office/drawing/2014/main" id="{8B8A17D9-C804-4333-BCF2-B50B79D0DD06}"/>
+              </a:ext>
+            </a:extLst>
+          </p:cNvPr>
+          <p:cNvPicPr/>
+          <p:nvPr/>
+        </p:nvPicPr>
+        <p:blipFill>
+          <a:blip r:embed="rId2"/>
+          <a:stretch>
+            <a:fillRect/>
+          </a:stretch>
+        </p:blipFill>
+        <p:spPr>
+          <a:xfrm>
+            <a:off x="1349973" y="1773805"/>
+            <a:ext cx="4419600" cy="3253105"/>
+          </a:xfrm>
+          <a:prstGeom prst="rect">
+            <a:avLst/>
+          </a:prstGeom>
+        </p:spPr>
+      </p:pic>
+      <p:pic>
+        <p:nvPicPr>
+          <p:cNvPr id="8" name="그림 7">
+            <a:extLst>
+              <a:ext uri="{FF2B5EF4-FFF2-40B4-BE49-F238E27FC236}">
+                <a16:creationId xmlns:a16="http://schemas.microsoft.com/office/drawing/2014/main" id="{4750E5CA-AD3E-45DA-9323-3A6E21A0799A}"/>
+              </a:ext>
+            </a:extLst>
+          </p:cNvPr>
+          <p:cNvPicPr/>
+          <p:nvPr/>
+        </p:nvPicPr>
+        <p:blipFill>
+          <a:blip r:embed="rId3"/>
+          <a:stretch>
+            <a:fillRect/>
+          </a:stretch>
+        </p:blipFill>
+        <p:spPr>
+          <a:xfrm>
+            <a:off x="6422427" y="1777999"/>
+            <a:ext cx="4419600" cy="3253105"/>
+          </a:xfrm>
+          <a:prstGeom prst="rect">
+            <a:avLst/>
+          </a:prstGeom>
+        </p:spPr>
+      </p:pic>
+      <p:sp>
+        <p:nvSpPr>
+          <p:cNvPr id="9" name="직사각형 8">
+            <a:extLst>
+              <a:ext uri="{FF2B5EF4-FFF2-40B4-BE49-F238E27FC236}">
+                <a16:creationId xmlns:a16="http://schemas.microsoft.com/office/drawing/2014/main" id="{E17894B3-B935-42EB-ADE4-A7E29C0B0701}"/>
+              </a:ext>
+            </a:extLst>
+          </p:cNvPr>
+          <p:cNvSpPr/>
+          <p:nvPr/>
+        </p:nvSpPr>
+        <p:spPr>
+          <a:xfrm>
+            <a:off x="3020037" y="2181138"/>
+            <a:ext cx="1862356" cy="327170"/>
+          </a:xfrm>
+          <a:prstGeom prst="rect">
+            <a:avLst/>
+          </a:prstGeom>
+          <a:noFill/>
+          <a:ln w="57150">
+            <a:solidFill>
+              <a:srgbClr val="FF0000"/>
+            </a:solidFill>
+          </a:ln>
+        </p:spPr>
+        <p:style>
+          <a:lnRef idx="2">
+            <a:schemeClr val="accent1">
+              <a:shade val="50000"/>
+            </a:schemeClr>
+          </a:lnRef>
+          <a:fillRef idx="1">
+            <a:schemeClr val="accent1"/>
+          </a:fillRef>
+          <a:effectRef idx="0">
+            <a:schemeClr val="accent1"/>
+          </a:effectRef>
+          <a:fontRef idx="minor">
+            <a:schemeClr val="lt1"/>
+          </a:fontRef>
+        </p:style>
+        <p:txBody>
+          <a:bodyPr rtlCol="0" anchor="ctr"/>
+          <a:lstStyle/>
+          <a:p>
+            <a:pPr algn="ctr"/>
+            <a:endParaRPr lang="ko-KR" altLang="en-US"/>
+          </a:p>
+        </p:txBody>
+      </p:sp>
+      <p:sp>
+        <p:nvSpPr>
+          <p:cNvPr id="10" name="직사각형 9">
+            <a:extLst>
+              <a:ext uri="{FF2B5EF4-FFF2-40B4-BE49-F238E27FC236}">
+                <a16:creationId xmlns:a16="http://schemas.microsoft.com/office/drawing/2014/main" id="{FE37558B-98B1-4072-B2A0-AE75991C9A34}"/>
+              </a:ext>
+            </a:extLst>
+          </p:cNvPr>
+          <p:cNvSpPr/>
+          <p:nvPr/>
+        </p:nvSpPr>
+        <p:spPr>
+          <a:xfrm>
+            <a:off x="8028264" y="2181138"/>
+            <a:ext cx="1711354" cy="327170"/>
+          </a:xfrm>
+          <a:prstGeom prst="rect">
+            <a:avLst/>
+          </a:prstGeom>
+          <a:noFill/>
+          <a:ln w="57150">
+            <a:solidFill>
+              <a:srgbClr val="FF0000"/>
+            </a:solidFill>
+          </a:ln>
+        </p:spPr>
+        <p:style>
+          <a:lnRef idx="2">
+            <a:schemeClr val="accent1">
+              <a:shade val="50000"/>
+            </a:schemeClr>
+          </a:lnRef>
+          <a:fillRef idx="1">
+            <a:schemeClr val="accent1"/>
+          </a:fillRef>
+          <a:effectRef idx="0">
+            <a:schemeClr val="accent1"/>
+          </a:effectRef>
+          <a:fontRef idx="minor">
+            <a:schemeClr val="lt1"/>
+          </a:fontRef>
+        </p:style>
+        <p:txBody>
+          <a:bodyPr rtlCol="0" anchor="ctr"/>
+          <a:lstStyle/>
+          <a:p>
+            <a:pPr algn="ctr"/>
+            <a:endParaRPr lang="ko-KR" altLang="en-US"/>
+          </a:p>
+        </p:txBody>
+      </p:sp>
+      <p:sp>
+        <p:nvSpPr>
+          <p:cNvPr id="11" name="TextBox 10">
+            <a:extLst>
+              <a:ext uri="{FF2B5EF4-FFF2-40B4-BE49-F238E27FC236}">
+                <a16:creationId xmlns:a16="http://schemas.microsoft.com/office/drawing/2014/main" id="{8E847017-3F88-4412-9832-7484CED2D2D3}"/>
+              </a:ext>
+            </a:extLst>
+          </p:cNvPr>
+          <p:cNvSpPr txBox="1"/>
+          <p:nvPr/>
+        </p:nvSpPr>
+        <p:spPr>
+          <a:xfrm>
+            <a:off x="300038" y="6246613"/>
+            <a:ext cx="7236981" cy="276999"/>
+          </a:xfrm>
+          <a:prstGeom prst="rect">
+            <a:avLst/>
+          </a:prstGeom>
+          <a:noFill/>
+        </p:spPr>
+        <p:txBody>
+          <a:bodyPr wrap="none" rtlCol="0">
+            <a:spAutoFit/>
+          </a:bodyPr>
+          <a:lstStyle/>
+          <a:p>
+            <a:r>
+              <a:rPr lang="ko-KR" altLang="en-US" sz="1200" b="1" dirty="0"/>
+              <a:t>출처 </a:t>
+            </a:r>
+            <a:r>
+              <a:rPr lang="en-US" altLang="ko-KR" sz="1200" b="1" dirty="0"/>
+              <a:t>: https://www.siheung.go.kr/main/bbs/view.do?mId=0306040000&amp;bIdx=103386&amp;ptIdx=30</a:t>
+            </a:r>
+            <a:endParaRPr lang="ko-KR" altLang="en-US" sz="1200" b="1" dirty="0"/>
+          </a:p>
+        </p:txBody>
+      </p:sp>
+    </p:spTree>
+    <p:extLst>
+      <p:ext uri="{BB962C8B-B14F-4D97-AF65-F5344CB8AC3E}">
+        <p14:creationId xmlns:p14="http://schemas.microsoft.com/office/powerpoint/2010/main" val="344420612"/>
+      </p:ext>
+    </p:extLst>
+  </p:cSld>
+  <p:clrMapOvr>
+    <a:masterClrMapping/>
+  </p:clrMapOvr>
+</p:sld>
+</file>
+
+<file path=ppt/slides/slide4.xml><?xml version="1.0" encoding="utf-8"?>
+<p:sld xmlns:a="http://schemas.openxmlformats.org/drawingml/2006/main" xmlns:r="http://schemas.openxmlformats.org/officeDocument/2006/relationships" xmlns:p="http://schemas.openxmlformats.org/presentationml/2006/main">
+  <p:cSld>
+    <p:spTree>
+      <p:nvGrpSpPr>
+        <p:cNvPr id="1" name=""/>
+        <p:cNvGrpSpPr/>
+        <p:nvPr/>
+      </p:nvGrpSpPr>
+      <p:grpSpPr>
+        <a:xfrm>
+          <a:off x="0" y="0"/>
+          <a:ext cx="0" cy="0"/>
+          <a:chOff x="0" y="0"/>
+          <a:chExt cx="0" cy="0"/>
+        </a:xfrm>
+      </p:grpSpPr>
+      <p:sp>
+        <p:nvSpPr>
+          <p:cNvPr id="2" name="제목 1">
+            <a:extLst>
+              <a:ext uri="{FF2B5EF4-FFF2-40B4-BE49-F238E27FC236}">
+                <a16:creationId xmlns:a16="http://schemas.microsoft.com/office/drawing/2014/main" id="{15B6755F-2C44-4821-BD2A-1FFE30911213}"/>
+              </a:ext>
+            </a:extLst>
+          </p:cNvPr>
+          <p:cNvSpPr>
+            <a:spLocks noGrp="1"/>
+          </p:cNvSpPr>
+          <p:nvPr>
+            <p:ph type="title"/>
+          </p:nvPr>
+        </p:nvSpPr>
+        <p:spPr/>
+        <p:txBody>
+          <a:bodyPr/>
+          <a:lstStyle/>
+          <a:p>
+            <a:r>
+              <a:rPr lang="en-US" altLang="ko-KR" dirty="0"/>
+              <a:t>1. </a:t>
+            </a:r>
+            <a:r>
+              <a:rPr lang="ko-KR" altLang="en-US" dirty="0"/>
+              <a:t>분석목표</a:t>
+            </a:r>
+          </a:p>
+        </p:txBody>
+      </p:sp>
+      <p:sp>
+        <p:nvSpPr>
+          <p:cNvPr id="3" name="바닥글 개체 틀 2">
+            <a:extLst>
+              <a:ext uri="{FF2B5EF4-FFF2-40B4-BE49-F238E27FC236}">
+                <a16:creationId xmlns:a16="http://schemas.microsoft.com/office/drawing/2014/main" id="{9046FFBA-1D63-4C0A-A6E5-0ACFFFF9A491}"/>
+              </a:ext>
+            </a:extLst>
+          </p:cNvPr>
+          <p:cNvSpPr>
+            <a:spLocks noGrp="1"/>
+          </p:cNvSpPr>
+          <p:nvPr>
+            <p:ph type="ftr" sz="quarter" idx="11"/>
+          </p:nvPr>
+        </p:nvSpPr>
+        <p:spPr/>
+        <p:txBody>
+          <a:bodyPr/>
+          <a:lstStyle/>
+          <a:p>
+            <a:r>
+              <a:rPr lang="en-US"/>
+              <a:t>Designed By L@rgo. ADSTORE</a:t>
+            </a:r>
+            <a:endParaRPr lang="en-US" dirty="0"/>
+          </a:p>
+        </p:txBody>
+      </p:sp>
+      <p:sp>
+        <p:nvSpPr>
+          <p:cNvPr id="4" name="텍스트 개체 틀 3">
+            <a:extLst>
+              <a:ext uri="{FF2B5EF4-FFF2-40B4-BE49-F238E27FC236}">
+                <a16:creationId xmlns:a16="http://schemas.microsoft.com/office/drawing/2014/main" id="{353B7A26-90F5-4977-8C03-C32A010D4799}"/>
+              </a:ext>
+            </a:extLst>
+          </p:cNvPr>
+          <p:cNvSpPr>
+            <a:spLocks noGrp="1"/>
+          </p:cNvSpPr>
+          <p:nvPr>
+            <p:ph type="body" sz="quarter" idx="13"/>
+          </p:nvPr>
+        </p:nvSpPr>
+        <p:spPr>
+          <a:xfrm>
+            <a:off x="864066" y="5080000"/>
+            <a:ext cx="10514800" cy="1073506"/>
+          </a:xfrm>
+        </p:spPr>
+        <p:txBody>
+          <a:bodyPr>
+            <a:normAutofit/>
+          </a:bodyPr>
+          <a:lstStyle/>
+          <a:p>
+            <a:r>
+              <a:rPr lang="ko-KR" altLang="en-US" sz="1800" b="1" dirty="0">
+                <a:solidFill>
+                  <a:srgbClr val="1B3C35"/>
+                </a:solidFill>
+              </a:rPr>
+              <a:t>답변자들은 이에 대해 시흥시 버스노선의 부족이 가장 큰 문제점이며</a:t>
+            </a:r>
+            <a:r>
+              <a:rPr lang="en-US" altLang="ko-KR" sz="1800" b="1" dirty="0">
+                <a:solidFill>
+                  <a:srgbClr val="1B3C35"/>
+                </a:solidFill>
+              </a:rPr>
+              <a:t>,</a:t>
+            </a:r>
+          </a:p>
+          <a:p>
+            <a:r>
+              <a:rPr lang="ko-KR" altLang="en-US" sz="1800" b="1" dirty="0">
+                <a:solidFill>
+                  <a:srgbClr val="1B3C35"/>
+                </a:solidFill>
+              </a:rPr>
+              <a:t>버스의 </a:t>
+            </a:r>
+            <a:r>
+              <a:rPr lang="ko-KR" altLang="en-US" sz="1800" b="1" dirty="0">
+                <a:solidFill>
+                  <a:srgbClr val="FF0000"/>
+                </a:solidFill>
+              </a:rPr>
+              <a:t>배차간격이 너무 길다</a:t>
+            </a:r>
+            <a:r>
+              <a:rPr lang="ko-KR" altLang="en-US" sz="1800" b="1" dirty="0">
+                <a:solidFill>
+                  <a:srgbClr val="1B3C35"/>
+                </a:solidFill>
+              </a:rPr>
+              <a:t>라는 답변 또한 </a:t>
+            </a:r>
+            <a:r>
+              <a:rPr lang="en-US" altLang="ko-KR" sz="1800" b="1" dirty="0">
+                <a:solidFill>
+                  <a:srgbClr val="FF0000"/>
+                </a:solidFill>
+              </a:rPr>
+              <a:t>49%</a:t>
+            </a:r>
+            <a:r>
+              <a:rPr lang="ko-KR" altLang="en-US" sz="1800" b="1" dirty="0">
+                <a:solidFill>
+                  <a:srgbClr val="1B3C35"/>
+                </a:solidFill>
+              </a:rPr>
+              <a:t>를 차지했다</a:t>
+            </a:r>
+            <a:r>
+              <a:rPr lang="en-US" altLang="ko-KR" sz="1800" b="1" dirty="0">
+                <a:solidFill>
+                  <a:srgbClr val="1B3C35"/>
+                </a:solidFill>
+              </a:rPr>
+              <a:t>.</a:t>
+            </a:r>
+            <a:endParaRPr lang="ko-KR" altLang="en-US" sz="1800" b="1" dirty="0">
+              <a:solidFill>
+                <a:srgbClr val="1B3C35"/>
+              </a:solidFill>
+            </a:endParaRPr>
+          </a:p>
+        </p:txBody>
+      </p:sp>
+      <p:sp>
+        <p:nvSpPr>
+          <p:cNvPr id="5" name="슬라이드 번호 개체 틀 4">
+            <a:extLst>
+              <a:ext uri="{FF2B5EF4-FFF2-40B4-BE49-F238E27FC236}">
+                <a16:creationId xmlns:a16="http://schemas.microsoft.com/office/drawing/2014/main" id="{3373CAB3-BDDF-4737-99E6-A377E0B3FA0A}"/>
+              </a:ext>
+            </a:extLst>
+          </p:cNvPr>
+          <p:cNvSpPr>
+            <a:spLocks noGrp="1"/>
+          </p:cNvSpPr>
+          <p:nvPr>
+            <p:ph type="sldNum" sz="quarter" idx="12"/>
+          </p:nvPr>
+        </p:nvSpPr>
+        <p:spPr/>
+        <p:txBody>
+          <a:bodyPr/>
+          <a:lstStyle/>
+          <a:p>
+            <a:fld id="{15812C5A-9CF7-4A8D-A41D-9E74470054A5}" type="slidenum">
+              <a:rPr lang="ko-KR" altLang="en-US" smtClean="0"/>
+              <a:pPr/>
+              <a:t>4</a:t>
+            </a:fld>
+            <a:endParaRPr lang="ko-KR" altLang="en-US" dirty="0"/>
+          </a:p>
+        </p:txBody>
+      </p:sp>
+      <p:sp>
+        <p:nvSpPr>
+          <p:cNvPr id="6" name="부제목 5">
+            <a:extLst>
+              <a:ext uri="{FF2B5EF4-FFF2-40B4-BE49-F238E27FC236}">
+                <a16:creationId xmlns:a16="http://schemas.microsoft.com/office/drawing/2014/main" id="{5508C852-9C1C-4908-B41B-BE8383107D3D}"/>
+              </a:ext>
+            </a:extLst>
+          </p:cNvPr>
+          <p:cNvSpPr>
+            <a:spLocks noGrp="1"/>
+          </p:cNvSpPr>
+          <p:nvPr>
+            <p:ph type="subTitle" idx="14"/>
+          </p:nvPr>
+        </p:nvSpPr>
+        <p:spPr/>
+        <p:txBody>
+          <a:bodyPr/>
+          <a:lstStyle/>
+          <a:p>
+            <a:endParaRPr lang="ko-KR" altLang="en-US"/>
+          </a:p>
+        </p:txBody>
+      </p:sp>
+      <p:pic>
+        <p:nvPicPr>
+          <p:cNvPr id="11" name="그림 10">
+            <a:extLst>
+              <a:ext uri="{FF2B5EF4-FFF2-40B4-BE49-F238E27FC236}">
+                <a16:creationId xmlns:a16="http://schemas.microsoft.com/office/drawing/2014/main" id="{F7E6D135-ACE6-4014-AB14-91F45E031E7E}"/>
+              </a:ext>
+            </a:extLst>
+          </p:cNvPr>
+          <p:cNvPicPr/>
+          <p:nvPr/>
+        </p:nvPicPr>
+        <p:blipFill>
+          <a:blip r:embed="rId2"/>
+          <a:stretch>
+            <a:fillRect/>
+          </a:stretch>
+        </p:blipFill>
+        <p:spPr>
+          <a:xfrm>
+            <a:off x="4007727" y="1587585"/>
+            <a:ext cx="4252735" cy="3492415"/>
+          </a:xfrm>
+          <a:prstGeom prst="rect">
+            <a:avLst/>
+          </a:prstGeom>
+        </p:spPr>
+      </p:pic>
+      <p:sp>
+        <p:nvSpPr>
+          <p:cNvPr id="10" name="직사각형 9">
+            <a:extLst>
+              <a:ext uri="{FF2B5EF4-FFF2-40B4-BE49-F238E27FC236}">
+                <a16:creationId xmlns:a16="http://schemas.microsoft.com/office/drawing/2014/main" id="{FE37558B-98B1-4072-B2A0-AE75991C9A34}"/>
+              </a:ext>
+            </a:extLst>
+          </p:cNvPr>
+          <p:cNvSpPr/>
+          <p:nvPr/>
+        </p:nvSpPr>
+        <p:spPr>
+          <a:xfrm>
+            <a:off x="7252633" y="2273417"/>
+            <a:ext cx="633018" cy="243280"/>
+          </a:xfrm>
+          <a:prstGeom prst="rect">
+            <a:avLst/>
+          </a:prstGeom>
+          <a:noFill/>
+          <a:ln w="38100">
+            <a:solidFill>
+              <a:srgbClr val="FF0000"/>
+            </a:solidFill>
+          </a:ln>
+        </p:spPr>
+        <p:style>
+          <a:lnRef idx="2">
+            <a:schemeClr val="accent1">
+              <a:shade val="50000"/>
+            </a:schemeClr>
+          </a:lnRef>
+          <a:fillRef idx="1">
+            <a:schemeClr val="accent1"/>
+          </a:fillRef>
+          <a:effectRef idx="0">
+            <a:schemeClr val="accent1"/>
+          </a:effectRef>
+          <a:fontRef idx="minor">
+            <a:schemeClr val="lt1"/>
+          </a:fontRef>
+        </p:style>
+        <p:txBody>
+          <a:bodyPr rtlCol="0" anchor="ctr"/>
+          <a:lstStyle/>
+          <a:p>
+            <a:pPr algn="ctr"/>
+            <a:endParaRPr lang="ko-KR" altLang="en-US"/>
+          </a:p>
+        </p:txBody>
+      </p:sp>
+      <p:sp>
+        <p:nvSpPr>
+          <p:cNvPr id="9" name="직사각형 8">
+            <a:extLst>
+              <a:ext uri="{FF2B5EF4-FFF2-40B4-BE49-F238E27FC236}">
+                <a16:creationId xmlns:a16="http://schemas.microsoft.com/office/drawing/2014/main" id="{E17894B3-B935-42EB-ADE4-A7E29C0B0701}"/>
+              </a:ext>
+            </a:extLst>
+          </p:cNvPr>
+          <p:cNvSpPr/>
+          <p:nvPr/>
+        </p:nvSpPr>
+        <p:spPr>
+          <a:xfrm>
+            <a:off x="4939368" y="2457973"/>
+            <a:ext cx="974872" cy="180363"/>
+          </a:xfrm>
+          <a:prstGeom prst="rect">
+            <a:avLst/>
+          </a:prstGeom>
+          <a:noFill/>
+          <a:ln w="38100">
+            <a:solidFill>
+              <a:srgbClr val="FF0000"/>
+            </a:solidFill>
+          </a:ln>
+        </p:spPr>
+        <p:style>
+          <a:lnRef idx="2">
+            <a:schemeClr val="accent1">
+              <a:shade val="50000"/>
+            </a:schemeClr>
+          </a:lnRef>
+          <a:fillRef idx="1">
+            <a:schemeClr val="accent1"/>
+          </a:fillRef>
+          <a:effectRef idx="0">
+            <a:schemeClr val="accent1"/>
+          </a:effectRef>
+          <a:fontRef idx="minor">
+            <a:schemeClr val="lt1"/>
+          </a:fontRef>
+        </p:style>
+        <p:txBody>
+          <a:bodyPr rtlCol="0" anchor="ctr"/>
+          <a:lstStyle/>
+          <a:p>
+            <a:pPr algn="ctr"/>
+            <a:endParaRPr lang="ko-KR" altLang="en-US"/>
+          </a:p>
+        </p:txBody>
+      </p:sp>
+    </p:spTree>
+    <p:extLst>
+      <p:ext uri="{BB962C8B-B14F-4D97-AF65-F5344CB8AC3E}">
+        <p14:creationId xmlns:p14="http://schemas.microsoft.com/office/powerpoint/2010/main" val="3917857574"/>
+      </p:ext>
+    </p:extLst>
+  </p:cSld>
+  <p:clrMapOvr>
+    <a:masterClrMapping/>
+  </p:clrMapOvr>
+</p:sld>
+</file>
+
+<file path=ppt/slides/slide5.xml><?xml version="1.0" encoding="utf-8"?>
+<p:sld xmlns:a="http://schemas.openxmlformats.org/drawingml/2006/main" xmlns:r="http://schemas.openxmlformats.org/officeDocument/2006/relationships" xmlns:p="http://schemas.openxmlformats.org/presentationml/2006/main">
+  <p:cSld>
+    <p:spTree>
+      <p:nvGrpSpPr>
+        <p:cNvPr id="1" name=""/>
+        <p:cNvGrpSpPr/>
+        <p:nvPr/>
+      </p:nvGrpSpPr>
+      <p:grpSpPr>
+        <a:xfrm>
+          <a:off x="0" y="0"/>
+          <a:ext cx="0" cy="0"/>
+          <a:chOff x="0" y="0"/>
+          <a:chExt cx="0" cy="0"/>
+        </a:xfrm>
+      </p:grpSpPr>
+      <p:sp>
+        <p:nvSpPr>
+          <p:cNvPr id="2" name="제목 1">
+            <a:extLst>
+              <a:ext uri="{FF2B5EF4-FFF2-40B4-BE49-F238E27FC236}">
+                <a16:creationId xmlns:a16="http://schemas.microsoft.com/office/drawing/2014/main" id="{15B6755F-2C44-4821-BD2A-1FFE30911213}"/>
+              </a:ext>
+            </a:extLst>
+          </p:cNvPr>
+          <p:cNvSpPr>
+            <a:spLocks noGrp="1"/>
+          </p:cNvSpPr>
+          <p:nvPr>
+            <p:ph type="title"/>
+          </p:nvPr>
+        </p:nvSpPr>
+        <p:spPr/>
+        <p:txBody>
+          <a:bodyPr/>
+          <a:lstStyle/>
+          <a:p>
+            <a:r>
+              <a:rPr lang="en-US" altLang="ko-KR" dirty="0"/>
+              <a:t>1. </a:t>
+            </a:r>
+            <a:r>
+              <a:rPr lang="ko-KR" altLang="en-US" dirty="0"/>
+              <a:t>분석목표</a:t>
+            </a:r>
+          </a:p>
+        </p:txBody>
+      </p:sp>
+      <p:sp>
+        <p:nvSpPr>
+          <p:cNvPr id="3" name="바닥글 개체 틀 2">
+            <a:extLst>
+              <a:ext uri="{FF2B5EF4-FFF2-40B4-BE49-F238E27FC236}">
+                <a16:creationId xmlns:a16="http://schemas.microsoft.com/office/drawing/2014/main" id="{9046FFBA-1D63-4C0A-A6E5-0ACFFFF9A491}"/>
+              </a:ext>
+            </a:extLst>
+          </p:cNvPr>
+          <p:cNvSpPr>
+            <a:spLocks noGrp="1"/>
+          </p:cNvSpPr>
+          <p:nvPr>
+            <p:ph type="ftr" sz="quarter" idx="11"/>
+          </p:nvPr>
+        </p:nvSpPr>
+        <p:spPr/>
+        <p:txBody>
+          <a:bodyPr/>
+          <a:lstStyle/>
+          <a:p>
+            <a:r>
+              <a:rPr lang="en-US"/>
+              <a:t>Designed By L@rgo. ADSTORE</a:t>
+            </a:r>
+            <a:endParaRPr lang="en-US" dirty="0"/>
+          </a:p>
+        </p:txBody>
+      </p:sp>
+      <p:sp>
+        <p:nvSpPr>
+          <p:cNvPr id="4" name="텍스트 개체 틀 3">
+            <a:extLst>
+              <a:ext uri="{FF2B5EF4-FFF2-40B4-BE49-F238E27FC236}">
+                <a16:creationId xmlns:a16="http://schemas.microsoft.com/office/drawing/2014/main" id="{353B7A26-90F5-4977-8C03-C32A010D4799}"/>
+              </a:ext>
+            </a:extLst>
+          </p:cNvPr>
+          <p:cNvSpPr>
+            <a:spLocks noGrp="1"/>
+          </p:cNvSpPr>
+          <p:nvPr>
+            <p:ph type="body" sz="quarter" idx="13"/>
+          </p:nvPr>
+        </p:nvSpPr>
+        <p:spPr/>
+        <p:txBody>
+          <a:bodyPr>
+            <a:normAutofit/>
+          </a:bodyPr>
+          <a:lstStyle/>
+          <a:p>
+            <a:r>
+              <a:rPr lang="ko-KR" altLang="en-US" sz="2400" b="1" dirty="0">
+                <a:solidFill>
+                  <a:srgbClr val="1B3C35"/>
+                </a:solidFill>
+              </a:rPr>
+              <a:t>시흥시 경유노선의 노선</a:t>
+            </a:r>
+            <a:r>
+              <a:rPr lang="en-US" altLang="ko-KR" sz="2400" b="1" dirty="0">
+                <a:solidFill>
+                  <a:srgbClr val="1B3C35"/>
+                </a:solidFill>
+              </a:rPr>
+              <a:t> /  </a:t>
+            </a:r>
+            <a:r>
+              <a:rPr lang="ko-KR" altLang="en-US" sz="2400" b="1" dirty="0">
+                <a:solidFill>
+                  <a:srgbClr val="1B3C35"/>
+                </a:solidFill>
+              </a:rPr>
+              <a:t>시간별 포화도를 계산하고</a:t>
+            </a:r>
+            <a:r>
+              <a:rPr lang="en-US" altLang="ko-KR" sz="2400" b="1" dirty="0">
+                <a:solidFill>
+                  <a:srgbClr val="1B3C35"/>
+                </a:solidFill>
+              </a:rPr>
+              <a:t>,</a:t>
+            </a:r>
+          </a:p>
+          <a:p>
+            <a:r>
+              <a:rPr lang="ko-KR" altLang="en-US" sz="2400" b="1" dirty="0">
+                <a:solidFill>
+                  <a:srgbClr val="1B3C35"/>
+                </a:solidFill>
+              </a:rPr>
+              <a:t>그 포화도 수치에 따라 버스노선을 특정시간대에</a:t>
+            </a:r>
+            <a:endParaRPr lang="en-US" altLang="ko-KR" sz="2400" b="1" dirty="0">
+              <a:solidFill>
+                <a:srgbClr val="1B3C35"/>
+              </a:solidFill>
+            </a:endParaRPr>
+          </a:p>
+          <a:p>
+            <a:r>
+              <a:rPr lang="ko-KR" altLang="en-US" sz="2400" b="1" dirty="0">
+                <a:solidFill>
+                  <a:srgbClr val="FF0000"/>
+                </a:solidFill>
+              </a:rPr>
+              <a:t>배차시간을 조절</a:t>
+            </a:r>
+            <a:r>
+              <a:rPr lang="ko-KR" altLang="en-US" sz="2400" b="1" dirty="0">
+                <a:solidFill>
+                  <a:srgbClr val="1B3C35"/>
+                </a:solidFill>
+              </a:rPr>
+              <a:t>하여 </a:t>
+            </a:r>
+            <a:r>
+              <a:rPr lang="ko-KR" altLang="en-US" sz="2400" b="1" dirty="0">
+                <a:solidFill>
+                  <a:srgbClr val="0070C0"/>
+                </a:solidFill>
+              </a:rPr>
+              <a:t>증차 및 감차</a:t>
+            </a:r>
+            <a:r>
+              <a:rPr lang="ko-KR" altLang="en-US" sz="2400" b="1" dirty="0">
+                <a:solidFill>
+                  <a:srgbClr val="1B3C35"/>
+                </a:solidFill>
+              </a:rPr>
+              <a:t>를 실행</a:t>
+            </a:r>
+            <a:endParaRPr lang="en-US" altLang="ko-KR" sz="2400" b="1" dirty="0">
+              <a:solidFill>
+                <a:srgbClr val="1B3C35"/>
+              </a:solidFill>
+            </a:endParaRPr>
+          </a:p>
+          <a:p>
+            <a:endParaRPr lang="en-US" altLang="ko-KR" sz="2400" b="1" dirty="0">
+              <a:solidFill>
+                <a:srgbClr val="1B3C35"/>
+              </a:solidFill>
+            </a:endParaRPr>
+          </a:p>
+          <a:p>
+            <a:r>
+              <a:rPr lang="ko-KR" altLang="en-US" sz="2400" b="1" dirty="0">
+                <a:solidFill>
+                  <a:srgbClr val="1B3C35"/>
+                </a:solidFill>
+              </a:rPr>
+              <a:t>보다 더 나은 버스 이용환경을 제공하고자 함</a:t>
+            </a:r>
+            <a:r>
+              <a:rPr lang="en-US" altLang="ko-KR" sz="2400" b="1" dirty="0">
+                <a:solidFill>
+                  <a:srgbClr val="1B3C35"/>
+                </a:solidFill>
+              </a:rPr>
+              <a:t>.</a:t>
+            </a:r>
+            <a:endParaRPr lang="ko-KR" altLang="en-US" sz="2400" b="1" dirty="0">
+              <a:solidFill>
+                <a:srgbClr val="1B3C35"/>
+              </a:solidFill>
+            </a:endParaRPr>
+          </a:p>
+        </p:txBody>
+      </p:sp>
+      <p:sp>
+        <p:nvSpPr>
+          <p:cNvPr id="5" name="슬라이드 번호 개체 틀 4">
+            <a:extLst>
+              <a:ext uri="{FF2B5EF4-FFF2-40B4-BE49-F238E27FC236}">
+                <a16:creationId xmlns:a16="http://schemas.microsoft.com/office/drawing/2014/main" id="{3373CAB3-BDDF-4737-99E6-A377E0B3FA0A}"/>
+              </a:ext>
+            </a:extLst>
+          </p:cNvPr>
+          <p:cNvSpPr>
+            <a:spLocks noGrp="1"/>
+          </p:cNvSpPr>
+          <p:nvPr>
+            <p:ph type="sldNum" sz="quarter" idx="12"/>
+          </p:nvPr>
+        </p:nvSpPr>
+        <p:spPr/>
+        <p:txBody>
+          <a:bodyPr/>
+          <a:lstStyle/>
+          <a:p>
+            <a:fld id="{15812C5A-9CF7-4A8D-A41D-9E74470054A5}" type="slidenum">
+              <a:rPr lang="ko-KR" altLang="en-US" smtClean="0"/>
+              <a:pPr/>
+              <a:t>5</a:t>
             </a:fld>
             <a:endParaRPr lang="ko-KR" altLang="en-US" dirty="0"/>
           </a:p>
@@ -12585,7 +14264,7 @@
 </p:sld>
 </file>
 
-<file path=ppt/slides/slide4.xml><?xml version="1.0" encoding="utf-8"?>
+<file path=ppt/slides/slide6.xml><?xml version="1.0" encoding="utf-8"?>
 <p:sld xmlns:a="http://schemas.openxmlformats.org/drawingml/2006/main" xmlns:r="http://schemas.openxmlformats.org/officeDocument/2006/relationships" xmlns:p="http://schemas.openxmlformats.org/presentationml/2006/main">
   <p:cSld>
     <p:spTree>
@@ -12839,7 +14518,7 @@
             <a:fld id="{15812C5A-9CF7-4A8D-A41D-9E74470054A5}" type="slidenum">
               <a:rPr lang="ko-KR" altLang="en-US" smtClean="0"/>
               <a:pPr/>
-              <a:t>4</a:t>
+              <a:t>6</a:t>
             </a:fld>
             <a:endParaRPr lang="ko-KR" altLang="en-US" dirty="0"/>
           </a:p>
@@ -13074,7 +14753,7 @@
 </p:sld>
 </file>
 
-<file path=ppt/slides/slide5.xml><?xml version="1.0" encoding="utf-8"?>
+<file path=ppt/slides/slide7.xml><?xml version="1.0" encoding="utf-8"?>
 <p:sld xmlns:a="http://schemas.openxmlformats.org/drawingml/2006/main" xmlns:r="http://schemas.openxmlformats.org/officeDocument/2006/relationships" xmlns:p="http://schemas.openxmlformats.org/presentationml/2006/main">
   <p:cSld>
     <p:spTree>
@@ -13093,6 +14772,110 @@
       </p:grpSpPr>
       <p:sp>
         <p:nvSpPr>
+          <p:cNvPr id="10" name="직사각형 9">
+            <a:extLst>
+              <a:ext uri="{FF2B5EF4-FFF2-40B4-BE49-F238E27FC236}">
+                <a16:creationId xmlns:a16="http://schemas.microsoft.com/office/drawing/2014/main" id="{5DCFFEA5-0C35-44D2-9F4C-EC5DCA60F04A}"/>
+              </a:ext>
+            </a:extLst>
+          </p:cNvPr>
+          <p:cNvSpPr/>
+          <p:nvPr/>
+        </p:nvSpPr>
+        <p:spPr>
+          <a:xfrm>
+            <a:off x="7120370" y="1689530"/>
+            <a:ext cx="4277223" cy="520117"/>
+          </a:xfrm>
+          <a:prstGeom prst="rect">
+            <a:avLst/>
+          </a:prstGeom>
+          <a:solidFill>
+            <a:srgbClr val="1B3C33"/>
+          </a:solidFill>
+          <a:ln>
+            <a:noFill/>
+          </a:ln>
+        </p:spPr>
+        <p:style>
+          <a:lnRef idx="2">
+            <a:schemeClr val="accent1">
+              <a:shade val="50000"/>
+            </a:schemeClr>
+          </a:lnRef>
+          <a:fillRef idx="1">
+            <a:schemeClr val="accent1"/>
+          </a:fillRef>
+          <a:effectRef idx="0">
+            <a:schemeClr val="accent1"/>
+          </a:effectRef>
+          <a:fontRef idx="minor">
+            <a:schemeClr val="lt1"/>
+          </a:fontRef>
+        </p:style>
+        <p:txBody>
+          <a:bodyPr rtlCol="0" anchor="ctr"/>
+          <a:lstStyle/>
+          <a:p>
+            <a:pPr algn="ctr"/>
+            <a:endParaRPr lang="ko-KR" altLang="en-US"/>
+          </a:p>
+        </p:txBody>
+      </p:sp>
+      <p:sp>
+        <p:nvSpPr>
+          <p:cNvPr id="9" name="직사각형 8">
+            <a:extLst>
+              <a:ext uri="{FF2B5EF4-FFF2-40B4-BE49-F238E27FC236}">
+                <a16:creationId xmlns:a16="http://schemas.microsoft.com/office/drawing/2014/main" id="{D27952BB-4595-43A3-A30B-C3FBF4F153E4}"/>
+              </a:ext>
+            </a:extLst>
+          </p:cNvPr>
+          <p:cNvSpPr/>
+          <p:nvPr/>
+        </p:nvSpPr>
+        <p:spPr>
+          <a:xfrm>
+            <a:off x="825718" y="1689530"/>
+            <a:ext cx="4277223" cy="520117"/>
+          </a:xfrm>
+          <a:prstGeom prst="rect">
+            <a:avLst/>
+          </a:prstGeom>
+          <a:solidFill>
+            <a:srgbClr val="1B3C33"/>
+          </a:solidFill>
+          <a:ln>
+            <a:noFill/>
+          </a:ln>
+        </p:spPr>
+        <p:style>
+          <a:lnRef idx="2">
+            <a:schemeClr val="accent1">
+              <a:shade val="50000"/>
+            </a:schemeClr>
+          </a:lnRef>
+          <a:fillRef idx="1">
+            <a:schemeClr val="accent1"/>
+          </a:fillRef>
+          <a:effectRef idx="0">
+            <a:schemeClr val="accent1"/>
+          </a:effectRef>
+          <a:fontRef idx="minor">
+            <a:schemeClr val="lt1"/>
+          </a:fontRef>
+        </p:style>
+        <p:txBody>
+          <a:bodyPr rtlCol="0" anchor="ctr"/>
+          <a:lstStyle/>
+          <a:p>
+            <a:pPr algn="ctr"/>
+            <a:endParaRPr lang="ko-KR" altLang="en-US"/>
+          </a:p>
+        </p:txBody>
+      </p:sp>
+      <p:sp>
+        <p:nvSpPr>
           <p:cNvPr id="2" name="제목 1">
             <a:extLst>
               <a:ext uri="{FF2B5EF4-FFF2-40B4-BE49-F238E27FC236}">
@@ -13183,7 +14966,7 @@
             <a:r>
               <a:rPr lang="ko-KR" altLang="en-US" sz="2000" b="1" dirty="0">
                 <a:solidFill>
-                  <a:srgbClr val="1B3C35"/>
+                  <a:schemeClr val="bg1"/>
                 </a:solidFill>
               </a:rPr>
               <a:t>사전 준비 파일</a:t>
@@ -13367,7 +15150,7 @@
             <a:fld id="{15812C5A-9CF7-4A8D-A41D-9E74470054A5}" type="slidenum">
               <a:rPr lang="ko-KR" altLang="en-US" smtClean="0"/>
               <a:pPr/>
-              <a:t>5</a:t>
+              <a:t>7</a:t>
             </a:fld>
             <a:endParaRPr lang="ko-KR" altLang="en-US" dirty="0"/>
           </a:p>
@@ -13690,7 +15473,7 @@
             <a:r>
               <a:rPr lang="ko-KR" altLang="en-US" sz="2000" b="1" dirty="0">
                 <a:solidFill>
-                  <a:srgbClr val="1B3C35"/>
+                  <a:schemeClr val="bg1"/>
                 </a:solidFill>
               </a:rPr>
               <a:t>사전 준비</a:t>
@@ -13865,7 +15648,7 @@
 </p:sld>
 </file>
 
-<file path=ppt/slides/slide6.xml><?xml version="1.0" encoding="utf-8"?>
+<file path=ppt/slides/slide8.xml><?xml version="1.0" encoding="utf-8"?>
 <p:sld xmlns:a="http://schemas.openxmlformats.org/drawingml/2006/main" xmlns:r="http://schemas.openxmlformats.org/officeDocument/2006/relationships" xmlns:p="http://schemas.openxmlformats.org/presentationml/2006/main">
   <p:cSld>
     <p:spTree>
@@ -14144,7 +15927,7 @@
             <a:fld id="{15812C5A-9CF7-4A8D-A41D-9E74470054A5}" type="slidenum">
               <a:rPr lang="ko-KR" altLang="en-US" smtClean="0"/>
               <a:pPr/>
-              <a:t>6</a:t>
+              <a:t>8</a:t>
             </a:fld>
             <a:endParaRPr lang="ko-KR" altLang="en-US" dirty="0"/>
           </a:p>
@@ -14218,7 +16001,7 @@
 </p:sld>
 </file>
 
-<file path=ppt/slides/slide7.xml><?xml version="1.0" encoding="utf-8"?>
+<file path=ppt/slides/slide9.xml><?xml version="1.0" encoding="utf-8"?>
 <p:sld xmlns:a="http://schemas.openxmlformats.org/drawingml/2006/main" xmlns:r="http://schemas.openxmlformats.org/officeDocument/2006/relationships" xmlns:p="http://schemas.openxmlformats.org/presentationml/2006/main">
   <p:cSld>
     <p:spTree>
@@ -14434,7 +16217,7 @@
             <a:fld id="{15812C5A-9CF7-4A8D-A41D-9E74470054A5}" type="slidenum">
               <a:rPr lang="ko-KR" altLang="en-US" smtClean="0"/>
               <a:pPr/>
-              <a:t>7</a:t>
+              <a:t>9</a:t>
             </a:fld>
             <a:endParaRPr lang="ko-KR" altLang="en-US" dirty="0"/>
           </a:p>
@@ -14869,816 +16652,6 @@
     <p:extLst>
       <p:ext uri="{BB962C8B-B14F-4D97-AF65-F5344CB8AC3E}">
         <p14:creationId xmlns:p14="http://schemas.microsoft.com/office/powerpoint/2010/main" val="397276411"/>
-      </p:ext>
-    </p:extLst>
-  </p:cSld>
-  <p:clrMapOvr>
-    <a:masterClrMapping/>
-  </p:clrMapOvr>
-</p:sld>
-</file>
-
-<file path=ppt/slides/slide8.xml><?xml version="1.0" encoding="utf-8"?>
-<p:sld xmlns:a="http://schemas.openxmlformats.org/drawingml/2006/main" xmlns:r="http://schemas.openxmlformats.org/officeDocument/2006/relationships" xmlns:p="http://schemas.openxmlformats.org/presentationml/2006/main">
-  <p:cSld>
-    <p:spTree>
-      <p:nvGrpSpPr>
-        <p:cNvPr id="1" name=""/>
-        <p:cNvGrpSpPr/>
-        <p:nvPr/>
-      </p:nvGrpSpPr>
-      <p:grpSpPr>
-        <a:xfrm>
-          <a:off x="0" y="0"/>
-          <a:ext cx="0" cy="0"/>
-          <a:chOff x="0" y="0"/>
-          <a:chExt cx="0" cy="0"/>
-        </a:xfrm>
-      </p:grpSpPr>
-      <p:sp>
-        <p:nvSpPr>
-          <p:cNvPr id="2" name="제목 1">
-            <a:extLst>
-              <a:ext uri="{FF2B5EF4-FFF2-40B4-BE49-F238E27FC236}">
-                <a16:creationId xmlns:a16="http://schemas.microsoft.com/office/drawing/2014/main" id="{E7B41566-0AFB-4F99-ADF7-A2C4EBE18ABD}"/>
-              </a:ext>
-            </a:extLst>
-          </p:cNvPr>
-          <p:cNvSpPr>
-            <a:spLocks noGrp="1"/>
-          </p:cNvSpPr>
-          <p:nvPr>
-            <p:ph type="title"/>
-          </p:nvPr>
-        </p:nvSpPr>
-        <p:spPr/>
-        <p:txBody>
-          <a:bodyPr/>
-          <a:lstStyle/>
-          <a:p>
-            <a:r>
-              <a:rPr lang="en-US" altLang="ko-KR" dirty="0"/>
-              <a:t>2. </a:t>
-            </a:r>
-            <a:r>
-              <a:rPr lang="ko-KR" altLang="en-US" dirty="0"/>
-              <a:t>분석코드 설명</a:t>
-            </a:r>
-            <a:r>
-              <a:rPr lang="en-US" altLang="ko-KR" dirty="0"/>
-              <a:t>(2)</a:t>
-            </a:r>
-            <a:endParaRPr lang="ko-KR" altLang="en-US" dirty="0"/>
-          </a:p>
-        </p:txBody>
-      </p:sp>
-      <p:sp>
-        <p:nvSpPr>
-          <p:cNvPr id="3" name="바닥글 개체 틀 2">
-            <a:extLst>
-              <a:ext uri="{FF2B5EF4-FFF2-40B4-BE49-F238E27FC236}">
-                <a16:creationId xmlns:a16="http://schemas.microsoft.com/office/drawing/2014/main" id="{9879BA5B-E8E4-4A64-8225-7F48FE19409C}"/>
-              </a:ext>
-            </a:extLst>
-          </p:cNvPr>
-          <p:cNvSpPr>
-            <a:spLocks noGrp="1"/>
-          </p:cNvSpPr>
-          <p:nvPr>
-            <p:ph type="ftr" sz="quarter" idx="11"/>
-          </p:nvPr>
-        </p:nvSpPr>
-        <p:spPr/>
-        <p:txBody>
-          <a:bodyPr/>
-          <a:lstStyle/>
-          <a:p>
-            <a:r>
-              <a:rPr lang="en-US"/>
-              <a:t>Designed By L@rgo. ADSTORE</a:t>
-            </a:r>
-            <a:endParaRPr lang="en-US" dirty="0"/>
-          </a:p>
-        </p:txBody>
-      </p:sp>
-      <p:sp>
-        <p:nvSpPr>
-          <p:cNvPr id="4" name="텍스트 개체 틀 3">
-            <a:extLst>
-              <a:ext uri="{FF2B5EF4-FFF2-40B4-BE49-F238E27FC236}">
-                <a16:creationId xmlns:a16="http://schemas.microsoft.com/office/drawing/2014/main" id="{430F254A-BD4A-4C3B-A586-DFD7D2BFEE94}"/>
-              </a:ext>
-            </a:extLst>
-          </p:cNvPr>
-          <p:cNvSpPr>
-            <a:spLocks noGrp="1"/>
-          </p:cNvSpPr>
-          <p:nvPr>
-            <p:ph type="body" sz="quarter" idx="13"/>
-          </p:nvPr>
-        </p:nvSpPr>
-        <p:spPr>
-          <a:xfrm>
-            <a:off x="1400906" y="1777999"/>
-            <a:ext cx="9390178" cy="4673526"/>
-          </a:xfrm>
-        </p:spPr>
-        <p:txBody>
-          <a:bodyPr anchor="t">
-            <a:normAutofit/>
-          </a:bodyPr>
-          <a:lstStyle/>
-          <a:p>
-            <a:pPr algn="l"/>
-            <a:r>
-              <a:rPr lang="ko-KR" altLang="en-US" sz="1600" b="1" dirty="0">
-                <a:solidFill>
-                  <a:srgbClr val="1B3C35"/>
-                </a:solidFill>
-              </a:rPr>
-              <a:t>시흥시 경유노선에 대한 포화도 산출 코드</a:t>
-            </a:r>
-            <a:endParaRPr lang="en-US" altLang="ko-KR" sz="1600" b="1" dirty="0">
-              <a:solidFill>
-                <a:srgbClr val="1B3C35"/>
-              </a:solidFill>
-            </a:endParaRPr>
-          </a:p>
-          <a:p>
-            <a:pPr algn="l"/>
-            <a:endParaRPr lang="en-US" altLang="ko-KR" sz="1600" b="1" dirty="0">
-              <a:solidFill>
-                <a:srgbClr val="1B3C35"/>
-              </a:solidFill>
-            </a:endParaRPr>
-          </a:p>
-          <a:p>
-            <a:pPr algn="l"/>
-            <a:r>
-              <a:rPr lang="ko-KR" altLang="en-US" b="1" dirty="0">
-                <a:solidFill>
-                  <a:srgbClr val="1B3C35"/>
-                </a:solidFill>
-              </a:rPr>
-              <a:t>포화도 계산에 앞서 각 </a:t>
-            </a:r>
-            <a:r>
-              <a:rPr lang="ko-KR" altLang="en-US" b="1" dirty="0" err="1">
-                <a:solidFill>
-                  <a:srgbClr val="1B3C35"/>
-                </a:solidFill>
-              </a:rPr>
-              <a:t>노선별</a:t>
-            </a:r>
-            <a:r>
-              <a:rPr lang="ko-KR" altLang="en-US" b="1" dirty="0">
-                <a:solidFill>
-                  <a:srgbClr val="1B3C35"/>
-                </a:solidFill>
-              </a:rPr>
-              <a:t> 평균 배차시간을 구해야 함</a:t>
-            </a:r>
-            <a:r>
-              <a:rPr lang="en-US" altLang="ko-KR" b="1" dirty="0">
-                <a:solidFill>
-                  <a:srgbClr val="1B3C35"/>
-                </a:solidFill>
-              </a:rPr>
-              <a:t>.</a:t>
-            </a:r>
-          </a:p>
-          <a:p>
-            <a:pPr algn="l"/>
-            <a:r>
-              <a:rPr lang="ko-KR" altLang="en-US" b="1" dirty="0" err="1">
-                <a:solidFill>
-                  <a:srgbClr val="1B3C35"/>
-                </a:solidFill>
-              </a:rPr>
-              <a:t>평균배차시간을</a:t>
-            </a:r>
-            <a:r>
-              <a:rPr lang="ko-KR" altLang="en-US" b="1" dirty="0">
-                <a:solidFill>
-                  <a:srgbClr val="1B3C35"/>
-                </a:solidFill>
-              </a:rPr>
-              <a:t> 구하는 데 필요한 파일은 </a:t>
-            </a:r>
-            <a:r>
-              <a:rPr lang="en-US" altLang="ko-KR" b="1" dirty="0">
-                <a:solidFill>
-                  <a:srgbClr val="1B3C35"/>
-                </a:solidFill>
-              </a:rPr>
-              <a:t>‘</a:t>
-            </a:r>
-            <a:r>
-              <a:rPr lang="ko-KR" altLang="en-US" b="1" dirty="0">
-                <a:solidFill>
-                  <a:srgbClr val="1B3C35"/>
-                </a:solidFill>
-              </a:rPr>
-              <a:t>경기도 내 버스 </a:t>
-            </a:r>
-            <a:r>
-              <a:rPr lang="ko-KR" altLang="en-US" b="1" dirty="0" err="1">
-                <a:solidFill>
-                  <a:srgbClr val="1B3C35"/>
-                </a:solidFill>
-              </a:rPr>
-              <a:t>노선별</a:t>
-            </a:r>
-            <a:r>
-              <a:rPr lang="ko-KR" altLang="en-US" b="1" dirty="0">
-                <a:solidFill>
-                  <a:srgbClr val="1B3C35"/>
-                </a:solidFill>
-              </a:rPr>
-              <a:t> 배차시간</a:t>
-            </a:r>
-            <a:r>
-              <a:rPr lang="en-US" altLang="ko-KR" b="1" dirty="0">
-                <a:solidFill>
-                  <a:srgbClr val="1B3C35"/>
-                </a:solidFill>
-              </a:rPr>
-              <a:t>_</a:t>
-            </a:r>
-            <a:r>
-              <a:rPr lang="ko-KR" altLang="en-US" b="1" dirty="0">
-                <a:solidFill>
-                  <a:srgbClr val="1B3C35"/>
-                </a:solidFill>
-              </a:rPr>
-              <a:t>첫차</a:t>
-            </a:r>
-            <a:r>
-              <a:rPr lang="en-US" altLang="ko-KR" b="1" dirty="0">
-                <a:solidFill>
-                  <a:srgbClr val="1B3C35"/>
-                </a:solidFill>
-              </a:rPr>
-              <a:t>_</a:t>
-            </a:r>
-            <a:r>
-              <a:rPr lang="ko-KR" altLang="en-US" b="1" dirty="0">
-                <a:solidFill>
-                  <a:srgbClr val="1B3C35"/>
-                </a:solidFill>
-              </a:rPr>
-              <a:t>막차</a:t>
-            </a:r>
-            <a:r>
-              <a:rPr lang="en-US" altLang="ko-KR" b="1" dirty="0">
-                <a:solidFill>
-                  <a:srgbClr val="1B3C35"/>
-                </a:solidFill>
-              </a:rPr>
-              <a:t>.xlsx’</a:t>
-            </a:r>
-          </a:p>
-          <a:p>
-            <a:pPr algn="l"/>
-            <a:endParaRPr lang="en-US" altLang="ko-KR" sz="1600" b="1" dirty="0">
-              <a:solidFill>
-                <a:srgbClr val="1B3C35"/>
-              </a:solidFill>
-            </a:endParaRPr>
-          </a:p>
-          <a:p>
-            <a:pPr algn="l"/>
-            <a:endParaRPr lang="en-US" altLang="ko-KR" sz="1600" b="1" dirty="0">
-              <a:solidFill>
-                <a:srgbClr val="1B3C35"/>
-              </a:solidFill>
-            </a:endParaRPr>
-          </a:p>
-          <a:p>
-            <a:pPr algn="l"/>
-            <a:endParaRPr lang="en-US" altLang="ko-KR" sz="1600" b="1" dirty="0">
-              <a:solidFill>
-                <a:srgbClr val="1B3C35"/>
-              </a:solidFill>
-            </a:endParaRPr>
-          </a:p>
-          <a:p>
-            <a:pPr algn="l"/>
-            <a:endParaRPr lang="en-US" altLang="ko-KR" sz="1600" b="1" dirty="0">
-              <a:solidFill>
-                <a:srgbClr val="1B3C35"/>
-              </a:solidFill>
-            </a:endParaRPr>
-          </a:p>
-          <a:p>
-            <a:pPr algn="l"/>
-            <a:endParaRPr lang="en-US" altLang="ko-KR" sz="1600" b="1" dirty="0">
-              <a:solidFill>
-                <a:srgbClr val="1B3C35"/>
-              </a:solidFill>
-            </a:endParaRPr>
-          </a:p>
-          <a:p>
-            <a:pPr algn="l"/>
-            <a:endParaRPr lang="en-US" altLang="ko-KR" sz="1600" b="1" dirty="0">
-              <a:solidFill>
-                <a:srgbClr val="1B3C35"/>
-              </a:solidFill>
-            </a:endParaRPr>
-          </a:p>
-          <a:p>
-            <a:pPr algn="l"/>
-            <a:endParaRPr lang="en-US" altLang="ko-KR" sz="1600" b="1" dirty="0">
-              <a:solidFill>
-                <a:srgbClr val="1B3C35"/>
-              </a:solidFill>
-            </a:endParaRPr>
-          </a:p>
-          <a:p>
-            <a:pPr algn="l"/>
-            <a:endParaRPr lang="en-US" altLang="ko-KR" sz="1600" b="1" dirty="0">
-              <a:solidFill>
-                <a:srgbClr val="1B3C35"/>
-              </a:solidFill>
-            </a:endParaRPr>
-          </a:p>
-          <a:p>
-            <a:pPr algn="l"/>
-            <a:endParaRPr lang="en-US" altLang="ko-KR" sz="1600" b="1" dirty="0">
-              <a:solidFill>
-                <a:srgbClr val="1B3C35"/>
-              </a:solidFill>
-            </a:endParaRPr>
-          </a:p>
-          <a:p>
-            <a:pPr algn="l"/>
-            <a:endParaRPr lang="en-US" altLang="ko-KR" sz="1600" b="1" dirty="0">
-              <a:solidFill>
-                <a:srgbClr val="1B3C35"/>
-              </a:solidFill>
-            </a:endParaRPr>
-          </a:p>
-          <a:p>
-            <a:pPr algn="l"/>
-            <a:r>
-              <a:rPr lang="en-US" altLang="ko-KR" sz="1600" b="1" dirty="0">
-                <a:solidFill>
-                  <a:srgbClr val="1B3C35"/>
-                </a:solidFill>
-              </a:rPr>
-              <a:t>6~8</a:t>
-            </a:r>
-            <a:r>
-              <a:rPr lang="ko-KR" altLang="en-US" sz="1600" b="1" dirty="0">
-                <a:solidFill>
-                  <a:srgbClr val="1B3C35"/>
-                </a:solidFill>
-              </a:rPr>
-              <a:t>분 형태로 되어있는 컬럼데이터를 정제하여 평균 배차시간을 추출</a:t>
-            </a:r>
-            <a:endParaRPr lang="en-US" altLang="ko-KR" sz="1600" b="1" dirty="0">
-              <a:solidFill>
-                <a:srgbClr val="1B3C35"/>
-              </a:solidFill>
-            </a:endParaRPr>
-          </a:p>
-        </p:txBody>
-      </p:sp>
-      <p:sp>
-        <p:nvSpPr>
-          <p:cNvPr id="5" name="슬라이드 번호 개체 틀 4">
-            <a:extLst>
-              <a:ext uri="{FF2B5EF4-FFF2-40B4-BE49-F238E27FC236}">
-                <a16:creationId xmlns:a16="http://schemas.microsoft.com/office/drawing/2014/main" id="{565AE793-554B-46CA-A5C5-D91843E0DDC9}"/>
-              </a:ext>
-            </a:extLst>
-          </p:cNvPr>
-          <p:cNvSpPr>
-            <a:spLocks noGrp="1"/>
-          </p:cNvSpPr>
-          <p:nvPr>
-            <p:ph type="sldNum" sz="quarter" idx="12"/>
-          </p:nvPr>
-        </p:nvSpPr>
-        <p:spPr/>
-        <p:txBody>
-          <a:bodyPr/>
-          <a:lstStyle/>
-          <a:p>
-            <a:fld id="{15812C5A-9CF7-4A8D-A41D-9E74470054A5}" type="slidenum">
-              <a:rPr lang="ko-KR" altLang="en-US" smtClean="0"/>
-              <a:pPr/>
-              <a:t>8</a:t>
-            </a:fld>
-            <a:endParaRPr lang="ko-KR" altLang="en-US" dirty="0"/>
-          </a:p>
-        </p:txBody>
-      </p:sp>
-      <p:sp>
-        <p:nvSpPr>
-          <p:cNvPr id="6" name="부제목 5">
-            <a:extLst>
-              <a:ext uri="{FF2B5EF4-FFF2-40B4-BE49-F238E27FC236}">
-                <a16:creationId xmlns:a16="http://schemas.microsoft.com/office/drawing/2014/main" id="{E7715509-7870-4E43-A2DE-F377D0847676}"/>
-              </a:ext>
-            </a:extLst>
-          </p:cNvPr>
-          <p:cNvSpPr>
-            <a:spLocks noGrp="1"/>
-          </p:cNvSpPr>
-          <p:nvPr>
-            <p:ph type="subTitle" idx="14"/>
-          </p:nvPr>
-        </p:nvSpPr>
-        <p:spPr/>
-        <p:txBody>
-          <a:bodyPr/>
-          <a:lstStyle/>
-          <a:p>
-            <a:endParaRPr lang="ko-KR" altLang="en-US"/>
-          </a:p>
-        </p:txBody>
-      </p:sp>
-      <p:pic>
-        <p:nvPicPr>
-          <p:cNvPr id="8" name="그림 7">
-            <a:extLst>
-              <a:ext uri="{FF2B5EF4-FFF2-40B4-BE49-F238E27FC236}">
-                <a16:creationId xmlns:a16="http://schemas.microsoft.com/office/drawing/2014/main" id="{0689C469-EC28-4D0B-9A08-6A556863B393}"/>
-              </a:ext>
-            </a:extLst>
-          </p:cNvPr>
-          <p:cNvPicPr>
-            <a:picLocks noChangeAspect="1"/>
-          </p:cNvPicPr>
-          <p:nvPr/>
-        </p:nvPicPr>
-        <p:blipFill>
-          <a:blip r:embed="rId2"/>
-          <a:stretch>
-            <a:fillRect/>
-          </a:stretch>
-        </p:blipFill>
-        <p:spPr>
-          <a:xfrm>
-            <a:off x="1510841" y="3053593"/>
-            <a:ext cx="6292999" cy="2702202"/>
-          </a:xfrm>
-          <a:prstGeom prst="rect">
-            <a:avLst/>
-          </a:prstGeom>
-        </p:spPr>
-      </p:pic>
-    </p:spTree>
-    <p:extLst>
-      <p:ext uri="{BB962C8B-B14F-4D97-AF65-F5344CB8AC3E}">
-        <p14:creationId xmlns:p14="http://schemas.microsoft.com/office/powerpoint/2010/main" val="1053073964"/>
-      </p:ext>
-    </p:extLst>
-  </p:cSld>
-  <p:clrMapOvr>
-    <a:masterClrMapping/>
-  </p:clrMapOvr>
-</p:sld>
-</file>
-
-<file path=ppt/slides/slide9.xml><?xml version="1.0" encoding="utf-8"?>
-<p:sld xmlns:a="http://schemas.openxmlformats.org/drawingml/2006/main" xmlns:r="http://schemas.openxmlformats.org/officeDocument/2006/relationships" xmlns:p="http://schemas.openxmlformats.org/presentationml/2006/main">
-  <p:cSld>
-    <p:spTree>
-      <p:nvGrpSpPr>
-        <p:cNvPr id="1" name=""/>
-        <p:cNvGrpSpPr/>
-        <p:nvPr/>
-      </p:nvGrpSpPr>
-      <p:grpSpPr>
-        <a:xfrm>
-          <a:off x="0" y="0"/>
-          <a:ext cx="0" cy="0"/>
-          <a:chOff x="0" y="0"/>
-          <a:chExt cx="0" cy="0"/>
-        </a:xfrm>
-      </p:grpSpPr>
-      <p:sp>
-        <p:nvSpPr>
-          <p:cNvPr id="2" name="제목 1">
-            <a:extLst>
-              <a:ext uri="{FF2B5EF4-FFF2-40B4-BE49-F238E27FC236}">
-                <a16:creationId xmlns:a16="http://schemas.microsoft.com/office/drawing/2014/main" id="{E7B41566-0AFB-4F99-ADF7-A2C4EBE18ABD}"/>
-              </a:ext>
-            </a:extLst>
-          </p:cNvPr>
-          <p:cNvSpPr>
-            <a:spLocks noGrp="1"/>
-          </p:cNvSpPr>
-          <p:nvPr>
-            <p:ph type="title"/>
-          </p:nvPr>
-        </p:nvSpPr>
-        <p:spPr/>
-        <p:txBody>
-          <a:bodyPr/>
-          <a:lstStyle/>
-          <a:p>
-            <a:r>
-              <a:rPr lang="en-US" altLang="ko-KR" dirty="0"/>
-              <a:t>2. </a:t>
-            </a:r>
-            <a:r>
-              <a:rPr lang="ko-KR" altLang="en-US" dirty="0"/>
-              <a:t>분석코드 설명</a:t>
-            </a:r>
-            <a:r>
-              <a:rPr lang="en-US" altLang="ko-KR" dirty="0"/>
-              <a:t>(2)</a:t>
-            </a:r>
-            <a:endParaRPr lang="ko-KR" altLang="en-US" dirty="0"/>
-          </a:p>
-        </p:txBody>
-      </p:sp>
-      <p:sp>
-        <p:nvSpPr>
-          <p:cNvPr id="3" name="바닥글 개체 틀 2">
-            <a:extLst>
-              <a:ext uri="{FF2B5EF4-FFF2-40B4-BE49-F238E27FC236}">
-                <a16:creationId xmlns:a16="http://schemas.microsoft.com/office/drawing/2014/main" id="{9879BA5B-E8E4-4A64-8225-7F48FE19409C}"/>
-              </a:ext>
-            </a:extLst>
-          </p:cNvPr>
-          <p:cNvSpPr>
-            <a:spLocks noGrp="1"/>
-          </p:cNvSpPr>
-          <p:nvPr>
-            <p:ph type="ftr" sz="quarter" idx="11"/>
-          </p:nvPr>
-        </p:nvSpPr>
-        <p:spPr/>
-        <p:txBody>
-          <a:bodyPr/>
-          <a:lstStyle/>
-          <a:p>
-            <a:r>
-              <a:rPr lang="en-US"/>
-              <a:t>Designed By L@rgo. ADSTORE</a:t>
-            </a:r>
-            <a:endParaRPr lang="en-US" dirty="0"/>
-          </a:p>
-        </p:txBody>
-      </p:sp>
-      <p:sp>
-        <p:nvSpPr>
-          <p:cNvPr id="4" name="텍스트 개체 틀 3">
-            <a:extLst>
-              <a:ext uri="{FF2B5EF4-FFF2-40B4-BE49-F238E27FC236}">
-                <a16:creationId xmlns:a16="http://schemas.microsoft.com/office/drawing/2014/main" id="{430F254A-BD4A-4C3B-A586-DFD7D2BFEE94}"/>
-              </a:ext>
-            </a:extLst>
-          </p:cNvPr>
-          <p:cNvSpPr>
-            <a:spLocks noGrp="1"/>
-          </p:cNvSpPr>
-          <p:nvPr>
-            <p:ph type="body" sz="quarter" idx="13"/>
-          </p:nvPr>
-        </p:nvSpPr>
-        <p:spPr>
-          <a:xfrm>
-            <a:off x="1400906" y="1777999"/>
-            <a:ext cx="9390178" cy="4673526"/>
-          </a:xfrm>
-        </p:spPr>
-        <p:txBody>
-          <a:bodyPr anchor="t">
-            <a:normAutofit/>
-          </a:bodyPr>
-          <a:lstStyle/>
-          <a:p>
-            <a:pPr algn="l"/>
-            <a:r>
-              <a:rPr lang="ko-KR" altLang="en-US" sz="1600" b="1" dirty="0">
-                <a:solidFill>
-                  <a:srgbClr val="1B3C35"/>
-                </a:solidFill>
-              </a:rPr>
-              <a:t>시흥시 경유노선에 대한 포화도 산출 코드</a:t>
-            </a:r>
-            <a:endParaRPr lang="en-US" altLang="ko-KR" sz="1600" b="1" dirty="0">
-              <a:solidFill>
-                <a:srgbClr val="1B3C35"/>
-              </a:solidFill>
-            </a:endParaRPr>
-          </a:p>
-          <a:p>
-            <a:pPr algn="l"/>
-            <a:endParaRPr lang="en-US" altLang="ko-KR" sz="1600" b="1" dirty="0">
-              <a:solidFill>
-                <a:srgbClr val="1B3C35"/>
-              </a:solidFill>
-            </a:endParaRPr>
-          </a:p>
-          <a:p>
-            <a:pPr algn="l"/>
-            <a:r>
-              <a:rPr lang="en-US" altLang="ko-KR" b="1" dirty="0">
-                <a:solidFill>
-                  <a:srgbClr val="1B3C35"/>
-                </a:solidFill>
-              </a:rPr>
-              <a:t>21</a:t>
-            </a:r>
-            <a:r>
-              <a:rPr lang="ko-KR" altLang="en-US" b="1" dirty="0">
-                <a:solidFill>
-                  <a:srgbClr val="1B3C35"/>
-                </a:solidFill>
-              </a:rPr>
-              <a:t>년 </a:t>
-            </a:r>
-            <a:r>
-              <a:rPr lang="en-US" altLang="ko-KR" b="1" dirty="0">
-                <a:solidFill>
-                  <a:srgbClr val="1B3C35"/>
-                </a:solidFill>
-              </a:rPr>
-              <a:t>4</a:t>
-            </a:r>
-            <a:r>
-              <a:rPr lang="ko-KR" altLang="en-US" b="1" dirty="0">
-                <a:solidFill>
-                  <a:srgbClr val="1B3C35"/>
-                </a:solidFill>
-              </a:rPr>
-              <a:t>월의 노선 시간별 탑승객 데이터를 가져옴</a:t>
-            </a:r>
-            <a:endParaRPr lang="en-US" altLang="ko-KR" b="1" dirty="0">
-              <a:solidFill>
-                <a:srgbClr val="1B3C35"/>
-              </a:solidFill>
-            </a:endParaRPr>
-          </a:p>
-          <a:p>
-            <a:pPr algn="l"/>
-            <a:endParaRPr lang="en-US" altLang="ko-KR" sz="1600" b="1" dirty="0">
-              <a:solidFill>
-                <a:srgbClr val="1B3C35"/>
-              </a:solidFill>
-            </a:endParaRPr>
-          </a:p>
-          <a:p>
-            <a:pPr algn="l"/>
-            <a:endParaRPr lang="en-US" altLang="ko-KR" sz="1600" b="1" dirty="0">
-              <a:solidFill>
-                <a:srgbClr val="1B3C35"/>
-              </a:solidFill>
-            </a:endParaRPr>
-          </a:p>
-          <a:p>
-            <a:pPr algn="l"/>
-            <a:endParaRPr lang="en-US" altLang="ko-KR" sz="1600" b="1" dirty="0">
-              <a:solidFill>
-                <a:srgbClr val="1B3C35"/>
-              </a:solidFill>
-            </a:endParaRPr>
-          </a:p>
-          <a:p>
-            <a:pPr algn="l"/>
-            <a:endParaRPr lang="en-US" altLang="ko-KR" sz="1600" b="1" dirty="0">
-              <a:solidFill>
-                <a:srgbClr val="1B3C35"/>
-              </a:solidFill>
-            </a:endParaRPr>
-          </a:p>
-          <a:p>
-            <a:pPr algn="l"/>
-            <a:endParaRPr lang="en-US" altLang="ko-KR" sz="1600" b="1" dirty="0">
-              <a:solidFill>
-                <a:srgbClr val="1B3C35"/>
-              </a:solidFill>
-            </a:endParaRPr>
-          </a:p>
-          <a:p>
-            <a:pPr algn="l"/>
-            <a:endParaRPr lang="en-US" altLang="ko-KR" sz="1600" b="1" dirty="0">
-              <a:solidFill>
-                <a:srgbClr val="1B3C35"/>
-              </a:solidFill>
-            </a:endParaRPr>
-          </a:p>
-          <a:p>
-            <a:pPr algn="l"/>
-            <a:endParaRPr lang="en-US" altLang="ko-KR" sz="1600" b="1" dirty="0">
-              <a:solidFill>
-                <a:srgbClr val="1B3C35"/>
-              </a:solidFill>
-            </a:endParaRPr>
-          </a:p>
-          <a:p>
-            <a:pPr algn="l"/>
-            <a:endParaRPr lang="en-US" altLang="ko-KR" sz="1600" b="1" dirty="0">
-              <a:solidFill>
-                <a:srgbClr val="1B3C35"/>
-              </a:solidFill>
-            </a:endParaRPr>
-          </a:p>
-          <a:p>
-            <a:pPr algn="l"/>
-            <a:endParaRPr lang="en-US" altLang="ko-KR" sz="1600" b="1" dirty="0">
-              <a:solidFill>
-                <a:srgbClr val="1B3C35"/>
-              </a:solidFill>
-            </a:endParaRPr>
-          </a:p>
-        </p:txBody>
-      </p:sp>
-      <p:sp>
-        <p:nvSpPr>
-          <p:cNvPr id="5" name="슬라이드 번호 개체 틀 4">
-            <a:extLst>
-              <a:ext uri="{FF2B5EF4-FFF2-40B4-BE49-F238E27FC236}">
-                <a16:creationId xmlns:a16="http://schemas.microsoft.com/office/drawing/2014/main" id="{565AE793-554B-46CA-A5C5-D91843E0DDC9}"/>
-              </a:ext>
-            </a:extLst>
-          </p:cNvPr>
-          <p:cNvSpPr>
-            <a:spLocks noGrp="1"/>
-          </p:cNvSpPr>
-          <p:nvPr>
-            <p:ph type="sldNum" sz="quarter" idx="12"/>
-          </p:nvPr>
-        </p:nvSpPr>
-        <p:spPr/>
-        <p:txBody>
-          <a:bodyPr/>
-          <a:lstStyle/>
-          <a:p>
-            <a:fld id="{15812C5A-9CF7-4A8D-A41D-9E74470054A5}" type="slidenum">
-              <a:rPr lang="ko-KR" altLang="en-US" smtClean="0"/>
-              <a:pPr/>
-              <a:t>9</a:t>
-            </a:fld>
-            <a:endParaRPr lang="ko-KR" altLang="en-US" dirty="0"/>
-          </a:p>
-        </p:txBody>
-      </p:sp>
-      <p:sp>
-        <p:nvSpPr>
-          <p:cNvPr id="6" name="부제목 5">
-            <a:extLst>
-              <a:ext uri="{FF2B5EF4-FFF2-40B4-BE49-F238E27FC236}">
-                <a16:creationId xmlns:a16="http://schemas.microsoft.com/office/drawing/2014/main" id="{E7715509-7870-4E43-A2DE-F377D0847676}"/>
-              </a:ext>
-            </a:extLst>
-          </p:cNvPr>
-          <p:cNvSpPr>
-            <a:spLocks noGrp="1"/>
-          </p:cNvSpPr>
-          <p:nvPr>
-            <p:ph type="subTitle" idx="14"/>
-          </p:nvPr>
-        </p:nvSpPr>
-        <p:spPr/>
-        <p:txBody>
-          <a:bodyPr/>
-          <a:lstStyle/>
-          <a:p>
-            <a:endParaRPr lang="ko-KR" altLang="en-US"/>
-          </a:p>
-        </p:txBody>
-      </p:sp>
-      <p:pic>
-        <p:nvPicPr>
-          <p:cNvPr id="9" name="그림 8">
-            <a:extLst>
-              <a:ext uri="{FF2B5EF4-FFF2-40B4-BE49-F238E27FC236}">
-                <a16:creationId xmlns:a16="http://schemas.microsoft.com/office/drawing/2014/main" id="{E13BCB1E-B59F-41EC-8043-80B460F36B25}"/>
-              </a:ext>
-            </a:extLst>
-          </p:cNvPr>
-          <p:cNvPicPr>
-            <a:picLocks noChangeAspect="1"/>
-          </p:cNvPicPr>
-          <p:nvPr/>
-        </p:nvPicPr>
-        <p:blipFill>
-          <a:blip r:embed="rId2"/>
-          <a:stretch>
-            <a:fillRect/>
-          </a:stretch>
-        </p:blipFill>
-        <p:spPr>
-          <a:xfrm>
-            <a:off x="1644060" y="2944500"/>
-            <a:ext cx="6300186" cy="2512574"/>
-          </a:xfrm>
-          <a:prstGeom prst="rect">
-            <a:avLst/>
-          </a:prstGeom>
-        </p:spPr>
-      </p:pic>
-    </p:spTree>
-    <p:extLst>
-      <p:ext uri="{BB962C8B-B14F-4D97-AF65-F5344CB8AC3E}">
-        <p14:creationId xmlns:p14="http://schemas.microsoft.com/office/powerpoint/2010/main" val="3488205347"/>
       </p:ext>
     </p:extLst>
   </p:cSld>
